--- a/Folien.pptx
+++ b/Folien.pptx
@@ -5,10 +5,10 @@
     <p:sldMasterId id="2147483648" r:id="rId1"/>
   </p:sldMasterIdLst>
   <p:notesMasterIdLst>
-    <p:notesMasterId r:id="rId57"/>
+    <p:notesMasterId r:id="rId52"/>
   </p:notesMasterIdLst>
   <p:handoutMasterIdLst>
-    <p:handoutMasterId r:id="rId58"/>
+    <p:handoutMasterId r:id="rId53"/>
   </p:handoutMasterIdLst>
   <p:sldIdLst>
     <p:sldId id="256" r:id="rId2"/>
@@ -61,11 +61,6 @@
     <p:sldId id="328" r:id="rId49"/>
     <p:sldId id="318" r:id="rId50"/>
     <p:sldId id="330" r:id="rId51"/>
-    <p:sldId id="322" r:id="rId52"/>
-    <p:sldId id="324" r:id="rId53"/>
-    <p:sldId id="325" r:id="rId54"/>
-    <p:sldId id="326" r:id="rId55"/>
-    <p:sldId id="319" r:id="rId56"/>
   </p:sldIdLst>
   <p:sldSz cx="9144000" cy="6858000" type="screen4x3"/>
   <p:notesSz cx="6858000" cy="9144000"/>
@@ -249,7 +244,7 @@
           <a:p>
             <a:fld id="{046639F1-F2F2-7D4E-A380-513FFD22707E}" type="datetimeFigureOut">
               <a:rPr lang="de-DE" smtClean="0"/>
-              <a:t>18.08.15</a:t>
+              <a:t>22.08.15</a:t>
             </a:fld>
             <a:endParaRPr lang="en-US"/>
           </a:p>
@@ -415,7 +410,7 @@
           <a:p>
             <a:fld id="{162F7A2A-77EE-5B4A-A549-00A5D4B6C316}" type="datetimeFigureOut">
               <a:rPr lang="de-DE" smtClean="0"/>
-              <a:t>18.08.15</a:t>
+              <a:t>21.08.15</a:t>
             </a:fld>
             <a:endParaRPr lang="en-US"/>
           </a:p>
@@ -1051,7 +1046,7 @@
           <a:p>
             <a:fld id="{151F0D94-1F4C-0F44-8F8D-E67F4B7E56D1}" type="datetime1">
               <a:rPr lang="de-DE" smtClean="0"/>
-              <a:t>19.08.15</a:t>
+              <a:t>21.08.15</a:t>
             </a:fld>
             <a:endParaRPr lang="en-US"/>
           </a:p>
@@ -1332,7 +1327,7 @@
           <a:p>
             <a:fld id="{9188BB2E-0815-C54A-AF97-390F3E0EDFD9}" type="datetime1">
               <a:rPr lang="de-DE" smtClean="0"/>
-              <a:t>19.08.15</a:t>
+              <a:t>21.08.15</a:t>
             </a:fld>
             <a:endParaRPr lang="en-US"/>
           </a:p>
@@ -1638,7 +1633,7 @@
           <a:p>
             <a:fld id="{934CAFB1-8B3C-A041-BD9D-0D85CC6B5F8A}" type="datetime1">
               <a:rPr lang="de-DE" smtClean="0"/>
-              <a:t>19.08.15</a:t>
+              <a:t>21.08.15</a:t>
             </a:fld>
             <a:endParaRPr lang="en-US"/>
           </a:p>
@@ -1934,7 +1929,7 @@
           <a:p>
             <a:fld id="{3BBEF3C6-0C2B-DE40-8F1A-B3A742B03B82}" type="datetime1">
               <a:rPr lang="de-DE" smtClean="0"/>
-              <a:t>19.08.15</a:t>
+              <a:t>21.08.15</a:t>
             </a:fld>
             <a:endParaRPr lang="en-US"/>
           </a:p>
@@ -2310,7 +2305,7 @@
           <a:p>
             <a:fld id="{3ABFDC66-00A6-BE41-AFC5-AE5D336680DC}" type="datetime1">
               <a:rPr lang="de-DE" smtClean="0"/>
-              <a:t>19.08.15</a:t>
+              <a:t>21.08.15</a:t>
             </a:fld>
             <a:endParaRPr lang="en-US"/>
           </a:p>
@@ -2750,7 +2745,7 @@
           <a:p>
             <a:fld id="{D20BDBB9-D97C-864D-B40C-CBAC9725B81D}" type="datetime1">
               <a:rPr lang="de-DE" smtClean="0"/>
-              <a:t>19.08.15</a:t>
+              <a:t>21.08.15</a:t>
             </a:fld>
             <a:endParaRPr lang="en-US"/>
           </a:p>
@@ -3298,7 +3293,7 @@
           <a:p>
             <a:fld id="{FCBFD79A-7511-8043-B640-06C4181EF0BD}" type="datetime1">
               <a:rPr lang="de-DE" smtClean="0"/>
-              <a:t>19.08.15</a:t>
+              <a:t>21.08.15</a:t>
             </a:fld>
             <a:endParaRPr lang="en-US"/>
           </a:p>
@@ -3542,7 +3537,7 @@
           <a:p>
             <a:fld id="{29E057BC-EE33-584C-B0A1-19A34CBDA4F8}" type="datetime1">
               <a:rPr lang="de-DE" smtClean="0"/>
-              <a:t>19.08.15</a:t>
+              <a:t>21.08.15</a:t>
             </a:fld>
             <a:endParaRPr lang="en-US"/>
           </a:p>
@@ -3763,7 +3758,7 @@
           <a:p>
             <a:fld id="{AF23E145-F2D3-8F41-A3B2-2134EA3A29FA}" type="datetime1">
               <a:rPr lang="de-DE" smtClean="0"/>
-              <a:t>19.08.15</a:t>
+              <a:t>21.08.15</a:t>
             </a:fld>
             <a:endParaRPr lang="en-US"/>
           </a:p>
@@ -4166,7 +4161,7 @@
           <a:p>
             <a:fld id="{C2601974-30F2-0745-9AD1-4C845AD3C466}" type="datetime1">
               <a:rPr lang="de-DE" smtClean="0"/>
-              <a:t>19.08.15</a:t>
+              <a:t>21.08.15</a:t>
             </a:fld>
             <a:endParaRPr lang="en-US"/>
           </a:p>
@@ -4545,7 +4540,7 @@
           <a:p>
             <a:fld id="{691A6B22-6AD3-094B-AF49-A81245D78A4E}" type="datetime1">
               <a:rPr lang="de-DE" smtClean="0"/>
-              <a:t>19.08.15</a:t>
+              <a:t>21.08.15</a:t>
             </a:fld>
             <a:endParaRPr lang="en-US"/>
           </a:p>
@@ -4884,7 +4879,7 @@
           <a:p>
             <a:fld id="{3368F321-A749-A54D-A23B-26BFC1966ACB}" type="datetime1">
               <a:rPr lang="de-DE" smtClean="0"/>
-              <a:t>19.08.15</a:t>
+              <a:t>21.08.15</a:t>
             </a:fld>
             <a:endParaRPr lang="en-US"/>
           </a:p>
@@ -5335,7 +5330,6 @@
               <a:rPr lang="de-DE" noProof="0" dirty="0" smtClean="0"/>
               <a:t>. August 2015</a:t>
             </a:r>
-            <a:endParaRPr lang="de-DE" noProof="0" dirty="0" smtClean="0"/>
           </a:p>
           <a:p>
             <a:r>
@@ -5344,11 +5338,7 @@
             </a:r>
             <a:r>
               <a:rPr lang="de-DE" noProof="0" dirty="0" smtClean="0"/>
-              <a:t> Viet </a:t>
-            </a:r>
-            <a:r>
-              <a:rPr lang="de-DE" noProof="0" dirty="0" smtClean="0"/>
-              <a:t>Nguyen</a:t>
+              <a:t> Viet Nguyen</a:t>
             </a:r>
           </a:p>
           <a:p>
@@ -16103,7 +16093,6 @@
               <a:rPr lang="de-DE" dirty="0" smtClean="0"/>
               <a:t>: </a:t>
             </a:r>
-            <a:endParaRPr lang="de-DE" dirty="0" smtClean="0"/>
           </a:p>
           <a:p>
             <a:pPr marL="0" lvl="1" indent="0">
@@ -28487,48 +28476,20 @@
           <a:p>
             <a:r>
               <a:rPr lang="de-DE" dirty="0" smtClean="0"/>
-              <a:t>JSON-Objekt </a:t>
-            </a:r>
+              <a:t>JSON-Objekt besitz verschiedene Eigenschaften</a:t>
+            </a:r>
+          </a:p>
+          <a:p>
             <a:r>
               <a:rPr lang="de-DE" dirty="0" smtClean="0"/>
-              <a:t>besitz verschiedene Eigenschaften</a:t>
-            </a:r>
-          </a:p>
-          <a:p>
+              <a:t>Die Eigenschaft type ist immer vorhanden</a:t>
+            </a:r>
+          </a:p>
+          <a:p>
+            <a:pPr lvl="1"/>
             <a:r>
               <a:rPr lang="de-DE" dirty="0" smtClean="0"/>
-              <a:t>Die </a:t>
-            </a:r>
-            <a:r>
-              <a:rPr lang="de-DE" dirty="0" smtClean="0"/>
-              <a:t>Eigenschaft </a:t>
-            </a:r>
-            <a:r>
-              <a:rPr lang="de-DE" dirty="0" smtClean="0"/>
-              <a:t>type</a:t>
-            </a:r>
-            <a:r>
-              <a:rPr lang="de-DE" dirty="0" smtClean="0"/>
-              <a:t> </a:t>
-            </a:r>
-            <a:r>
-              <a:rPr lang="de-DE" dirty="0" smtClean="0"/>
-              <a:t>ist immer vorhanden</a:t>
-            </a:r>
-          </a:p>
-          <a:p>
-            <a:pPr lvl="1"/>
-            <a:r>
-              <a:rPr lang="de-DE" dirty="0" smtClean="0"/>
-              <a:t>Durch </a:t>
-            </a:r>
-            <a:r>
-              <a:rPr lang="de-DE" dirty="0" smtClean="0"/>
-              <a:t>type kann die zusteuernde App </a:t>
-            </a:r>
-            <a:r>
-              <a:rPr lang="de-DE" dirty="0" smtClean="0"/>
-              <a:t>prüfen, was gemacht werden soll </a:t>
+              <a:t>Durch type kann die zusteuernde App prüfen, was gemacht werden soll </a:t>
             </a:r>
             <a:endParaRPr lang="de-DE" dirty="0"/>
           </a:p>
@@ -28810,15 +28771,7 @@
           <a:p>
             <a:r>
               <a:rPr lang="de-DE" dirty="0" smtClean="0"/>
-              <a:t>Event</a:t>
-            </a:r>
-            <a:r>
-              <a:rPr lang="de-DE" dirty="0" smtClean="0"/>
-              <a:t>-</a:t>
-            </a:r>
-            <a:r>
-              <a:rPr lang="de-DE" dirty="0" smtClean="0"/>
-              <a:t>Objekt</a:t>
+              <a:t>Event-Objekt</a:t>
             </a:r>
             <a:endParaRPr lang="de-DE" dirty="0"/>
           </a:p>
@@ -28943,34 +28896,16 @@
                 </a:solidFill>
                 <a:latin typeface="Monaco"/>
               </a:rPr>
-              <a:t>sid</a:t>
-            </a:r>
-            <a:r>
-              <a:rPr lang="nb-NO" sz="1200" dirty="0" smtClean="0">
+              <a:t>sid: </a:t>
+            </a:r>
+            <a:r>
+              <a:rPr lang="nb-NO" sz="1200" dirty="0" err="1" smtClean="0">
                 <a:solidFill>
                   <a:srgbClr val="000000"/>
                 </a:solidFill>
                 <a:latin typeface="Monaco"/>
               </a:rPr>
-              <a:t>: </a:t>
-            </a:r>
-            <a:r>
-              <a:rPr lang="nb-NO" sz="1200" dirty="0" err="1" smtClean="0">
-                <a:solidFill>
-                  <a:srgbClr val="000000"/>
-                </a:solidFill>
-                <a:latin typeface="Monaco"/>
-              </a:rPr>
-              <a:t>session</a:t>
-            </a:r>
-            <a:r>
-              <a:rPr lang="nb-NO" sz="1200" dirty="0" err="1" smtClean="0">
-                <a:solidFill>
-                  <a:srgbClr val="000000"/>
-                </a:solidFill>
-                <a:latin typeface="Monaco"/>
-              </a:rPr>
-              <a:t>_id</a:t>
+              <a:t>session_id</a:t>
             </a:r>
             <a:endParaRPr lang="nb-NO" sz="1200" dirty="0" smtClean="0">
               <a:solidFill>
@@ -29222,1534 +29157,6 @@
   <p:clrMapOvr>
     <a:masterClrMapping/>
   </p:clrMapOvr>
-  <p:timing>
-    <p:tnLst>
-      <p:par>
-        <p:cTn xmlns:p14="http://schemas.microsoft.com/office/powerpoint/2010/main" id="1" dur="indefinite" restart="never" nodeType="tmRoot"/>
-      </p:par>
-    </p:tnLst>
-  </p:timing>
-</p:sld>
-</file>
-
-<file path=ppt/slides/slide51.xml><?xml version="1.0" encoding="utf-8"?>
-<p:sld xmlns:a="http://schemas.openxmlformats.org/drawingml/2006/main" xmlns:r="http://schemas.openxmlformats.org/officeDocument/2006/relationships" xmlns:p="http://schemas.openxmlformats.org/presentationml/2006/main" show="0">
-  <p:cSld>
-    <p:spTree>
-      <p:nvGrpSpPr>
-        <p:cNvPr id="1" name=""/>
-        <p:cNvGrpSpPr/>
-        <p:nvPr/>
-      </p:nvGrpSpPr>
-      <p:grpSpPr>
-        <a:xfrm>
-          <a:off x="0" y="0"/>
-          <a:ext cx="0" cy="0"/>
-          <a:chOff x="0" y="0"/>
-          <a:chExt cx="0" cy="0"/>
-        </a:xfrm>
-      </p:grpSpPr>
-      <p:sp>
-        <p:nvSpPr>
-          <p:cNvPr id="5" name="Foliennummernplatzhalter 4"/>
-          <p:cNvSpPr>
-            <a:spLocks noGrp="1"/>
-          </p:cNvSpPr>
-          <p:nvPr>
-            <p:ph type="sldNum" sz="quarter" idx="4294967295"/>
-          </p:nvPr>
-        </p:nvSpPr>
-        <p:spPr>
-          <a:xfrm>
-            <a:off x="7596336" y="6611000"/>
-            <a:ext cx="1090464" cy="177800"/>
-          </a:xfrm>
-          <a:prstGeom prst="rect">
-            <a:avLst/>
-          </a:prstGeom>
-        </p:spPr>
-        <p:txBody>
-          <a:bodyPr/>
-          <a:lstStyle/>
-          <a:p>
-            <a:fld id="{6C6AE60A-B69C-4790-82F7-3882EDF23186}" type="slidenum">
-              <a:rPr lang="de-DE" smtClean="0"/>
-              <a:pPr/>
-              <a:t>51</a:t>
-            </a:fld>
-            <a:endParaRPr lang="de-DE" dirty="0"/>
-          </a:p>
-        </p:txBody>
-      </p:sp>
-      <p:sp>
-        <p:nvSpPr>
-          <p:cNvPr id="6" name="Titel 5"/>
-          <p:cNvSpPr>
-            <a:spLocks noGrp="1"/>
-          </p:cNvSpPr>
-          <p:nvPr>
-            <p:ph type="title"/>
-          </p:nvPr>
-        </p:nvSpPr>
-        <p:spPr>
-          <a:xfrm>
-            <a:off x="467544" y="2708920"/>
-            <a:ext cx="8229600" cy="1143000"/>
-          </a:xfrm>
-        </p:spPr>
-        <p:txBody>
-          <a:bodyPr/>
-          <a:lstStyle/>
-          <a:p>
-            <a:r>
-              <a:rPr lang="de-DE" dirty="0" smtClean="0"/>
-              <a:t>Demo</a:t>
-            </a:r>
-            <a:endParaRPr lang="de-DE" dirty="0"/>
-          </a:p>
-        </p:txBody>
-      </p:sp>
-    </p:spTree>
-    <p:extLst>
-      <p:ext uri="{BB962C8B-B14F-4D97-AF65-F5344CB8AC3E}">
-        <p14:creationId xmlns:p14="http://schemas.microsoft.com/office/powerpoint/2010/main" val="1938218979"/>
-      </p:ext>
-    </p:extLst>
-  </p:cSld>
-  <p:clrMapOvr>
-    <a:masterClrMapping/>
-  </p:clrMapOvr>
-  <mc:AlternateContent xmlns:mc="http://schemas.openxmlformats.org/markup-compatibility/2006">
-    <mc:Choice xmlns:p14="http://schemas.microsoft.com/office/powerpoint/2010/main" Requires="p14">
-      <p:transition spd="slow" p14:dur="2000"/>
-    </mc:Choice>
-    <mc:Fallback>
-      <p:transition xmlns:p14="http://schemas.microsoft.com/office/powerpoint/2010/main" spd="slow"/>
-    </mc:Fallback>
-  </mc:AlternateContent>
-  <p:timing>
-    <p:tnLst>
-      <p:par>
-        <p:cTn xmlns:p14="http://schemas.microsoft.com/office/powerpoint/2010/main" id="1" dur="indefinite" restart="never" nodeType="tmRoot"/>
-      </p:par>
-    </p:tnLst>
-  </p:timing>
-</p:sld>
-</file>
-
-<file path=ppt/slides/slide52.xml><?xml version="1.0" encoding="utf-8"?>
-<p:sld xmlns:a="http://schemas.openxmlformats.org/drawingml/2006/main" xmlns:r="http://schemas.openxmlformats.org/officeDocument/2006/relationships" xmlns:p="http://schemas.openxmlformats.org/presentationml/2006/main" show="0">
-  <p:cSld>
-    <p:spTree>
-      <p:nvGrpSpPr>
-        <p:cNvPr id="1" name=""/>
-        <p:cNvGrpSpPr/>
-        <p:nvPr/>
-      </p:nvGrpSpPr>
-      <p:grpSpPr>
-        <a:xfrm>
-          <a:off x="0" y="0"/>
-          <a:ext cx="0" cy="0"/>
-          <a:chOff x="0" y="0"/>
-          <a:chExt cx="0" cy="0"/>
-        </a:xfrm>
-      </p:grpSpPr>
-      <p:sp>
-        <p:nvSpPr>
-          <p:cNvPr id="6" name="Titel 1"/>
-          <p:cNvSpPr>
-            <a:spLocks noGrp="1"/>
-          </p:cNvSpPr>
-          <p:nvPr>
-            <p:ph type="title"/>
-          </p:nvPr>
-        </p:nvSpPr>
-        <p:spPr>
-          <a:xfrm>
-            <a:off x="457200" y="274638"/>
-            <a:ext cx="8229600" cy="1143000"/>
-          </a:xfrm>
-        </p:spPr>
-        <p:txBody>
-          <a:bodyPr/>
-          <a:lstStyle/>
-          <a:p>
-            <a:r>
-              <a:rPr lang="de-DE" dirty="0"/>
-              <a:t>Samstagsmaler -- Spielprinzip </a:t>
-            </a:r>
-          </a:p>
-        </p:txBody>
-      </p:sp>
-      <p:sp>
-        <p:nvSpPr>
-          <p:cNvPr id="7" name="Inhaltsplatzhalter 2"/>
-          <p:cNvSpPr>
-            <a:spLocks noGrp="1"/>
-          </p:cNvSpPr>
-          <p:nvPr>
-            <p:ph idx="1"/>
-          </p:nvPr>
-        </p:nvSpPr>
-        <p:spPr>
-          <a:xfrm>
-            <a:off x="457200" y="1600200"/>
-            <a:ext cx="8229600" cy="4525963"/>
-          </a:xfrm>
-        </p:spPr>
-        <p:txBody>
-          <a:bodyPr>
-            <a:normAutofit/>
-          </a:bodyPr>
-          <a:lstStyle/>
-          <a:p>
-            <a:r>
-              <a:rPr lang="de-DE" dirty="0" smtClean="0"/>
-              <a:t>1 Zeichner (Client)</a:t>
-            </a:r>
-          </a:p>
-          <a:p>
-            <a:pPr lvl="1"/>
-            <a:r>
-              <a:rPr lang="de-DE" dirty="0" smtClean="0"/>
-              <a:t>Aufgabe: Zeichnen des Begriffes, Hilfestellung durch Chat</a:t>
-            </a:r>
-          </a:p>
-          <a:p>
-            <a:r>
-              <a:rPr lang="de-DE" dirty="0" smtClean="0"/>
-              <a:t>1...* Rater (Client)</a:t>
-            </a:r>
-          </a:p>
-          <a:p>
-            <a:pPr lvl="1"/>
-            <a:r>
-              <a:rPr lang="de-DE" dirty="0" smtClean="0"/>
-              <a:t>Aufgabe: Raten des Begriffs durch den Chat</a:t>
-            </a:r>
-          </a:p>
-          <a:p>
-            <a:r>
-              <a:rPr lang="de-DE" dirty="0" smtClean="0"/>
-              <a:t>1 Server</a:t>
-            </a:r>
-          </a:p>
-          <a:p>
-            <a:pPr lvl="1"/>
-            <a:r>
-              <a:rPr lang="de-DE" dirty="0" smtClean="0"/>
-              <a:t>Aufgabe: Bestimmt wer Zeichner und wer Rater ist, leitet Nachrichten u</a:t>
-            </a:r>
-            <a:r>
-              <a:rPr lang="de-DE" dirty="0"/>
-              <a:t>.</a:t>
-            </a:r>
-            <a:r>
-              <a:rPr lang="de-DE" dirty="0" smtClean="0"/>
-              <a:t> Befehle weiter</a:t>
-            </a:r>
-          </a:p>
-        </p:txBody>
-      </p:sp>
-    </p:spTree>
-    <p:extLst>
-      <p:ext uri="{BB962C8B-B14F-4D97-AF65-F5344CB8AC3E}">
-        <p14:creationId xmlns:p14="http://schemas.microsoft.com/office/powerpoint/2010/main" val="4038598599"/>
-      </p:ext>
-    </p:extLst>
-  </p:cSld>
-  <p:clrMapOvr>
-    <a:masterClrMapping/>
-  </p:clrMapOvr>
-  <mc:AlternateContent xmlns:mc="http://schemas.openxmlformats.org/markup-compatibility/2006">
-    <mc:Choice xmlns:p14="http://schemas.microsoft.com/office/powerpoint/2010/main" Requires="p14">
-      <p:transition spd="slow" p14:dur="2000"/>
-    </mc:Choice>
-    <mc:Fallback>
-      <p:transition xmlns:p14="http://schemas.microsoft.com/office/powerpoint/2010/main" spd="slow"/>
-    </mc:Fallback>
-  </mc:AlternateContent>
-  <p:timing>
-    <p:tnLst>
-      <p:par>
-        <p:cTn xmlns:p14="http://schemas.microsoft.com/office/powerpoint/2010/main" id="1" dur="indefinite" restart="never" nodeType="tmRoot"/>
-      </p:par>
-    </p:tnLst>
-  </p:timing>
-</p:sld>
-</file>
-
-<file path=ppt/slides/slide53.xml><?xml version="1.0" encoding="utf-8"?>
-<p:sld xmlns:a="http://schemas.openxmlformats.org/drawingml/2006/main" xmlns:r="http://schemas.openxmlformats.org/officeDocument/2006/relationships" xmlns:p="http://schemas.openxmlformats.org/presentationml/2006/main" show="0">
-  <p:cSld>
-    <p:spTree>
-      <p:nvGrpSpPr>
-        <p:cNvPr id="1" name=""/>
-        <p:cNvGrpSpPr/>
-        <p:nvPr/>
-      </p:nvGrpSpPr>
-      <p:grpSpPr>
-        <a:xfrm>
-          <a:off x="0" y="0"/>
-          <a:ext cx="0" cy="0"/>
-          <a:chOff x="0" y="0"/>
-          <a:chExt cx="0" cy="0"/>
-        </a:xfrm>
-      </p:grpSpPr>
-      <p:sp>
-        <p:nvSpPr>
-          <p:cNvPr id="5" name="Foliennummernplatzhalter 4"/>
-          <p:cNvSpPr>
-            <a:spLocks noGrp="1"/>
-          </p:cNvSpPr>
-          <p:nvPr>
-            <p:ph type="sldNum" sz="quarter" idx="4294967295"/>
-          </p:nvPr>
-        </p:nvSpPr>
-        <p:spPr>
-          <a:xfrm>
-            <a:off x="7596336" y="6611000"/>
-            <a:ext cx="1090464" cy="177800"/>
-          </a:xfrm>
-          <a:prstGeom prst="rect">
-            <a:avLst/>
-          </a:prstGeom>
-        </p:spPr>
-        <p:txBody>
-          <a:bodyPr/>
-          <a:lstStyle/>
-          <a:p>
-            <a:fld id="{6C6AE60A-B69C-4790-82F7-3882EDF23186}" type="slidenum">
-              <a:rPr lang="de-DE" smtClean="0"/>
-              <a:pPr/>
-              <a:t>53</a:t>
-            </a:fld>
-            <a:endParaRPr lang="de-DE" dirty="0"/>
-          </a:p>
-        </p:txBody>
-      </p:sp>
-      <p:sp>
-        <p:nvSpPr>
-          <p:cNvPr id="6" name="Titel 1"/>
-          <p:cNvSpPr>
-            <a:spLocks noGrp="1"/>
-          </p:cNvSpPr>
-          <p:nvPr>
-            <p:ph type="title"/>
-          </p:nvPr>
-        </p:nvSpPr>
-        <p:spPr>
-          <a:xfrm>
-            <a:off x="457200" y="274638"/>
-            <a:ext cx="8229600" cy="706090"/>
-          </a:xfrm>
-        </p:spPr>
-        <p:txBody>
-          <a:bodyPr>
-            <a:normAutofit fontScale="90000"/>
-          </a:bodyPr>
-          <a:lstStyle/>
-          <a:p>
-            <a:r>
-              <a:rPr lang="de-DE" dirty="0"/>
-              <a:t>Samstagsmaler -- </a:t>
-            </a:r>
-            <a:r>
-              <a:rPr lang="de-DE" dirty="0" smtClean="0"/>
-              <a:t>Architektur</a:t>
-            </a:r>
-            <a:endParaRPr lang="de-DE" dirty="0"/>
-          </a:p>
-        </p:txBody>
-      </p:sp>
-      <p:grpSp>
-        <p:nvGrpSpPr>
-          <p:cNvPr id="7" name="Gruppierung 6"/>
-          <p:cNvGrpSpPr/>
-          <p:nvPr/>
-        </p:nvGrpSpPr>
-        <p:grpSpPr>
-          <a:xfrm>
-            <a:off x="539552" y="1168921"/>
-            <a:ext cx="3744416" cy="2980159"/>
-            <a:chOff x="356770" y="114152"/>
-            <a:chExt cx="3796565" cy="3824069"/>
-          </a:xfrm>
-        </p:grpSpPr>
-        <p:sp>
-          <p:nvSpPr>
-            <p:cNvPr id="8" name="Rechteck 7"/>
-            <p:cNvSpPr/>
-            <p:nvPr/>
-          </p:nvSpPr>
-          <p:spPr>
-            <a:xfrm>
-              <a:off x="356770" y="114152"/>
-              <a:ext cx="3796565" cy="3824069"/>
-            </a:xfrm>
-            <a:prstGeom prst="rect">
-              <a:avLst/>
-            </a:prstGeom>
-          </p:spPr>
-          <p:style>
-            <a:lnRef idx="2">
-              <a:schemeClr val="dk1"/>
-            </a:lnRef>
-            <a:fillRef idx="1">
-              <a:schemeClr val="lt1"/>
-            </a:fillRef>
-            <a:effectRef idx="0">
-              <a:schemeClr val="dk1"/>
-            </a:effectRef>
-            <a:fontRef idx="minor">
-              <a:schemeClr val="dk1"/>
-            </a:fontRef>
-          </p:style>
-          <p:txBody>
-            <a:bodyPr rtlCol="0" anchor="ctr"/>
-            <a:lstStyle/>
-            <a:p>
-              <a:pPr algn="ctr"/>
-              <a:endParaRPr lang="de-DE" dirty="0"/>
-            </a:p>
-          </p:txBody>
-        </p:sp>
-        <p:sp>
-          <p:nvSpPr>
-            <p:cNvPr id="9" name="Rechteck 8"/>
-            <p:cNvSpPr/>
-            <p:nvPr/>
-          </p:nvSpPr>
-          <p:spPr>
-            <a:xfrm>
-              <a:off x="656457" y="626173"/>
-              <a:ext cx="3121818" cy="1159203"/>
-            </a:xfrm>
-            <a:prstGeom prst="rect">
-              <a:avLst/>
-            </a:prstGeom>
-          </p:spPr>
-          <p:style>
-            <a:lnRef idx="2">
-              <a:schemeClr val="dk1"/>
-            </a:lnRef>
-            <a:fillRef idx="1">
-              <a:schemeClr val="lt1"/>
-            </a:fillRef>
-            <a:effectRef idx="0">
-              <a:schemeClr val="dk1"/>
-            </a:effectRef>
-            <a:fontRef idx="minor">
-              <a:schemeClr val="dk1"/>
-            </a:fontRef>
-          </p:style>
-          <p:txBody>
-            <a:bodyPr rtlCol="0" anchor="ctr"/>
-            <a:lstStyle/>
-            <a:p>
-              <a:pPr algn="ctr"/>
-              <a:r>
-                <a:rPr lang="de-DE" dirty="0" smtClean="0"/>
-                <a:t>Zeichenfläche</a:t>
-              </a:r>
-              <a:endParaRPr lang="de-DE" dirty="0"/>
-            </a:p>
-          </p:txBody>
-        </p:sp>
-        <p:sp>
-          <p:nvSpPr>
-            <p:cNvPr id="10" name="Textfeld 9"/>
-            <p:cNvSpPr txBox="1"/>
-            <p:nvPr/>
-          </p:nvSpPr>
-          <p:spPr>
-            <a:xfrm>
-              <a:off x="656456" y="155300"/>
-              <a:ext cx="2657080" cy="473918"/>
-            </a:xfrm>
-            <a:prstGeom prst="rect">
-              <a:avLst/>
-            </a:prstGeom>
-            <a:noFill/>
-          </p:spPr>
-          <p:txBody>
-            <a:bodyPr wrap="square" rtlCol="0">
-              <a:spAutoFit/>
-            </a:bodyPr>
-            <a:lstStyle/>
-            <a:p>
-              <a:r>
-                <a:rPr lang="de-DE" dirty="0" smtClean="0"/>
-                <a:t>Zeichne:  Wort x</a:t>
-              </a:r>
-              <a:endParaRPr lang="de-DE" dirty="0"/>
-            </a:p>
-          </p:txBody>
-        </p:sp>
-        <p:sp>
-          <p:nvSpPr>
-            <p:cNvPr id="11" name="Abgerundetes Rechteck 10"/>
-            <p:cNvSpPr/>
-            <p:nvPr/>
-          </p:nvSpPr>
-          <p:spPr>
-            <a:xfrm>
-              <a:off x="445460" y="1918698"/>
-              <a:ext cx="1006473" cy="292985"/>
-            </a:xfrm>
-            <a:prstGeom prst="roundRect">
-              <a:avLst/>
-            </a:prstGeom>
-          </p:spPr>
-          <p:style>
-            <a:lnRef idx="1">
-              <a:schemeClr val="dk1"/>
-            </a:lnRef>
-            <a:fillRef idx="2">
-              <a:schemeClr val="dk1"/>
-            </a:fillRef>
-            <a:effectRef idx="1">
-              <a:schemeClr val="dk1"/>
-            </a:effectRef>
-            <a:fontRef idx="minor">
-              <a:schemeClr val="dk1"/>
-            </a:fontRef>
-          </p:style>
-          <p:txBody>
-            <a:bodyPr rtlCol="0" anchor="ctr"/>
-            <a:lstStyle/>
-            <a:p>
-              <a:pPr algn="ctr"/>
-              <a:r>
-                <a:rPr lang="de-DE" sz="1200" dirty="0" smtClean="0">
-                  <a:solidFill>
-                    <a:srgbClr val="000000"/>
-                  </a:solidFill>
-                </a:rPr>
-                <a:t>Säubern</a:t>
-              </a:r>
-              <a:endParaRPr lang="de-DE" sz="1200" dirty="0">
-                <a:solidFill>
-                  <a:srgbClr val="000000"/>
-                </a:solidFill>
-              </a:endParaRPr>
-            </a:p>
-          </p:txBody>
-        </p:sp>
-        <p:sp>
-          <p:nvSpPr>
-            <p:cNvPr id="12" name="Abgerundetes Rechteck 11"/>
-            <p:cNvSpPr/>
-            <p:nvPr/>
-          </p:nvSpPr>
-          <p:spPr>
-            <a:xfrm>
-              <a:off x="1735702" y="1918698"/>
-              <a:ext cx="1006473" cy="292985"/>
-            </a:xfrm>
-            <a:prstGeom prst="roundRect">
-              <a:avLst/>
-            </a:prstGeom>
-          </p:spPr>
-          <p:style>
-            <a:lnRef idx="1">
-              <a:schemeClr val="dk1"/>
-            </a:lnRef>
-            <a:fillRef idx="2">
-              <a:schemeClr val="dk1"/>
-            </a:fillRef>
-            <a:effectRef idx="1">
-              <a:schemeClr val="dk1"/>
-            </a:effectRef>
-            <a:fontRef idx="minor">
-              <a:schemeClr val="dk1"/>
-            </a:fontRef>
-          </p:style>
-          <p:txBody>
-            <a:bodyPr rtlCol="0" anchor="ctr"/>
-            <a:lstStyle/>
-            <a:p>
-              <a:pPr algn="ctr"/>
-              <a:r>
-                <a:rPr lang="de-DE" sz="1200" dirty="0" smtClean="0">
-                  <a:solidFill>
-                    <a:srgbClr val="000000"/>
-                  </a:solidFill>
-                </a:rPr>
-                <a:t>Neues Word</a:t>
-              </a:r>
-              <a:endParaRPr lang="de-DE" sz="1200" dirty="0">
-                <a:solidFill>
-                  <a:srgbClr val="000000"/>
-                </a:solidFill>
-              </a:endParaRPr>
-            </a:p>
-          </p:txBody>
-        </p:sp>
-        <p:sp>
-          <p:nvSpPr>
-            <p:cNvPr id="13" name="Abgerundetes Rechteck 12"/>
-            <p:cNvSpPr/>
-            <p:nvPr/>
-          </p:nvSpPr>
-          <p:spPr>
-            <a:xfrm>
-              <a:off x="3025943" y="1918698"/>
-              <a:ext cx="1006473" cy="292985"/>
-            </a:xfrm>
-            <a:prstGeom prst="roundRect">
-              <a:avLst/>
-            </a:prstGeom>
-          </p:spPr>
-          <p:style>
-            <a:lnRef idx="1">
-              <a:schemeClr val="dk1"/>
-            </a:lnRef>
-            <a:fillRef idx="2">
-              <a:schemeClr val="dk1"/>
-            </a:fillRef>
-            <a:effectRef idx="1">
-              <a:schemeClr val="dk1"/>
-            </a:effectRef>
-            <a:fontRef idx="minor">
-              <a:schemeClr val="dk1"/>
-            </a:fontRef>
-          </p:style>
-          <p:txBody>
-            <a:bodyPr rtlCol="0" anchor="ctr"/>
-            <a:lstStyle/>
-            <a:p>
-              <a:pPr algn="ctr"/>
-              <a:r>
-                <a:rPr lang="de-DE" sz="1200" dirty="0" smtClean="0">
-                  <a:solidFill>
-                    <a:srgbClr val="000000"/>
-                  </a:solidFill>
-                </a:rPr>
-                <a:t>Neues Spiel</a:t>
-              </a:r>
-              <a:endParaRPr lang="de-DE" sz="1200" dirty="0">
-                <a:solidFill>
-                  <a:srgbClr val="000000"/>
-                </a:solidFill>
-              </a:endParaRPr>
-            </a:p>
-          </p:txBody>
-        </p:sp>
-        <p:sp>
-          <p:nvSpPr>
-            <p:cNvPr id="14" name="Rechteck 13"/>
-            <p:cNvSpPr/>
-            <p:nvPr/>
-          </p:nvSpPr>
-          <p:spPr>
-            <a:xfrm>
-              <a:off x="656456" y="2868624"/>
-              <a:ext cx="3121818" cy="857277"/>
-            </a:xfrm>
-            <a:prstGeom prst="rect">
-              <a:avLst/>
-            </a:prstGeom>
-          </p:spPr>
-          <p:style>
-            <a:lnRef idx="2">
-              <a:schemeClr val="dk1"/>
-            </a:lnRef>
-            <a:fillRef idx="1">
-              <a:schemeClr val="lt1"/>
-            </a:fillRef>
-            <a:effectRef idx="0">
-              <a:schemeClr val="dk1"/>
-            </a:effectRef>
-            <a:fontRef idx="minor">
-              <a:schemeClr val="dk1"/>
-            </a:fontRef>
-          </p:style>
-          <p:txBody>
-            <a:bodyPr rtlCol="0" anchor="ctr"/>
-            <a:lstStyle/>
-            <a:p>
-              <a:pPr algn="ctr"/>
-              <a:r>
-                <a:rPr lang="de-DE" dirty="0" err="1" smtClean="0"/>
-                <a:t>Chatbox</a:t>
-              </a:r>
-              <a:endParaRPr lang="de-DE" dirty="0"/>
-            </a:p>
-          </p:txBody>
-        </p:sp>
-        <p:sp>
-          <p:nvSpPr>
-            <p:cNvPr id="15" name="Rechteck 14"/>
-            <p:cNvSpPr/>
-            <p:nvPr/>
-          </p:nvSpPr>
-          <p:spPr>
-            <a:xfrm>
-              <a:off x="656456" y="2424126"/>
-              <a:ext cx="3121819" cy="277197"/>
-            </a:xfrm>
-            <a:prstGeom prst="rect">
-              <a:avLst/>
-            </a:prstGeom>
-          </p:spPr>
-          <p:style>
-            <a:lnRef idx="2">
-              <a:schemeClr val="dk1"/>
-            </a:lnRef>
-            <a:fillRef idx="1">
-              <a:schemeClr val="lt1"/>
-            </a:fillRef>
-            <a:effectRef idx="0">
-              <a:schemeClr val="dk1"/>
-            </a:effectRef>
-            <a:fontRef idx="minor">
-              <a:schemeClr val="dk1"/>
-            </a:fontRef>
-          </p:style>
-          <p:txBody>
-            <a:bodyPr rtlCol="0" anchor="ctr"/>
-            <a:lstStyle/>
-            <a:p>
-              <a:pPr algn="ctr"/>
-              <a:r>
-                <a:rPr lang="de-DE" sz="1400" dirty="0" smtClean="0"/>
-                <a:t>Chatnachricht</a:t>
-              </a:r>
-              <a:endParaRPr lang="de-DE" sz="1400" dirty="0"/>
-            </a:p>
-          </p:txBody>
-        </p:sp>
-      </p:grpSp>
-      <p:sp>
-        <p:nvSpPr>
-          <p:cNvPr id="16" name="Rechteck 15"/>
-          <p:cNvSpPr/>
-          <p:nvPr/>
-        </p:nvSpPr>
-        <p:spPr>
-          <a:xfrm>
-            <a:off x="2699792" y="5373216"/>
-            <a:ext cx="3714564" cy="656080"/>
-          </a:xfrm>
-          <a:prstGeom prst="rect">
-            <a:avLst/>
-          </a:prstGeom>
-        </p:spPr>
-        <p:style>
-          <a:lnRef idx="2">
-            <a:schemeClr val="dk1"/>
-          </a:lnRef>
-          <a:fillRef idx="1">
-            <a:schemeClr val="lt1"/>
-          </a:fillRef>
-          <a:effectRef idx="0">
-            <a:schemeClr val="dk1"/>
-          </a:effectRef>
-          <a:fontRef idx="minor">
-            <a:schemeClr val="dk1"/>
-          </a:fontRef>
-        </p:style>
-        <p:txBody>
-          <a:bodyPr rtlCol="0" anchor="ctr"/>
-          <a:lstStyle/>
-          <a:p>
-            <a:pPr algn="ctr"/>
-            <a:endParaRPr lang="de-DE" dirty="0" smtClean="0">
-              <a:solidFill>
-                <a:srgbClr val="000000"/>
-              </a:solidFill>
-            </a:endParaRPr>
-          </a:p>
-          <a:p>
-            <a:pPr algn="ctr"/>
-            <a:r>
-              <a:rPr lang="de-DE" dirty="0" smtClean="0">
-                <a:solidFill>
-                  <a:srgbClr val="000000"/>
-                </a:solidFill>
-              </a:rPr>
-              <a:t>Samstagsmaler-Server</a:t>
-            </a:r>
-          </a:p>
-          <a:p>
-            <a:pPr algn="ctr"/>
-            <a:endParaRPr lang="de-DE" dirty="0">
-              <a:solidFill>
-                <a:srgbClr val="000000"/>
-              </a:solidFill>
-            </a:endParaRPr>
-          </a:p>
-        </p:txBody>
-      </p:sp>
-      <p:grpSp>
-        <p:nvGrpSpPr>
-          <p:cNvPr id="17" name="Gruppierung 16"/>
-          <p:cNvGrpSpPr/>
-          <p:nvPr/>
-        </p:nvGrpSpPr>
-        <p:grpSpPr>
-          <a:xfrm>
-            <a:off x="4716016" y="1168921"/>
-            <a:ext cx="3744416" cy="2980159"/>
-            <a:chOff x="356770" y="114152"/>
-            <a:chExt cx="3796565" cy="3824069"/>
-          </a:xfrm>
-        </p:grpSpPr>
-        <p:sp>
-          <p:nvSpPr>
-            <p:cNvPr id="18" name="Rechteck 17"/>
-            <p:cNvSpPr/>
-            <p:nvPr/>
-          </p:nvSpPr>
-          <p:spPr>
-            <a:xfrm>
-              <a:off x="356770" y="114152"/>
-              <a:ext cx="3796565" cy="3824069"/>
-            </a:xfrm>
-            <a:prstGeom prst="rect">
-              <a:avLst/>
-            </a:prstGeom>
-          </p:spPr>
-          <p:style>
-            <a:lnRef idx="2">
-              <a:schemeClr val="dk1"/>
-            </a:lnRef>
-            <a:fillRef idx="1">
-              <a:schemeClr val="lt1"/>
-            </a:fillRef>
-            <a:effectRef idx="0">
-              <a:schemeClr val="dk1"/>
-            </a:effectRef>
-            <a:fontRef idx="minor">
-              <a:schemeClr val="dk1"/>
-            </a:fontRef>
-          </p:style>
-          <p:txBody>
-            <a:bodyPr rtlCol="0" anchor="ctr"/>
-            <a:lstStyle/>
-            <a:p>
-              <a:pPr algn="ctr"/>
-              <a:endParaRPr lang="de-DE" dirty="0"/>
-            </a:p>
-          </p:txBody>
-        </p:sp>
-        <p:sp>
-          <p:nvSpPr>
-            <p:cNvPr id="19" name="Rechteck 18"/>
-            <p:cNvSpPr/>
-            <p:nvPr/>
-          </p:nvSpPr>
-          <p:spPr>
-            <a:xfrm>
-              <a:off x="656457" y="626173"/>
-              <a:ext cx="3121818" cy="1159203"/>
-            </a:xfrm>
-            <a:prstGeom prst="rect">
-              <a:avLst/>
-            </a:prstGeom>
-          </p:spPr>
-          <p:style>
-            <a:lnRef idx="2">
-              <a:schemeClr val="dk1"/>
-            </a:lnRef>
-            <a:fillRef idx="1">
-              <a:schemeClr val="lt1"/>
-            </a:fillRef>
-            <a:effectRef idx="0">
-              <a:schemeClr val="dk1"/>
-            </a:effectRef>
-            <a:fontRef idx="minor">
-              <a:schemeClr val="dk1"/>
-            </a:fontRef>
-          </p:style>
-          <p:txBody>
-            <a:bodyPr rtlCol="0" anchor="ctr"/>
-            <a:lstStyle/>
-            <a:p>
-              <a:pPr algn="ctr"/>
-              <a:r>
-                <a:rPr lang="de-DE" dirty="0" smtClean="0"/>
-                <a:t>Zeichenfläche</a:t>
-              </a:r>
-              <a:endParaRPr lang="de-DE" dirty="0"/>
-            </a:p>
-          </p:txBody>
-        </p:sp>
-        <p:sp>
-          <p:nvSpPr>
-            <p:cNvPr id="20" name="Textfeld 19"/>
-            <p:cNvSpPr txBox="1"/>
-            <p:nvPr/>
-          </p:nvSpPr>
-          <p:spPr>
-            <a:xfrm>
-              <a:off x="656456" y="155300"/>
-              <a:ext cx="2657080" cy="473918"/>
-            </a:xfrm>
-            <a:prstGeom prst="rect">
-              <a:avLst/>
-            </a:prstGeom>
-            <a:noFill/>
-          </p:spPr>
-          <p:txBody>
-            <a:bodyPr wrap="square" rtlCol="0">
-              <a:spAutoFit/>
-            </a:bodyPr>
-            <a:lstStyle/>
-            <a:p>
-              <a:r>
-                <a:rPr lang="de-DE" dirty="0" smtClean="0"/>
-                <a:t>Rate</a:t>
-              </a:r>
-              <a:endParaRPr lang="de-DE" dirty="0"/>
-            </a:p>
-          </p:txBody>
-        </p:sp>
-        <p:sp>
-          <p:nvSpPr>
-            <p:cNvPr id="21" name="Rechteck 20"/>
-            <p:cNvSpPr/>
-            <p:nvPr/>
-          </p:nvSpPr>
-          <p:spPr>
-            <a:xfrm>
-              <a:off x="656456" y="2868624"/>
-              <a:ext cx="3121818" cy="857277"/>
-            </a:xfrm>
-            <a:prstGeom prst="rect">
-              <a:avLst/>
-            </a:prstGeom>
-          </p:spPr>
-          <p:style>
-            <a:lnRef idx="2">
-              <a:schemeClr val="dk1"/>
-            </a:lnRef>
-            <a:fillRef idx="1">
-              <a:schemeClr val="lt1"/>
-            </a:fillRef>
-            <a:effectRef idx="0">
-              <a:schemeClr val="dk1"/>
-            </a:effectRef>
-            <a:fontRef idx="minor">
-              <a:schemeClr val="dk1"/>
-            </a:fontRef>
-          </p:style>
-          <p:txBody>
-            <a:bodyPr rtlCol="0" anchor="ctr"/>
-            <a:lstStyle/>
-            <a:p>
-              <a:pPr algn="ctr"/>
-              <a:r>
-                <a:rPr lang="de-DE" dirty="0" err="1" smtClean="0"/>
-                <a:t>Chatbox</a:t>
-              </a:r>
-              <a:endParaRPr lang="de-DE" dirty="0"/>
-            </a:p>
-          </p:txBody>
-        </p:sp>
-        <p:sp>
-          <p:nvSpPr>
-            <p:cNvPr id="22" name="Rechteck 21"/>
-            <p:cNvSpPr/>
-            <p:nvPr/>
-          </p:nvSpPr>
-          <p:spPr>
-            <a:xfrm>
-              <a:off x="656456" y="2424126"/>
-              <a:ext cx="3121818" cy="277197"/>
-            </a:xfrm>
-            <a:prstGeom prst="rect">
-              <a:avLst/>
-            </a:prstGeom>
-          </p:spPr>
-          <p:style>
-            <a:lnRef idx="2">
-              <a:schemeClr val="dk1"/>
-            </a:lnRef>
-            <a:fillRef idx="1">
-              <a:schemeClr val="lt1"/>
-            </a:fillRef>
-            <a:effectRef idx="0">
-              <a:schemeClr val="dk1"/>
-            </a:effectRef>
-            <a:fontRef idx="minor">
-              <a:schemeClr val="dk1"/>
-            </a:fontRef>
-          </p:style>
-          <p:txBody>
-            <a:bodyPr rtlCol="0" anchor="ctr"/>
-            <a:lstStyle/>
-            <a:p>
-              <a:pPr algn="ctr"/>
-              <a:r>
-                <a:rPr lang="de-DE" sz="1400" dirty="0" smtClean="0"/>
-                <a:t>Chatnachricht</a:t>
-              </a:r>
-              <a:endParaRPr lang="de-DE" sz="1400" dirty="0"/>
-            </a:p>
-          </p:txBody>
-        </p:sp>
-      </p:grpSp>
-      <p:cxnSp>
-        <p:nvCxnSpPr>
-          <p:cNvPr id="23" name="Gerade Verbindung mit Pfeil 22"/>
-          <p:cNvCxnSpPr/>
-          <p:nvPr/>
-        </p:nvCxnSpPr>
-        <p:spPr>
-          <a:xfrm>
-            <a:off x="3419872" y="4293096"/>
-            <a:ext cx="936104" cy="936104"/>
-          </a:xfrm>
-          <a:prstGeom prst="straightConnector1">
-            <a:avLst/>
-          </a:prstGeom>
-          <a:ln>
-            <a:headEnd type="arrow"/>
-            <a:tailEnd type="arrow"/>
-          </a:ln>
-        </p:spPr>
-        <p:style>
-          <a:lnRef idx="2">
-            <a:schemeClr val="dk1"/>
-          </a:lnRef>
-          <a:fillRef idx="0">
-            <a:schemeClr val="dk1"/>
-          </a:fillRef>
-          <a:effectRef idx="1">
-            <a:schemeClr val="dk1"/>
-          </a:effectRef>
-          <a:fontRef idx="minor">
-            <a:schemeClr val="tx1"/>
-          </a:fontRef>
-        </p:style>
-      </p:cxnSp>
-      <p:cxnSp>
-        <p:nvCxnSpPr>
-          <p:cNvPr id="24" name="Gerade Verbindung mit Pfeil 23"/>
-          <p:cNvCxnSpPr/>
-          <p:nvPr/>
-        </p:nvCxnSpPr>
-        <p:spPr>
-          <a:xfrm rot="5400000">
-            <a:off x="4716016" y="4293096"/>
-            <a:ext cx="936104" cy="936104"/>
-          </a:xfrm>
-          <a:prstGeom prst="straightConnector1">
-            <a:avLst/>
-          </a:prstGeom>
-          <a:ln>
-            <a:headEnd type="arrow"/>
-            <a:tailEnd type="arrow"/>
-          </a:ln>
-        </p:spPr>
-        <p:style>
-          <a:lnRef idx="2">
-            <a:schemeClr val="dk1"/>
-          </a:lnRef>
-          <a:fillRef idx="0">
-            <a:schemeClr val="dk1"/>
-          </a:fillRef>
-          <a:effectRef idx="1">
-            <a:schemeClr val="dk1"/>
-          </a:effectRef>
-          <a:fontRef idx="minor">
-            <a:schemeClr val="tx1"/>
-          </a:fontRef>
-        </p:style>
-      </p:cxnSp>
-      <p:sp>
-        <p:nvSpPr>
-          <p:cNvPr id="3" name="Ellipse 2"/>
-          <p:cNvSpPr/>
-          <p:nvPr/>
-        </p:nvSpPr>
-        <p:spPr>
-          <a:xfrm>
-            <a:off x="3172062" y="4543291"/>
-            <a:ext cx="2768090" cy="461665"/>
-          </a:xfrm>
-          <a:prstGeom prst="ellipse">
-            <a:avLst/>
-          </a:prstGeom>
-          <a:gradFill flip="none" rotWithShape="1">
-            <a:gsLst>
-              <a:gs pos="0">
-                <a:schemeClr val="bg1"/>
-              </a:gs>
-              <a:gs pos="70000">
-                <a:schemeClr val="bg1">
-                  <a:alpha val="70000"/>
-                </a:schemeClr>
-              </a:gs>
-              <a:gs pos="100000">
-                <a:schemeClr val="bg1">
-                  <a:alpha val="0"/>
-                </a:schemeClr>
-              </a:gs>
-            </a:gsLst>
-            <a:path path="circle">
-              <a:fillToRect l="50000" t="50000" r="50000" b="50000"/>
-            </a:path>
-            <a:tileRect/>
-          </a:gradFill>
-          <a:ln>
-            <a:noFill/>
-          </a:ln>
-        </p:spPr>
-        <p:style>
-          <a:lnRef idx="2">
-            <a:schemeClr val="accent1">
-              <a:shade val="50000"/>
-            </a:schemeClr>
-          </a:lnRef>
-          <a:fillRef idx="1">
-            <a:schemeClr val="accent1"/>
-          </a:fillRef>
-          <a:effectRef idx="0">
-            <a:schemeClr val="accent1"/>
-          </a:effectRef>
-          <a:fontRef idx="minor">
-            <a:schemeClr val="lt1"/>
-          </a:fontRef>
-        </p:style>
-        <p:txBody>
-          <a:bodyPr rtlCol="0" anchor="ctr"/>
-          <a:lstStyle/>
-          <a:p>
-            <a:pPr algn="ctr"/>
-            <a:endParaRPr lang="de-DE"/>
-          </a:p>
-        </p:txBody>
-      </p:sp>
-      <p:sp>
-        <p:nvSpPr>
-          <p:cNvPr id="2" name="Textfeld 1"/>
-          <p:cNvSpPr txBox="1"/>
-          <p:nvPr/>
-        </p:nvSpPr>
-        <p:spPr>
-          <a:xfrm>
-            <a:off x="3700364" y="4543291"/>
-            <a:ext cx="1735732" cy="461665"/>
-          </a:xfrm>
-          <a:prstGeom prst="rect">
-            <a:avLst/>
-          </a:prstGeom>
-          <a:noFill/>
-        </p:spPr>
-        <p:txBody>
-          <a:bodyPr wrap="none" rtlCol="0">
-            <a:spAutoFit/>
-          </a:bodyPr>
-          <a:lstStyle/>
-          <a:p>
-            <a:r>
-              <a:rPr lang="de-DE" sz="2400" b="1" dirty="0" err="1" smtClean="0"/>
-              <a:t>WebSockets</a:t>
-            </a:r>
-            <a:endParaRPr lang="de-DE" b="1" dirty="0"/>
-          </a:p>
-        </p:txBody>
-      </p:sp>
-      <p:sp>
-        <p:nvSpPr>
-          <p:cNvPr id="25" name="Rechteck 24"/>
-          <p:cNvSpPr/>
-          <p:nvPr/>
-        </p:nvSpPr>
-        <p:spPr>
-          <a:xfrm>
-            <a:off x="539552" y="952898"/>
-            <a:ext cx="3744416" cy="216024"/>
-          </a:xfrm>
-          <a:prstGeom prst="rect">
-            <a:avLst/>
-          </a:prstGeom>
-          <a:solidFill>
-            <a:schemeClr val="tx1"/>
-          </a:solidFill>
-          <a:ln>
-            <a:solidFill>
-              <a:schemeClr val="tx1"/>
-            </a:solidFill>
-          </a:ln>
-        </p:spPr>
-        <p:style>
-          <a:lnRef idx="2">
-            <a:schemeClr val="accent1">
-              <a:shade val="50000"/>
-            </a:schemeClr>
-          </a:lnRef>
-          <a:fillRef idx="1">
-            <a:schemeClr val="accent1"/>
-          </a:fillRef>
-          <a:effectRef idx="0">
-            <a:schemeClr val="accent1"/>
-          </a:effectRef>
-          <a:fontRef idx="minor">
-            <a:schemeClr val="lt1"/>
-          </a:fontRef>
-        </p:style>
-        <p:txBody>
-          <a:bodyPr rtlCol="0" anchor="ctr"/>
-          <a:lstStyle/>
-          <a:p>
-            <a:pPr algn="r"/>
-            <a:r>
-              <a:rPr lang="de-DE" sz="1200" b="1" dirty="0">
-                <a:latin typeface="Arial Black" pitchFamily="34" charset="0"/>
-              </a:rPr>
-              <a:t>X</a:t>
-            </a:r>
-            <a:endParaRPr lang="de-DE" sz="1200" dirty="0"/>
-          </a:p>
-        </p:txBody>
-      </p:sp>
-      <p:sp>
-        <p:nvSpPr>
-          <p:cNvPr id="26" name="Rechteck 25"/>
-          <p:cNvSpPr/>
-          <p:nvPr/>
-        </p:nvSpPr>
-        <p:spPr>
-          <a:xfrm>
-            <a:off x="4716016" y="938689"/>
-            <a:ext cx="3744416" cy="216024"/>
-          </a:xfrm>
-          <a:prstGeom prst="rect">
-            <a:avLst/>
-          </a:prstGeom>
-          <a:solidFill>
-            <a:schemeClr val="tx1"/>
-          </a:solidFill>
-          <a:ln>
-            <a:solidFill>
-              <a:schemeClr val="tx1"/>
-            </a:solidFill>
-          </a:ln>
-        </p:spPr>
-        <p:style>
-          <a:lnRef idx="2">
-            <a:schemeClr val="accent1">
-              <a:shade val="50000"/>
-            </a:schemeClr>
-          </a:lnRef>
-          <a:fillRef idx="1">
-            <a:schemeClr val="accent1"/>
-          </a:fillRef>
-          <a:effectRef idx="0">
-            <a:schemeClr val="accent1"/>
-          </a:effectRef>
-          <a:fontRef idx="minor">
-            <a:schemeClr val="lt1"/>
-          </a:fontRef>
-        </p:style>
-        <p:txBody>
-          <a:bodyPr rtlCol="0" anchor="ctr"/>
-          <a:lstStyle/>
-          <a:p>
-            <a:pPr algn="r"/>
-            <a:r>
-              <a:rPr lang="de-DE" sz="1200" b="1" dirty="0" smtClean="0">
-                <a:latin typeface="Arial Black" pitchFamily="34" charset="0"/>
-              </a:rPr>
-              <a:t>X</a:t>
-            </a:r>
-            <a:endParaRPr lang="de-DE" b="1" dirty="0">
-              <a:latin typeface="Arial Black" pitchFamily="34" charset="0"/>
-            </a:endParaRPr>
-          </a:p>
-        </p:txBody>
-      </p:sp>
-    </p:spTree>
-    <p:extLst>
-      <p:ext uri="{BB962C8B-B14F-4D97-AF65-F5344CB8AC3E}">
-        <p14:creationId xmlns:p14="http://schemas.microsoft.com/office/powerpoint/2010/main" val="1796558140"/>
-      </p:ext>
-    </p:extLst>
-  </p:cSld>
-  <p:clrMapOvr>
-    <a:masterClrMapping/>
-  </p:clrMapOvr>
-  <mc:AlternateContent xmlns:mc="http://schemas.openxmlformats.org/markup-compatibility/2006">
-    <mc:Choice xmlns:p14="http://schemas.microsoft.com/office/powerpoint/2010/main" Requires="p14">
-      <p:transition spd="slow" p14:dur="2000"/>
-    </mc:Choice>
-    <mc:Fallback>
-      <p:transition xmlns:p14="http://schemas.microsoft.com/office/powerpoint/2010/main" spd="slow"/>
-    </mc:Fallback>
-  </mc:AlternateContent>
-  <p:timing>
-    <p:tnLst>
-      <p:par>
-        <p:cTn xmlns:p14="http://schemas.microsoft.com/office/powerpoint/2010/main" id="1" dur="indefinite" restart="never" nodeType="tmRoot"/>
-      </p:par>
-    </p:tnLst>
-  </p:timing>
-</p:sld>
-</file>
-
-<file path=ppt/slides/slide54.xml><?xml version="1.0" encoding="utf-8"?>
-<p:sld xmlns:a="http://schemas.openxmlformats.org/drawingml/2006/main" xmlns:r="http://schemas.openxmlformats.org/officeDocument/2006/relationships" xmlns:p="http://schemas.openxmlformats.org/presentationml/2006/main" show="0">
-  <p:cSld>
-    <p:spTree>
-      <p:nvGrpSpPr>
-        <p:cNvPr id="1" name=""/>
-        <p:cNvGrpSpPr/>
-        <p:nvPr/>
-      </p:nvGrpSpPr>
-      <p:grpSpPr>
-        <a:xfrm>
-          <a:off x="0" y="0"/>
-          <a:ext cx="0" cy="0"/>
-          <a:chOff x="0" y="0"/>
-          <a:chExt cx="0" cy="0"/>
-        </a:xfrm>
-      </p:grpSpPr>
-      <p:sp>
-        <p:nvSpPr>
-          <p:cNvPr id="5" name="Foliennummernplatzhalter 4"/>
-          <p:cNvSpPr>
-            <a:spLocks noGrp="1"/>
-          </p:cNvSpPr>
-          <p:nvPr>
-            <p:ph type="sldNum" sz="quarter" idx="4294967295"/>
-          </p:nvPr>
-        </p:nvSpPr>
-        <p:spPr>
-          <a:xfrm>
-            <a:off x="7596336" y="6611000"/>
-            <a:ext cx="1090464" cy="177800"/>
-          </a:xfrm>
-          <a:prstGeom prst="rect">
-            <a:avLst/>
-          </a:prstGeom>
-        </p:spPr>
-        <p:txBody>
-          <a:bodyPr/>
-          <a:lstStyle/>
-          <a:p>
-            <a:fld id="{6C6AE60A-B69C-4790-82F7-3882EDF23186}" type="slidenum">
-              <a:rPr lang="de-DE" smtClean="0"/>
-              <a:pPr/>
-              <a:t>54</a:t>
-            </a:fld>
-            <a:endParaRPr lang="de-DE" dirty="0"/>
-          </a:p>
-        </p:txBody>
-      </p:sp>
-      <p:sp>
-        <p:nvSpPr>
-          <p:cNvPr id="6" name="Titel 5"/>
-          <p:cNvSpPr>
-            <a:spLocks noGrp="1"/>
-          </p:cNvSpPr>
-          <p:nvPr>
-            <p:ph type="title"/>
-          </p:nvPr>
-        </p:nvSpPr>
-        <p:spPr>
-          <a:xfrm>
-            <a:off x="467544" y="2708920"/>
-            <a:ext cx="8229600" cy="1143000"/>
-          </a:xfrm>
-        </p:spPr>
-        <p:txBody>
-          <a:bodyPr/>
-          <a:lstStyle/>
-          <a:p>
-            <a:r>
-              <a:rPr lang="de-DE" dirty="0" smtClean="0"/>
-              <a:t>Demo</a:t>
-            </a:r>
-            <a:endParaRPr lang="de-DE" dirty="0"/>
-          </a:p>
-        </p:txBody>
-      </p:sp>
-    </p:spTree>
-    <p:extLst>
-      <p:ext uri="{BB962C8B-B14F-4D97-AF65-F5344CB8AC3E}">
-        <p14:creationId xmlns:p14="http://schemas.microsoft.com/office/powerpoint/2010/main" val="3389689032"/>
-      </p:ext>
-    </p:extLst>
-  </p:cSld>
-  <p:clrMapOvr>
-    <a:masterClrMapping/>
-  </p:clrMapOvr>
-  <mc:AlternateContent xmlns:mc="http://schemas.openxmlformats.org/markup-compatibility/2006">
-    <mc:Choice xmlns:p14="http://schemas.microsoft.com/office/powerpoint/2010/main" Requires="p14">
-      <p:transition spd="slow" p14:dur="2000"/>
-    </mc:Choice>
-    <mc:Fallback>
-      <p:transition xmlns:p14="http://schemas.microsoft.com/office/powerpoint/2010/main" spd="slow"/>
-    </mc:Fallback>
-  </mc:AlternateContent>
-  <p:timing>
-    <p:tnLst>
-      <p:par>
-        <p:cTn xmlns:p14="http://schemas.microsoft.com/office/powerpoint/2010/main" id="1" dur="indefinite" restart="never" nodeType="tmRoot"/>
-      </p:par>
-    </p:tnLst>
-  </p:timing>
-</p:sld>
-</file>
-
-<file path=ppt/slides/slide55.xml><?xml version="1.0" encoding="utf-8"?>
-<p:sld xmlns:a="http://schemas.openxmlformats.org/drawingml/2006/main" xmlns:r="http://schemas.openxmlformats.org/officeDocument/2006/relationships" xmlns:p="http://schemas.openxmlformats.org/presentationml/2006/main" show="0">
-  <p:cSld>
-    <p:spTree>
-      <p:nvGrpSpPr>
-        <p:cNvPr id="1" name=""/>
-        <p:cNvGrpSpPr/>
-        <p:nvPr/>
-      </p:nvGrpSpPr>
-      <p:grpSpPr>
-        <a:xfrm>
-          <a:off x="0" y="0"/>
-          <a:ext cx="0" cy="0"/>
-          <a:chOff x="0" y="0"/>
-          <a:chExt cx="0" cy="0"/>
-        </a:xfrm>
-      </p:grpSpPr>
-      <p:sp>
-        <p:nvSpPr>
-          <p:cNvPr id="2" name="Titel 1"/>
-          <p:cNvSpPr>
-            <a:spLocks noGrp="1"/>
-          </p:cNvSpPr>
-          <p:nvPr>
-            <p:ph type="title"/>
-          </p:nvPr>
-        </p:nvSpPr>
-        <p:spPr/>
-        <p:txBody>
-          <a:bodyPr/>
-          <a:lstStyle/>
-          <a:p>
-            <a:r>
-              <a:rPr lang="de-DE" dirty="0" smtClean="0"/>
-              <a:t>Samstagsmaler -- Codefragment</a:t>
-            </a:r>
-            <a:endParaRPr lang="de-DE" dirty="0"/>
-          </a:p>
-        </p:txBody>
-      </p:sp>
-      <p:sp>
-        <p:nvSpPr>
-          <p:cNvPr id="3" name="Inhaltsplatzhalter 2"/>
-          <p:cNvSpPr>
-            <a:spLocks noGrp="1"/>
-          </p:cNvSpPr>
-          <p:nvPr>
-            <p:ph idx="1"/>
-          </p:nvPr>
-        </p:nvSpPr>
-        <p:spPr/>
-        <p:txBody>
-          <a:bodyPr/>
-          <a:lstStyle/>
-          <a:p>
-            <a:r>
-              <a:rPr lang="de-DE" dirty="0" smtClean="0"/>
-              <a:t>Auf </a:t>
-            </a:r>
-            <a:r>
-              <a:rPr lang="de-DE" dirty="0" err="1" smtClean="0"/>
-              <a:t>Github</a:t>
-            </a:r>
-            <a:r>
-              <a:rPr lang="de-DE" dirty="0"/>
-              <a:t> </a:t>
-            </a:r>
-            <a:r>
-              <a:rPr lang="de-DE" dirty="0" smtClean="0"/>
-              <a:t>unter:</a:t>
-            </a:r>
-          </a:p>
-          <a:p>
-            <a:pPr marL="268288" lvl="1" indent="0">
-              <a:buNone/>
-            </a:pPr>
-            <a:r>
-              <a:rPr lang="de-DE" sz="2200" dirty="0">
-                <a:hlinkClick r:id="rId2"/>
-              </a:rPr>
-              <a:t>h</a:t>
-            </a:r>
-            <a:r>
-              <a:rPr lang="de-DE" sz="2200" dirty="0" smtClean="0">
-                <a:hlinkClick r:id="rId2"/>
-              </a:rPr>
-              <a:t>ttps</a:t>
-            </a:r>
-            <a:r>
-              <a:rPr lang="de-DE" sz="2200" dirty="0">
-                <a:hlinkClick r:id="rId2"/>
-              </a:rPr>
-              <a:t>://</a:t>
-            </a:r>
-            <a:r>
-              <a:rPr lang="de-DE" sz="2200" dirty="0" smtClean="0">
-                <a:hlinkClick r:id="rId2"/>
-              </a:rPr>
-              <a:t>github.com/CodeChiller/WebSocket-Workshop-Froscon</a:t>
-            </a:r>
-            <a:endParaRPr lang="de-DE" sz="2200" dirty="0" smtClean="0"/>
-          </a:p>
-        </p:txBody>
-      </p:sp>
-      <p:sp>
-        <p:nvSpPr>
-          <p:cNvPr id="5" name="Foliennummernplatzhalter 4"/>
-          <p:cNvSpPr>
-            <a:spLocks noGrp="1"/>
-          </p:cNvSpPr>
-          <p:nvPr>
-            <p:ph type="sldNum" sz="quarter" idx="4294967295"/>
-          </p:nvPr>
-        </p:nvSpPr>
-        <p:spPr>
-          <a:xfrm>
-            <a:off x="7596336" y="6611000"/>
-            <a:ext cx="1090464" cy="177800"/>
-          </a:xfrm>
-          <a:prstGeom prst="rect">
-            <a:avLst/>
-          </a:prstGeom>
-        </p:spPr>
-        <p:txBody>
-          <a:bodyPr/>
-          <a:lstStyle/>
-          <a:p>
-            <a:fld id="{6C6AE60A-B69C-4790-82F7-3882EDF23186}" type="slidenum">
-              <a:rPr lang="de-DE" smtClean="0"/>
-              <a:pPr/>
-              <a:t>55</a:t>
-            </a:fld>
-            <a:endParaRPr lang="de-DE" dirty="0"/>
-          </a:p>
-        </p:txBody>
-      </p:sp>
-    </p:spTree>
-    <p:extLst>
-      <p:ext uri="{BB962C8B-B14F-4D97-AF65-F5344CB8AC3E}">
-        <p14:creationId xmlns:p14="http://schemas.microsoft.com/office/powerpoint/2010/main" val="4268981164"/>
-      </p:ext>
-    </p:extLst>
-  </p:cSld>
-  <p:clrMapOvr>
-    <a:masterClrMapping/>
-  </p:clrMapOvr>
-  <mc:AlternateContent xmlns:mc="http://schemas.openxmlformats.org/markup-compatibility/2006">
-    <mc:Choice xmlns:p14="http://schemas.microsoft.com/office/powerpoint/2010/main" Requires="p14">
-      <p:transition spd="slow" p14:dur="2000"/>
-    </mc:Choice>
-    <mc:Fallback>
-      <p:transition xmlns:p14="http://schemas.microsoft.com/office/powerpoint/2010/main" spd="slow"/>
-    </mc:Fallback>
-  </mc:AlternateContent>
   <p:timing>
     <p:tnLst>
       <p:par>
@@ -30794,11 +29201,7 @@
           <a:p>
             <a:r>
               <a:rPr lang="de-DE" dirty="0" smtClean="0"/>
-              <a:t>Standard Zugriff </a:t>
-            </a:r>
-            <a:r>
-              <a:rPr lang="de-DE" dirty="0" smtClean="0"/>
-              <a:t>per Request</a:t>
+              <a:t>Standard Zugriff per Request</a:t>
             </a:r>
             <a:endParaRPr lang="de-DE" dirty="0"/>
           </a:p>
@@ -30823,19 +29226,7 @@
           <a:p>
             <a:r>
               <a:rPr lang="de-DE" dirty="0" smtClean="0"/>
-              <a:t>Ein </a:t>
-            </a:r>
-            <a:r>
-              <a:rPr lang="de-DE" dirty="0" smtClean="0"/>
-              <a:t>HTTP</a:t>
-            </a:r>
-            <a:r>
-              <a:rPr lang="de-DE" dirty="0" smtClean="0"/>
-              <a:t>-</a:t>
-            </a:r>
-            <a:r>
-              <a:rPr lang="de-DE" dirty="0" smtClean="0"/>
-              <a:t>Request wird vom Browser durch</a:t>
+              <a:t>Ein HTTP-Request wird vom Browser durch</a:t>
             </a:r>
           </a:p>
           <a:p>

--- a/Folien.pptx
+++ b/Folien.pptx
@@ -7592,15 +7592,16 @@
             <a:pPr lvl="2"/>
             <a:r>
               <a:rPr lang="de-DE" dirty="0" smtClean="0"/>
+              <a:t>Live-Ticker</a:t>
+            </a:r>
+          </a:p>
+          <a:p>
+            <a:pPr lvl="2"/>
+            <a:r>
+              <a:rPr lang="de-DE" dirty="0" smtClean="0"/>
               <a:t>Fernsteuerung</a:t>
             </a:r>
-          </a:p>
-          <a:p>
-            <a:pPr lvl="2"/>
-            <a:r>
-              <a:rPr lang="de-DE" dirty="0" smtClean="0"/>
-              <a:t>Samstagsmaler</a:t>
-            </a:r>
+            <a:endParaRPr lang="de-DE" dirty="0" smtClean="0"/>
           </a:p>
           <a:p>
             <a:pPr lvl="1"/>
@@ -20207,15 +20208,16 @@
             <a:pPr lvl="2"/>
             <a:r>
               <a:rPr lang="de-DE" dirty="0" smtClean="0"/>
+              <a:t>Live-Ticker</a:t>
+            </a:r>
+          </a:p>
+          <a:p>
+            <a:pPr lvl="2"/>
+            <a:r>
+              <a:rPr lang="de-DE" dirty="0" smtClean="0"/>
               <a:t>Fernsteuerung</a:t>
             </a:r>
-          </a:p>
-          <a:p>
-            <a:pPr lvl="2"/>
-            <a:r>
-              <a:rPr lang="de-DE" dirty="0" smtClean="0"/>
-              <a:t>Samstagsmaler</a:t>
-            </a:r>
+            <a:endParaRPr lang="de-DE" dirty="0" smtClean="0"/>
           </a:p>
           <a:p>
             <a:pPr lvl="1"/>
@@ -25157,15 +25159,24 @@
             <a:pPr lvl="2"/>
             <a:r>
               <a:rPr lang="de-DE" b="1" dirty="0" smtClean="0"/>
+              <a:t>Live</a:t>
+            </a:r>
+            <a:r>
+              <a:rPr lang="de-DE" b="1" smtClean="0"/>
+              <a:t>-Ticker</a:t>
+            </a:r>
+          </a:p>
+          <a:p>
+            <a:pPr lvl="2"/>
+            <a:r>
+              <a:rPr lang="de-DE" b="1" dirty="0" smtClean="0"/>
               <a:t>Fernsteuerung</a:t>
             </a:r>
+            <a:endParaRPr lang="de-DE" b="1" dirty="0" smtClean="0"/>
           </a:p>
           <a:p>
             <a:pPr lvl="2"/>
-            <a:r>
-              <a:rPr lang="de-DE" b="1" dirty="0" smtClean="0"/>
-              <a:t>Samstagsmaler</a:t>
-            </a:r>
+            <a:endParaRPr lang="de-DE" b="1" dirty="0" smtClean="0"/>
           </a:p>
           <a:p>
             <a:pPr lvl="1"/>
@@ -28674,15 +28685,20 @@
             <a:pPr lvl="2"/>
             <a:r>
               <a:rPr lang="de-DE" dirty="0" smtClean="0"/>
+              <a:t>Live-Ticker</a:t>
+            </a:r>
+          </a:p>
+          <a:p>
+            <a:pPr lvl="2"/>
+            <a:r>
+              <a:rPr lang="de-DE" dirty="0" smtClean="0"/>
               <a:t>Fernsteuerung</a:t>
             </a:r>
+            <a:endParaRPr lang="de-DE" dirty="0" smtClean="0"/>
           </a:p>
           <a:p>
             <a:pPr lvl="2"/>
-            <a:r>
-              <a:rPr lang="de-DE" dirty="0" smtClean="0"/>
-              <a:t>Samstagsmaler</a:t>
-            </a:r>
+            <a:endParaRPr lang="de-DE" dirty="0" smtClean="0"/>
           </a:p>
           <a:p>
             <a:pPr lvl="1"/>

--- a/Folien.pptx
+++ b/Folien.pptx
@@ -5,10 +5,10 @@
     <p:sldMasterId id="2147483648" r:id="rId1"/>
   </p:sldMasterIdLst>
   <p:notesMasterIdLst>
-    <p:notesMasterId r:id="rId52"/>
+    <p:notesMasterId r:id="rId55"/>
   </p:notesMasterIdLst>
   <p:handoutMasterIdLst>
-    <p:handoutMasterId r:id="rId53"/>
+    <p:handoutMasterId r:id="rId56"/>
   </p:handoutMasterIdLst>
   <p:sldIdLst>
     <p:sldId id="256" r:id="rId2"/>
@@ -57,10 +57,13 @@
     <p:sldId id="308" r:id="rId45"/>
     <p:sldId id="309" r:id="rId46"/>
     <p:sldId id="320" r:id="rId47"/>
-    <p:sldId id="321" r:id="rId48"/>
-    <p:sldId id="328" r:id="rId49"/>
-    <p:sldId id="318" r:id="rId50"/>
-    <p:sldId id="330" r:id="rId51"/>
+    <p:sldId id="332" r:id="rId48"/>
+    <p:sldId id="333" r:id="rId49"/>
+    <p:sldId id="321" r:id="rId50"/>
+    <p:sldId id="334" r:id="rId51"/>
+    <p:sldId id="328" r:id="rId52"/>
+    <p:sldId id="318" r:id="rId53"/>
+    <p:sldId id="330" r:id="rId54"/>
   </p:sldIdLst>
   <p:sldSz cx="9144000" cy="6858000" type="screen4x3"/>
   <p:notesSz cx="6858000" cy="9144000"/>
@@ -16121,7 +16124,7 @@
               </a:rPr>
               <a:t>WebSocket_Workshop_Froscon</a:t>
             </a:r>
-            <a:endParaRPr lang="de-DE" sz="2200" smtClean="0"/>
+            <a:endParaRPr lang="de-DE" sz="2200" dirty="0" smtClean="0"/>
           </a:p>
           <a:p>
             <a:pPr marL="0" lvl="1" indent="0">
@@ -18385,28 +18388,26 @@
             </a:r>
           </a:p>
           <a:p>
-            <a:pPr marL="268288" lvl="1" indent="0">
+            <a:pPr marL="0" lvl="1" indent="0">
+              <a:buClr>
+                <a:srgbClr val="8C8C8C"/>
+              </a:buClr>
+              <a:buSzPct val="80000"/>
               <a:buNone/>
             </a:pPr>
             <a:r>
-              <a:rPr lang="de-DE" sz="2200" dirty="0" smtClean="0">
-                <a:hlinkClick r:id="rId2"/>
-              </a:rPr>
-              <a:t>https</a:t>
-            </a:r>
-            <a:r>
               <a:rPr lang="de-DE" sz="2200" dirty="0">
                 <a:hlinkClick r:id="rId2"/>
               </a:rPr>
-              <a:t>://</a:t>
-            </a:r>
-            <a:r>
-              <a:rPr lang="de-DE" sz="2200" dirty="0" smtClean="0">
+              <a:t>https://github.com/WebSocket101/</a:t>
+            </a:r>
+            <a:r>
+              <a:rPr lang="de-DE" sz="2200">
                 <a:hlinkClick r:id="rId2"/>
               </a:rPr>
-              <a:t>github.com/CodeChiller/WebSocket-Workshop-Froscon</a:t>
-            </a:r>
-            <a:endParaRPr lang="de-DE" sz="2200" dirty="0" smtClean="0"/>
+              <a:t>WebSocket_Workshop_Froscon</a:t>
+            </a:r>
+            <a:endParaRPr lang="de-DE" sz="2200" dirty="0"/>
           </a:p>
         </p:txBody>
       </p:sp>
@@ -25159,11 +25160,7 @@
             <a:pPr lvl="2"/>
             <a:r>
               <a:rPr lang="de-DE" b="1" dirty="0" smtClean="0"/>
-              <a:t>Live</a:t>
-            </a:r>
-            <a:r>
-              <a:rPr lang="de-DE" b="1" smtClean="0"/>
-              <a:t>-Ticker</a:t>
+              <a:t>Live-Ticker</a:t>
             </a:r>
           </a:p>
           <a:p>
@@ -25258,31 +25255,14 @@
             <p:ph type="title"/>
           </p:nvPr>
         </p:nvSpPr>
-        <p:spPr>
-          <a:xfrm>
-            <a:off x="499533" y="-176914"/>
-            <a:ext cx="8229600" cy="1143000"/>
-          </a:xfrm>
-        </p:spPr>
+        <p:spPr/>
         <p:txBody>
           <a:bodyPr/>
           <a:lstStyle/>
           <a:p>
             <a:r>
               <a:rPr lang="de-DE" dirty="0" smtClean="0"/>
-              <a:t>Websocket-</a:t>
-            </a:r>
-            <a:r>
-              <a:rPr lang="de-DE" dirty="0" err="1" smtClean="0"/>
-              <a:t>based</a:t>
-            </a:r>
-            <a:r>
-              <a:rPr lang="de-DE" dirty="0" smtClean="0"/>
-              <a:t> Remote </a:t>
-            </a:r>
-            <a:r>
-              <a:rPr lang="de-DE" dirty="0" err="1" smtClean="0"/>
-              <a:t>Control</a:t>
+              <a:t>Live-Ticker</a:t>
             </a:r>
             <a:endParaRPr lang="de-DE" dirty="0"/>
           </a:p>
@@ -25298,6 +25278,586 @@
             <p:ph type="sldNum" sz="quarter" idx="12"/>
           </p:nvPr>
         </p:nvSpPr>
+        <p:spPr/>
+        <p:txBody>
+          <a:bodyPr/>
+          <a:lstStyle/>
+          <a:p>
+            <a:fld id="{39E521E7-45CD-AB42-A13A-3EF26A62B09A}" type="slidenum">
+              <a:rPr lang="en-US" smtClean="0"/>
+              <a:t>47</a:t>
+            </a:fld>
+            <a:endParaRPr lang="en-US"/>
+          </a:p>
+        </p:txBody>
+      </p:sp>
+      <p:sp>
+        <p:nvSpPr>
+          <p:cNvPr id="5" name="Shape 65"/>
+          <p:cNvSpPr/>
+          <p:nvPr/>
+        </p:nvSpPr>
+        <p:spPr>
+          <a:xfrm>
+            <a:off x="3628061" y="4396999"/>
+            <a:ext cx="1777367" cy="379591"/>
+          </a:xfrm>
+          <a:prstGeom prst="rect">
+            <a:avLst/>
+          </a:prstGeom>
+          <a:ln w="12700">
+            <a:miter lim="400000"/>
+          </a:ln>
+          <a:extLst>
+            <a:ext uri="{C572A759-6A51-4108-AA02-DFA0A04FC94B}">
+              <ma14:wrappingTextBoxFlag xmlns:ma14="http://schemas.microsoft.com/office/mac/drawingml/2011/main" val="1"/>
+            </a:ext>
+          </a:extLst>
+        </p:spPr>
+        <p:txBody>
+          <a:bodyPr wrap="none" lIns="50800" tIns="50800" rIns="50800" bIns="50800" anchor="ctr">
+            <a:spAutoFit/>
+          </a:bodyPr>
+          <a:lstStyle>
+            <a:lvl1pPr>
+              <a:defRPr sz="1800"/>
+            </a:lvl1pPr>
+          </a:lstStyle>
+          <a:p>
+            <a:pPr lvl="0"/>
+            <a:r>
+              <a:rPr lang="de-DE" dirty="0" smtClean="0"/>
+              <a:t>Live-Ticker-Server</a:t>
+            </a:r>
+            <a:endParaRPr dirty="0"/>
+          </a:p>
+        </p:txBody>
+      </p:sp>
+      <p:pic>
+        <p:nvPicPr>
+          <p:cNvPr id="6" name="Picture 2" descr="C:\Users\Pelego\Desktop\simple-server-hi.png"/>
+          <p:cNvPicPr>
+            <a:picLocks noChangeAspect="1" noChangeArrowheads="1"/>
+          </p:cNvPicPr>
+          <p:nvPr/>
+        </p:nvPicPr>
+        <p:blipFill>
+          <a:blip r:embed="rId2" cstate="print"/>
+          <a:srcRect/>
+          <a:stretch>
+            <a:fillRect/>
+          </a:stretch>
+        </p:blipFill>
+        <p:spPr bwMode="auto">
+          <a:xfrm>
+            <a:off x="4116600" y="2981181"/>
+            <a:ext cx="800289" cy="1393096"/>
+          </a:xfrm>
+          <a:prstGeom prst="rect">
+            <a:avLst/>
+          </a:prstGeom>
+          <a:noFill/>
+        </p:spPr>
+      </p:pic>
+      <p:pic>
+        <p:nvPicPr>
+          <p:cNvPr id="7" name="Picture 2" descr="D:\WS_Buch\Lizenzen\clker\plasma-tv-hi_clean.png"/>
+          <p:cNvPicPr>
+            <a:picLocks noChangeAspect="1" noChangeArrowheads="1"/>
+          </p:cNvPicPr>
+          <p:nvPr/>
+        </p:nvPicPr>
+        <p:blipFill>
+          <a:blip r:embed="rId3" cstate="print"/>
+          <a:srcRect/>
+          <a:stretch>
+            <a:fillRect/>
+          </a:stretch>
+        </p:blipFill>
+        <p:spPr bwMode="auto">
+          <a:xfrm>
+            <a:off x="6421394" y="2952959"/>
+            <a:ext cx="1853570" cy="1269515"/>
+          </a:xfrm>
+          <a:prstGeom prst="rect">
+            <a:avLst/>
+          </a:prstGeom>
+          <a:noFill/>
+        </p:spPr>
+      </p:pic>
+      <p:sp>
+        <p:nvSpPr>
+          <p:cNvPr id="8" name="Shape 65"/>
+          <p:cNvSpPr/>
+          <p:nvPr/>
+        </p:nvSpPr>
+        <p:spPr>
+          <a:xfrm>
+            <a:off x="6890848" y="4436025"/>
+            <a:ext cx="983204" cy="379591"/>
+          </a:xfrm>
+          <a:prstGeom prst="rect">
+            <a:avLst/>
+          </a:prstGeom>
+          <a:ln w="12700">
+            <a:miter lim="400000"/>
+          </a:ln>
+          <a:extLst>
+            <a:ext uri="{C572A759-6A51-4108-AA02-DFA0A04FC94B}">
+              <ma14:wrappingTextBoxFlag xmlns:ma14="http://schemas.microsoft.com/office/mac/drawingml/2011/main" val="1"/>
+            </a:ext>
+          </a:extLst>
+        </p:spPr>
+        <p:txBody>
+          <a:bodyPr wrap="none" lIns="50800" tIns="50800" rIns="50800" bIns="50800" anchor="ctr">
+            <a:spAutoFit/>
+          </a:bodyPr>
+          <a:lstStyle>
+            <a:lvl1pPr>
+              <a:defRPr sz="1800"/>
+            </a:lvl1pPr>
+          </a:lstStyle>
+          <a:p>
+            <a:pPr lvl="0"/>
+            <a:r>
+              <a:rPr lang="de-DE" dirty="0" smtClean="0"/>
+              <a:t>/</a:t>
+            </a:r>
+            <a:r>
+              <a:rPr lang="de-DE" dirty="0" err="1" smtClean="0"/>
+              <a:t>reporter</a:t>
+            </a:r>
+            <a:endParaRPr dirty="0"/>
+          </a:p>
+        </p:txBody>
+      </p:sp>
+      <p:pic>
+        <p:nvPicPr>
+          <p:cNvPr id="9" name="Picture 2" descr="D:\WS_Buch\Lizenzen\clker\plasma-tv-hi_clean.png"/>
+          <p:cNvPicPr>
+            <a:picLocks noChangeAspect="1" noChangeArrowheads="1"/>
+          </p:cNvPicPr>
+          <p:nvPr/>
+        </p:nvPicPr>
+        <p:blipFill>
+          <a:blip r:embed="rId3" cstate="print"/>
+          <a:srcRect/>
+          <a:stretch>
+            <a:fillRect/>
+          </a:stretch>
+        </p:blipFill>
+        <p:spPr bwMode="auto">
+          <a:xfrm>
+            <a:off x="816461" y="1688631"/>
+            <a:ext cx="1853570" cy="1269515"/>
+          </a:xfrm>
+          <a:prstGeom prst="rect">
+            <a:avLst/>
+          </a:prstGeom>
+          <a:noFill/>
+        </p:spPr>
+      </p:pic>
+      <p:pic>
+        <p:nvPicPr>
+          <p:cNvPr id="11" name="Picture 2" descr="D:\WS_Buch\Lizenzen\clker\13652249391214039740Smartphone.svg.hi_black_.png"/>
+          <p:cNvPicPr>
+            <a:picLocks noChangeAspect="1" noChangeArrowheads="1"/>
+          </p:cNvPicPr>
+          <p:nvPr/>
+        </p:nvPicPr>
+        <p:blipFill>
+          <a:blip r:embed="rId4" cstate="print"/>
+          <a:srcRect/>
+          <a:stretch>
+            <a:fillRect/>
+          </a:stretch>
+        </p:blipFill>
+        <p:spPr bwMode="auto">
+          <a:xfrm>
+            <a:off x="1328894" y="3336430"/>
+            <a:ext cx="810227" cy="1440160"/>
+          </a:xfrm>
+          <a:prstGeom prst="rect">
+            <a:avLst/>
+          </a:prstGeom>
+          <a:noFill/>
+        </p:spPr>
+      </p:pic>
+      <p:pic>
+        <p:nvPicPr>
+          <p:cNvPr id="12" name="Picture 2" descr="D:\WS_Buch\Lizenzen\clker\plasma-tv-hi_clean.png"/>
+          <p:cNvPicPr>
+            <a:picLocks noChangeAspect="1" noChangeArrowheads="1"/>
+          </p:cNvPicPr>
+          <p:nvPr/>
+        </p:nvPicPr>
+        <p:blipFill>
+          <a:blip r:embed="rId3" cstate="print"/>
+          <a:srcRect/>
+          <a:stretch>
+            <a:fillRect/>
+          </a:stretch>
+        </p:blipFill>
+        <p:spPr bwMode="auto">
+          <a:xfrm>
+            <a:off x="816461" y="5086835"/>
+            <a:ext cx="1853570" cy="1269515"/>
+          </a:xfrm>
+          <a:prstGeom prst="rect">
+            <a:avLst/>
+          </a:prstGeom>
+          <a:noFill/>
+        </p:spPr>
+      </p:pic>
+      <p:cxnSp>
+        <p:nvCxnSpPr>
+          <p:cNvPr id="14" name="Gerade Verbindung mit Pfeil 13"/>
+          <p:cNvCxnSpPr>
+            <a:stCxn id="7" idx="1"/>
+          </p:cNvCxnSpPr>
+          <p:nvPr/>
+        </p:nvCxnSpPr>
+        <p:spPr>
+          <a:xfrm flipH="1">
+            <a:off x="4916889" y="3587717"/>
+            <a:ext cx="1504505" cy="0"/>
+          </a:xfrm>
+          <a:prstGeom prst="straightConnector1">
+            <a:avLst/>
+          </a:prstGeom>
+          <a:ln>
+            <a:tailEnd type="arrow"/>
+          </a:ln>
+        </p:spPr>
+        <p:style>
+          <a:lnRef idx="2">
+            <a:schemeClr val="accent1"/>
+          </a:lnRef>
+          <a:fillRef idx="0">
+            <a:schemeClr val="accent1"/>
+          </a:fillRef>
+          <a:effectRef idx="1">
+            <a:schemeClr val="accent1"/>
+          </a:effectRef>
+          <a:fontRef idx="minor">
+            <a:schemeClr val="tx1"/>
+          </a:fontRef>
+        </p:style>
+      </p:cxnSp>
+      <p:cxnSp>
+        <p:nvCxnSpPr>
+          <p:cNvPr id="17" name="Gerade Verbindung mit Pfeil 16"/>
+          <p:cNvCxnSpPr>
+            <a:stCxn id="6" idx="1"/>
+          </p:cNvCxnSpPr>
+          <p:nvPr/>
+        </p:nvCxnSpPr>
+        <p:spPr>
+          <a:xfrm flipH="1" flipV="1">
+            <a:off x="2670032" y="2343117"/>
+            <a:ext cx="1446568" cy="1334612"/>
+          </a:xfrm>
+          <a:prstGeom prst="straightConnector1">
+            <a:avLst/>
+          </a:prstGeom>
+          <a:ln>
+            <a:tailEnd type="arrow"/>
+          </a:ln>
+        </p:spPr>
+        <p:style>
+          <a:lnRef idx="2">
+            <a:schemeClr val="accent1"/>
+          </a:lnRef>
+          <a:fillRef idx="0">
+            <a:schemeClr val="accent1"/>
+          </a:fillRef>
+          <a:effectRef idx="1">
+            <a:schemeClr val="accent1"/>
+          </a:effectRef>
+          <a:fontRef idx="minor">
+            <a:schemeClr val="tx1"/>
+          </a:fontRef>
+        </p:style>
+      </p:cxnSp>
+      <p:cxnSp>
+        <p:nvCxnSpPr>
+          <p:cNvPr id="19" name="Gerade Verbindung mit Pfeil 18"/>
+          <p:cNvCxnSpPr>
+            <a:stCxn id="6" idx="1"/>
+          </p:cNvCxnSpPr>
+          <p:nvPr/>
+        </p:nvCxnSpPr>
+        <p:spPr>
+          <a:xfrm flipH="1">
+            <a:off x="2099148" y="3677729"/>
+            <a:ext cx="2017452" cy="260859"/>
+          </a:xfrm>
+          <a:prstGeom prst="straightConnector1">
+            <a:avLst/>
+          </a:prstGeom>
+          <a:ln>
+            <a:tailEnd type="arrow"/>
+          </a:ln>
+        </p:spPr>
+        <p:style>
+          <a:lnRef idx="2">
+            <a:schemeClr val="accent1"/>
+          </a:lnRef>
+          <a:fillRef idx="0">
+            <a:schemeClr val="accent1"/>
+          </a:fillRef>
+          <a:effectRef idx="1">
+            <a:schemeClr val="accent1"/>
+          </a:effectRef>
+          <a:fontRef idx="minor">
+            <a:schemeClr val="tx1"/>
+          </a:fontRef>
+        </p:style>
+      </p:cxnSp>
+      <p:cxnSp>
+        <p:nvCxnSpPr>
+          <p:cNvPr id="21" name="Gerade Verbindung mit Pfeil 20"/>
+          <p:cNvCxnSpPr>
+            <a:stCxn id="6" idx="1"/>
+            <a:endCxn id="12" idx="3"/>
+          </p:cNvCxnSpPr>
+          <p:nvPr/>
+        </p:nvCxnSpPr>
+        <p:spPr>
+          <a:xfrm flipH="1">
+            <a:off x="2670031" y="3677729"/>
+            <a:ext cx="1446569" cy="2043864"/>
+          </a:xfrm>
+          <a:prstGeom prst="straightConnector1">
+            <a:avLst/>
+          </a:prstGeom>
+          <a:ln>
+            <a:tailEnd type="arrow"/>
+          </a:ln>
+        </p:spPr>
+        <p:style>
+          <a:lnRef idx="2">
+            <a:schemeClr val="accent1"/>
+          </a:lnRef>
+          <a:fillRef idx="0">
+            <a:schemeClr val="accent1"/>
+          </a:fillRef>
+          <a:effectRef idx="1">
+            <a:schemeClr val="accent1"/>
+          </a:effectRef>
+          <a:fontRef idx="minor">
+            <a:schemeClr val="tx1"/>
+          </a:fontRef>
+        </p:style>
+      </p:cxnSp>
+    </p:spTree>
+    <p:extLst>
+      <p:ext uri="{BB962C8B-B14F-4D97-AF65-F5344CB8AC3E}">
+        <p14:creationId xmlns:p14="http://schemas.microsoft.com/office/powerpoint/2010/main" val="1869131885"/>
+      </p:ext>
+    </p:extLst>
+  </p:cSld>
+  <p:clrMapOvr>
+    <a:masterClrMapping/>
+  </p:clrMapOvr>
+  <p:timing>
+    <p:tnLst>
+      <p:par>
+        <p:cTn xmlns:p14="http://schemas.microsoft.com/office/powerpoint/2010/main" id="1" dur="indefinite" restart="never" nodeType="tmRoot"/>
+      </p:par>
+    </p:tnLst>
+  </p:timing>
+</p:sld>
+</file>
+
+<file path=ppt/slides/slide48.xml><?xml version="1.0" encoding="utf-8"?>
+<p:sld xmlns:a="http://schemas.openxmlformats.org/drawingml/2006/main" xmlns:r="http://schemas.openxmlformats.org/officeDocument/2006/relationships" xmlns:p="http://schemas.openxmlformats.org/presentationml/2006/main">
+  <p:cSld>
+    <p:spTree>
+      <p:nvGrpSpPr>
+        <p:cNvPr id="1" name=""/>
+        <p:cNvGrpSpPr/>
+        <p:nvPr/>
+      </p:nvGrpSpPr>
+      <p:grpSpPr>
+        <a:xfrm>
+          <a:off x="0" y="0"/>
+          <a:ext cx="0" cy="0"/>
+          <a:chOff x="0" y="0"/>
+          <a:chExt cx="0" cy="0"/>
+        </a:xfrm>
+      </p:grpSpPr>
+      <p:sp>
+        <p:nvSpPr>
+          <p:cNvPr id="2" name="Titel 1"/>
+          <p:cNvSpPr>
+            <a:spLocks noGrp="1"/>
+          </p:cNvSpPr>
+          <p:nvPr>
+            <p:ph type="title"/>
+          </p:nvPr>
+        </p:nvSpPr>
+        <p:spPr/>
+        <p:txBody>
+          <a:bodyPr/>
+          <a:lstStyle/>
+          <a:p>
+            <a:r>
+              <a:rPr lang="de-DE" dirty="0" smtClean="0"/>
+              <a:t>Kommunikationsmuster</a:t>
+            </a:r>
+            <a:endParaRPr lang="de-DE" dirty="0"/>
+          </a:p>
+        </p:txBody>
+      </p:sp>
+      <p:sp>
+        <p:nvSpPr>
+          <p:cNvPr id="3" name="Inhaltsplatzhalter 2"/>
+          <p:cNvSpPr>
+            <a:spLocks noGrp="1"/>
+          </p:cNvSpPr>
+          <p:nvPr>
+            <p:ph idx="1"/>
+          </p:nvPr>
+        </p:nvSpPr>
+        <p:spPr/>
+        <p:txBody>
+          <a:bodyPr/>
+          <a:lstStyle/>
+          <a:p>
+            <a:r>
+              <a:rPr lang="de-DE" dirty="0" smtClean="0"/>
+              <a:t>Ein Reporter verschickt Live-Ticker-Nachrichten</a:t>
+            </a:r>
+          </a:p>
+          <a:p>
+            <a:r>
+              <a:rPr lang="de-DE" dirty="0" smtClean="0"/>
+              <a:t>Live-Ticker-Nachricht wird an alle Zuhörer weitergeleitet</a:t>
+            </a:r>
+            <a:endParaRPr lang="de-DE" dirty="0" smtClean="0"/>
+          </a:p>
+        </p:txBody>
+      </p:sp>
+      <p:sp>
+        <p:nvSpPr>
+          <p:cNvPr id="5" name="Foliennummernplatzhalter 4"/>
+          <p:cNvSpPr>
+            <a:spLocks noGrp="1"/>
+          </p:cNvSpPr>
+          <p:nvPr>
+            <p:ph type="sldNum" sz="quarter" idx="4294967295"/>
+          </p:nvPr>
+        </p:nvSpPr>
+        <p:spPr>
+          <a:xfrm>
+            <a:off x="7596336" y="6611000"/>
+            <a:ext cx="1090464" cy="177800"/>
+          </a:xfrm>
+          <a:prstGeom prst="rect">
+            <a:avLst/>
+          </a:prstGeom>
+        </p:spPr>
+        <p:txBody>
+          <a:bodyPr/>
+          <a:lstStyle/>
+          <a:p>
+            <a:fld id="{6C6AE60A-B69C-4790-82F7-3882EDF23186}" type="slidenum">
+              <a:rPr lang="de-DE" smtClean="0"/>
+              <a:pPr/>
+              <a:t>48</a:t>
+            </a:fld>
+            <a:endParaRPr lang="de-DE" dirty="0"/>
+          </a:p>
+        </p:txBody>
+      </p:sp>
+    </p:spTree>
+    <p:extLst>
+      <p:ext uri="{BB962C8B-B14F-4D97-AF65-F5344CB8AC3E}">
+        <p14:creationId xmlns:p14="http://schemas.microsoft.com/office/powerpoint/2010/main" val="2997614661"/>
+      </p:ext>
+    </p:extLst>
+  </p:cSld>
+  <p:clrMapOvr>
+    <a:masterClrMapping/>
+  </p:clrMapOvr>
+  <p:timing>
+    <p:tnLst>
+      <p:par>
+        <p:cTn xmlns:p14="http://schemas.microsoft.com/office/powerpoint/2010/main" id="1" dur="indefinite" restart="never" nodeType="tmRoot"/>
+      </p:par>
+    </p:tnLst>
+  </p:timing>
+</p:sld>
+</file>
+
+<file path=ppt/slides/slide49.xml><?xml version="1.0" encoding="utf-8"?>
+<p:sld xmlns:a="http://schemas.openxmlformats.org/drawingml/2006/main" xmlns:r="http://schemas.openxmlformats.org/officeDocument/2006/relationships" xmlns:p="http://schemas.openxmlformats.org/presentationml/2006/main">
+  <p:cSld>
+    <p:spTree>
+      <p:nvGrpSpPr>
+        <p:cNvPr id="1" name=""/>
+        <p:cNvGrpSpPr/>
+        <p:nvPr/>
+      </p:nvGrpSpPr>
+      <p:grpSpPr>
+        <a:xfrm>
+          <a:off x="0" y="0"/>
+          <a:ext cx="0" cy="0"/>
+          <a:chOff x="0" y="0"/>
+          <a:chExt cx="0" cy="0"/>
+        </a:xfrm>
+      </p:grpSpPr>
+      <p:sp>
+        <p:nvSpPr>
+          <p:cNvPr id="2" name="Titel 1"/>
+          <p:cNvSpPr>
+            <a:spLocks noGrp="1"/>
+          </p:cNvSpPr>
+          <p:nvPr>
+            <p:ph type="title"/>
+          </p:nvPr>
+        </p:nvSpPr>
+        <p:spPr>
+          <a:xfrm>
+            <a:off x="499533" y="-176914"/>
+            <a:ext cx="8229600" cy="1143000"/>
+          </a:xfrm>
+        </p:spPr>
+        <p:txBody>
+          <a:bodyPr/>
+          <a:lstStyle/>
+          <a:p>
+            <a:r>
+              <a:rPr lang="de-DE" dirty="0" err="1" smtClean="0"/>
+              <a:t>WebSocket</a:t>
+            </a:r>
+            <a:r>
+              <a:rPr lang="de-DE" dirty="0" err="1" smtClean="0"/>
+              <a:t>-based</a:t>
+            </a:r>
+            <a:r>
+              <a:rPr lang="de-DE" dirty="0" smtClean="0"/>
+              <a:t> Remote </a:t>
+            </a:r>
+            <a:r>
+              <a:rPr lang="de-DE" dirty="0" err="1" smtClean="0"/>
+              <a:t>Control</a:t>
+            </a:r>
+            <a:endParaRPr lang="de-DE" dirty="0"/>
+          </a:p>
+        </p:txBody>
+      </p:sp>
+      <p:sp>
+        <p:nvSpPr>
+          <p:cNvPr id="4" name="Foliennummernplatzhalter 3"/>
+          <p:cNvSpPr>
+            <a:spLocks noGrp="1"/>
+          </p:cNvSpPr>
+          <p:nvPr>
+            <p:ph type="sldNum" sz="quarter" idx="12"/>
+          </p:nvPr>
+        </p:nvSpPr>
         <p:spPr>
           <a:xfrm>
             <a:off x="6482645" y="6356350"/>
@@ -25310,7 +25870,7 @@
           <a:p>
             <a:fld id="{39E521E7-45CD-AB42-A13A-3EF26A62B09A}" type="slidenum">
               <a:rPr lang="en-US" smtClean="0"/>
-              <a:t>47</a:t>
+              <a:t>49</a:t>
             </a:fld>
             <a:endParaRPr lang="en-US"/>
           </a:p>
@@ -25987,348 +26547,6 @@
               </a:defRPr>
             </a:pPr>
             <a:endParaRPr/>
-          </a:p>
-        </p:txBody>
-      </p:sp>
-      <p:sp>
-        <p:nvSpPr>
-          <p:cNvPr id="24" name="Shape 52"/>
-          <p:cNvSpPr/>
-          <p:nvPr/>
-        </p:nvSpPr>
-        <p:spPr>
-          <a:xfrm>
-            <a:off x="3093652" y="1846000"/>
-            <a:ext cx="245259" cy="410369"/>
-          </a:xfrm>
-          <a:prstGeom prst="rect">
-            <a:avLst/>
-          </a:prstGeom>
-          <a:ln w="12700">
-            <a:miter lim="400000"/>
-          </a:ln>
-          <a:extLst>
-            <a:ext uri="{C572A759-6A51-4108-AA02-DFA0A04FC94B}">
-              <ma14:wrappingTextBoxFlag xmlns:ma14="http://schemas.microsoft.com/office/mac/drawingml/2011/main" val="1"/>
-            </a:ext>
-          </a:extLst>
-        </p:spPr>
-        <p:txBody>
-          <a:bodyPr wrap="none" lIns="50800" tIns="50800" rIns="50800" bIns="50800" anchor="ctr">
-            <a:spAutoFit/>
-          </a:bodyPr>
-          <a:lstStyle>
-            <a:lvl1pPr>
-              <a:defRPr>
-                <a:latin typeface="Arial"/>
-                <a:ea typeface="Arial"/>
-                <a:cs typeface="Arial"/>
-                <a:sym typeface="Arial"/>
-              </a:defRPr>
-            </a:lvl1pPr>
-          </a:lstStyle>
-          <a:p>
-            <a:pPr lvl="0">
-              <a:defRPr sz="1800"/>
-            </a:pPr>
-            <a:r>
-              <a:rPr sz="2000" dirty="0"/>
-              <a:t>1</a:t>
-            </a:r>
-          </a:p>
-        </p:txBody>
-      </p:sp>
-      <p:sp>
-        <p:nvSpPr>
-          <p:cNvPr id="25" name="Shape 52"/>
-          <p:cNvSpPr/>
-          <p:nvPr/>
-        </p:nvSpPr>
-        <p:spPr>
-          <a:xfrm>
-            <a:off x="5770648" y="3862225"/>
-            <a:ext cx="245259" cy="410369"/>
-          </a:xfrm>
-          <a:prstGeom prst="rect">
-            <a:avLst/>
-          </a:prstGeom>
-          <a:ln w="12700">
-            <a:miter lim="400000"/>
-          </a:ln>
-          <a:extLst>
-            <a:ext uri="{C572A759-6A51-4108-AA02-DFA0A04FC94B}">
-              <ma14:wrappingTextBoxFlag xmlns:ma14="http://schemas.microsoft.com/office/mac/drawingml/2011/main" val="1"/>
-            </a:ext>
-          </a:extLst>
-        </p:spPr>
-        <p:txBody>
-          <a:bodyPr wrap="none" lIns="50800" tIns="50800" rIns="50800" bIns="50800" anchor="ctr">
-            <a:spAutoFit/>
-          </a:bodyPr>
-          <a:lstStyle>
-            <a:lvl1pPr>
-              <a:defRPr>
-                <a:latin typeface="Arial"/>
-                <a:ea typeface="Arial"/>
-                <a:cs typeface="Arial"/>
-                <a:sym typeface="Arial"/>
-              </a:defRPr>
-            </a:lvl1pPr>
-          </a:lstStyle>
-          <a:p>
-            <a:pPr lvl="0">
-              <a:defRPr sz="1800"/>
-            </a:pPr>
-            <a:r>
-              <a:rPr lang="de-DE" sz="2000" dirty="0" smtClean="0"/>
-              <a:t>2</a:t>
-            </a:r>
-            <a:endParaRPr sz="2000" dirty="0"/>
-          </a:p>
-        </p:txBody>
-      </p:sp>
-      <p:sp>
-        <p:nvSpPr>
-          <p:cNvPr id="26" name="Shape 52"/>
-          <p:cNvSpPr/>
-          <p:nvPr/>
-        </p:nvSpPr>
-        <p:spPr>
-          <a:xfrm>
-            <a:off x="2742476" y="4819540"/>
-            <a:ext cx="245259" cy="410369"/>
-          </a:xfrm>
-          <a:prstGeom prst="rect">
-            <a:avLst/>
-          </a:prstGeom>
-          <a:ln w="12700">
-            <a:miter lim="400000"/>
-          </a:ln>
-          <a:extLst>
-            <a:ext uri="{C572A759-6A51-4108-AA02-DFA0A04FC94B}">
-              <ma14:wrappingTextBoxFlag xmlns:ma14="http://schemas.microsoft.com/office/mac/drawingml/2011/main" val="1"/>
-            </a:ext>
-          </a:extLst>
-        </p:spPr>
-        <p:txBody>
-          <a:bodyPr wrap="none" lIns="50800" tIns="50800" rIns="50800" bIns="50800" anchor="ctr">
-            <a:spAutoFit/>
-          </a:bodyPr>
-          <a:lstStyle>
-            <a:lvl1pPr>
-              <a:defRPr>
-                <a:latin typeface="Arial"/>
-                <a:ea typeface="Arial"/>
-                <a:cs typeface="Arial"/>
-                <a:sym typeface="Arial"/>
-              </a:defRPr>
-            </a:lvl1pPr>
-          </a:lstStyle>
-          <a:p>
-            <a:pPr lvl="0">
-              <a:defRPr sz="1800"/>
-            </a:pPr>
-            <a:r>
-              <a:rPr lang="de-DE" sz="2000" dirty="0" smtClean="0"/>
-              <a:t>3</a:t>
-            </a:r>
-            <a:endParaRPr sz="2000" dirty="0"/>
-          </a:p>
-        </p:txBody>
-      </p:sp>
-      <p:sp>
-        <p:nvSpPr>
-          <p:cNvPr id="27" name="Shape 52"/>
-          <p:cNvSpPr/>
-          <p:nvPr/>
-        </p:nvSpPr>
-        <p:spPr>
-          <a:xfrm>
-            <a:off x="5669404" y="5391883"/>
-            <a:ext cx="245259" cy="410369"/>
-          </a:xfrm>
-          <a:prstGeom prst="rect">
-            <a:avLst/>
-          </a:prstGeom>
-          <a:ln w="12700">
-            <a:miter lim="400000"/>
-          </a:ln>
-          <a:extLst>
-            <a:ext uri="{C572A759-6A51-4108-AA02-DFA0A04FC94B}">
-              <ma14:wrappingTextBoxFlag xmlns:ma14="http://schemas.microsoft.com/office/mac/drawingml/2011/main" val="1"/>
-            </a:ext>
-          </a:extLst>
-        </p:spPr>
-        <p:txBody>
-          <a:bodyPr wrap="none" lIns="50800" tIns="50800" rIns="50800" bIns="50800" anchor="ctr">
-            <a:spAutoFit/>
-          </a:bodyPr>
-          <a:lstStyle>
-            <a:lvl1pPr>
-              <a:defRPr>
-                <a:latin typeface="Arial"/>
-                <a:ea typeface="Arial"/>
-                <a:cs typeface="Arial"/>
-                <a:sym typeface="Arial"/>
-              </a:defRPr>
-            </a:lvl1pPr>
-          </a:lstStyle>
-          <a:p>
-            <a:pPr lvl="0">
-              <a:defRPr sz="1800"/>
-            </a:pPr>
-            <a:r>
-              <a:rPr lang="de-DE" sz="2000" dirty="0" smtClean="0"/>
-              <a:t>4</a:t>
-            </a:r>
-            <a:endParaRPr sz="2000" dirty="0"/>
-          </a:p>
-        </p:txBody>
-      </p:sp>
-      <p:sp>
-        <p:nvSpPr>
-          <p:cNvPr id="28" name="Shape 52"/>
-          <p:cNvSpPr/>
-          <p:nvPr/>
-        </p:nvSpPr>
-        <p:spPr>
-          <a:xfrm>
-            <a:off x="658081" y="5590420"/>
-            <a:ext cx="245259" cy="410369"/>
-          </a:xfrm>
-          <a:prstGeom prst="rect">
-            <a:avLst/>
-          </a:prstGeom>
-          <a:ln w="12700">
-            <a:miter lim="400000"/>
-          </a:ln>
-          <a:extLst>
-            <a:ext uri="{C572A759-6A51-4108-AA02-DFA0A04FC94B}">
-              <ma14:wrappingTextBoxFlag xmlns:ma14="http://schemas.microsoft.com/office/mac/drawingml/2011/main" val="1"/>
-            </a:ext>
-          </a:extLst>
-        </p:spPr>
-        <p:txBody>
-          <a:bodyPr wrap="none" lIns="50800" tIns="50800" rIns="50800" bIns="50800" anchor="ctr">
-            <a:spAutoFit/>
-          </a:bodyPr>
-          <a:lstStyle>
-            <a:lvl1pPr>
-              <a:defRPr>
-                <a:latin typeface="Arial"/>
-                <a:ea typeface="Arial"/>
-                <a:cs typeface="Arial"/>
-                <a:sym typeface="Arial"/>
-              </a:defRPr>
-            </a:lvl1pPr>
-          </a:lstStyle>
-          <a:p>
-            <a:pPr lvl="0">
-              <a:defRPr sz="1800"/>
-            </a:pPr>
-            <a:r>
-              <a:rPr lang="de-DE" sz="2000" dirty="0" smtClean="0"/>
-              <a:t>5</a:t>
-            </a:r>
-            <a:endParaRPr sz="2000" dirty="0"/>
-          </a:p>
-        </p:txBody>
-      </p:sp>
-      <p:sp>
-        <p:nvSpPr>
-          <p:cNvPr id="29" name="Shape 52"/>
-          <p:cNvSpPr/>
-          <p:nvPr/>
-        </p:nvSpPr>
-        <p:spPr>
-          <a:xfrm>
-            <a:off x="2573060" y="4103652"/>
-            <a:ext cx="245259" cy="410369"/>
-          </a:xfrm>
-          <a:prstGeom prst="rect">
-            <a:avLst/>
-          </a:prstGeom>
-          <a:ln w="12700">
-            <a:miter lim="400000"/>
-          </a:ln>
-          <a:extLst>
-            <a:ext uri="{C572A759-6A51-4108-AA02-DFA0A04FC94B}">
-              <ma14:wrappingTextBoxFlag xmlns:ma14="http://schemas.microsoft.com/office/mac/drawingml/2011/main" val="1"/>
-            </a:ext>
-          </a:extLst>
-        </p:spPr>
-        <p:txBody>
-          <a:bodyPr wrap="none" lIns="50800" tIns="50800" rIns="50800" bIns="50800" anchor="ctr">
-            <a:spAutoFit/>
-          </a:bodyPr>
-          <a:lstStyle>
-            <a:lvl1pPr>
-              <a:defRPr>
-                <a:latin typeface="Arial"/>
-                <a:ea typeface="Arial"/>
-                <a:cs typeface="Arial"/>
-                <a:sym typeface="Arial"/>
-              </a:defRPr>
-            </a:lvl1pPr>
-          </a:lstStyle>
-          <a:p>
-            <a:pPr lvl="0">
-              <a:defRPr sz="1800"/>
-            </a:pPr>
-            <a:r>
-              <a:rPr lang="de-DE" sz="2000" dirty="0" smtClean="0"/>
-              <a:t>6</a:t>
-            </a:r>
-            <a:endParaRPr sz="2000" dirty="0"/>
-          </a:p>
-        </p:txBody>
-      </p:sp>
-      <p:sp>
-        <p:nvSpPr>
-          <p:cNvPr id="30" name="Shape 52"/>
-          <p:cNvSpPr/>
-          <p:nvPr/>
-        </p:nvSpPr>
-        <p:spPr>
-          <a:xfrm>
-            <a:off x="5842657" y="1291619"/>
-            <a:ext cx="245259" cy="410369"/>
-          </a:xfrm>
-          <a:prstGeom prst="rect">
-            <a:avLst/>
-          </a:prstGeom>
-          <a:ln w="12700">
-            <a:miter lim="400000"/>
-          </a:ln>
-          <a:extLst>
-            <a:ext uri="{C572A759-6A51-4108-AA02-DFA0A04FC94B}">
-              <ma14:wrappingTextBoxFlag xmlns:ma14="http://schemas.microsoft.com/office/mac/drawingml/2011/main" val="1"/>
-            </a:ext>
-          </a:extLst>
-        </p:spPr>
-        <p:txBody>
-          <a:bodyPr wrap="none" lIns="50800" tIns="50800" rIns="50800" bIns="50800" anchor="ctr">
-            <a:spAutoFit/>
-          </a:bodyPr>
-          <a:lstStyle>
-            <a:lvl1pPr>
-              <a:defRPr>
-                <a:latin typeface="Arial"/>
-                <a:ea typeface="Arial"/>
-                <a:cs typeface="Arial"/>
-                <a:sym typeface="Arial"/>
-              </a:defRPr>
-            </a:lvl1pPr>
-          </a:lstStyle>
-          <a:p>
-            <a:pPr lvl="0">
-              <a:defRPr sz="1800"/>
-            </a:pPr>
-            <a:r>
-              <a:rPr lang="de-DE" sz="2000" dirty="0" smtClean="0"/>
-              <a:t>7</a:t>
-            </a:r>
-            <a:endParaRPr sz="2000" dirty="0"/>
           </a:p>
         </p:txBody>
       </p:sp>
@@ -26794,14 +27012,462 @@
   <p:timing>
     <p:tnLst>
       <p:par>
-        <p:cTn xmlns:p14="http://schemas.microsoft.com/office/powerpoint/2010/main" id="1" dur="indefinite" restart="never" nodeType="tmRoot"/>
+        <p:cTn xmlns:p14="http://schemas.microsoft.com/office/powerpoint/2010/main" id="1" dur="indefinite" restart="never" nodeType="tmRoot">
+          <p:childTnLst>
+            <p:seq concurrent="1" nextAc="seek">
+              <p:cTn id="2" dur="indefinite" nodeType="mainSeq">
+                <p:childTnLst>
+                  <p:par>
+                    <p:cTn id="3" fill="hold">
+                      <p:stCondLst>
+                        <p:cond delay="indefinite"/>
+                      </p:stCondLst>
+                      <p:childTnLst>
+                        <p:par>
+                          <p:cTn id="4" fill="hold">
+                            <p:stCondLst>
+                              <p:cond delay="0"/>
+                            </p:stCondLst>
+                            <p:childTnLst>
+                              <p:par>
+                                <p:cTn id="5" presetID="1" presetClass="entr" presetSubtype="0" fill="hold" grpId="0" nodeType="clickEffect">
+                                  <p:stCondLst>
+                                    <p:cond delay="0"/>
+                                  </p:stCondLst>
+                                  <p:childTnLst>
+                                    <p:set>
+                                      <p:cBhvr>
+                                        <p:cTn id="6" dur="1" fill="hold">
+                                          <p:stCondLst>
+                                            <p:cond delay="0"/>
+                                          </p:stCondLst>
+                                        </p:cTn>
+                                        <p:tgtEl>
+                                          <p:spTgt spid="17"/>
+                                        </p:tgtEl>
+                                        <p:attrNameLst>
+                                          <p:attrName>style.visibility</p:attrName>
+                                        </p:attrNameLst>
+                                      </p:cBhvr>
+                                      <p:to>
+                                        <p:strVal val="visible"/>
+                                      </p:to>
+                                    </p:set>
+                                  </p:childTnLst>
+                                </p:cTn>
+                              </p:par>
+                            </p:childTnLst>
+                          </p:cTn>
+                        </p:par>
+                      </p:childTnLst>
+                    </p:cTn>
+                  </p:par>
+                  <p:par>
+                    <p:cTn id="7" fill="hold">
+                      <p:stCondLst>
+                        <p:cond delay="indefinite"/>
+                      </p:stCondLst>
+                      <p:childTnLst>
+                        <p:par>
+                          <p:cTn id="8" fill="hold">
+                            <p:stCondLst>
+                              <p:cond delay="0"/>
+                            </p:stCondLst>
+                            <p:childTnLst>
+                              <p:par>
+                                <p:cTn id="9" presetID="1" presetClass="entr" presetSubtype="0" fill="hold" grpId="0" nodeType="clickEffect">
+                                  <p:stCondLst>
+                                    <p:cond delay="0"/>
+                                  </p:stCondLst>
+                                  <p:childTnLst>
+                                    <p:set>
+                                      <p:cBhvr>
+                                        <p:cTn id="10" dur="1" fill="hold">
+                                          <p:stCondLst>
+                                            <p:cond delay="0"/>
+                                          </p:stCondLst>
+                                        </p:cTn>
+                                        <p:tgtEl>
+                                          <p:spTgt spid="14"/>
+                                        </p:tgtEl>
+                                        <p:attrNameLst>
+                                          <p:attrName>style.visibility</p:attrName>
+                                        </p:attrNameLst>
+                                      </p:cBhvr>
+                                      <p:to>
+                                        <p:strVal val="visible"/>
+                                      </p:to>
+                                    </p:set>
+                                  </p:childTnLst>
+                                </p:cTn>
+                              </p:par>
+                            </p:childTnLst>
+                          </p:cTn>
+                        </p:par>
+                      </p:childTnLst>
+                    </p:cTn>
+                  </p:par>
+                  <p:par>
+                    <p:cTn id="11" fill="hold">
+                      <p:stCondLst>
+                        <p:cond delay="indefinite"/>
+                      </p:stCondLst>
+                      <p:childTnLst>
+                        <p:par>
+                          <p:cTn id="12" fill="hold">
+                            <p:stCondLst>
+                              <p:cond delay="0"/>
+                            </p:stCondLst>
+                            <p:childTnLst>
+                              <p:par>
+                                <p:cTn id="13" presetID="1" presetClass="entr" presetSubtype="0" fill="hold" grpId="0" nodeType="clickEffect">
+                                  <p:stCondLst>
+                                    <p:cond delay="0"/>
+                                  </p:stCondLst>
+                                  <p:childTnLst>
+                                    <p:set>
+                                      <p:cBhvr>
+                                        <p:cTn id="14" dur="1" fill="hold">
+                                          <p:stCondLst>
+                                            <p:cond delay="0"/>
+                                          </p:stCondLst>
+                                        </p:cTn>
+                                        <p:tgtEl>
+                                          <p:spTgt spid="13"/>
+                                        </p:tgtEl>
+                                        <p:attrNameLst>
+                                          <p:attrName>style.visibility</p:attrName>
+                                        </p:attrNameLst>
+                                      </p:cBhvr>
+                                      <p:to>
+                                        <p:strVal val="visible"/>
+                                      </p:to>
+                                    </p:set>
+                                  </p:childTnLst>
+                                </p:cTn>
+                              </p:par>
+                            </p:childTnLst>
+                          </p:cTn>
+                        </p:par>
+                      </p:childTnLst>
+                    </p:cTn>
+                  </p:par>
+                  <p:par>
+                    <p:cTn id="15" fill="hold">
+                      <p:stCondLst>
+                        <p:cond delay="indefinite"/>
+                      </p:stCondLst>
+                      <p:childTnLst>
+                        <p:par>
+                          <p:cTn id="16" fill="hold">
+                            <p:stCondLst>
+                              <p:cond delay="0"/>
+                            </p:stCondLst>
+                            <p:childTnLst>
+                              <p:par>
+                                <p:cTn id="17" presetID="1" presetClass="entr" presetSubtype="0" fill="hold" grpId="0" nodeType="clickEffect">
+                                  <p:stCondLst>
+                                    <p:cond delay="0"/>
+                                  </p:stCondLst>
+                                  <p:childTnLst>
+                                    <p:set>
+                                      <p:cBhvr>
+                                        <p:cTn id="18" dur="1" fill="hold">
+                                          <p:stCondLst>
+                                            <p:cond delay="0"/>
+                                          </p:stCondLst>
+                                        </p:cTn>
+                                        <p:tgtEl>
+                                          <p:spTgt spid="16"/>
+                                        </p:tgtEl>
+                                        <p:attrNameLst>
+                                          <p:attrName>style.visibility</p:attrName>
+                                        </p:attrNameLst>
+                                      </p:cBhvr>
+                                      <p:to>
+                                        <p:strVal val="visible"/>
+                                      </p:to>
+                                    </p:set>
+                                  </p:childTnLst>
+                                </p:cTn>
+                              </p:par>
+                            </p:childTnLst>
+                          </p:cTn>
+                        </p:par>
+                      </p:childTnLst>
+                    </p:cTn>
+                  </p:par>
+                  <p:par>
+                    <p:cTn id="19" fill="hold">
+                      <p:stCondLst>
+                        <p:cond delay="indefinite"/>
+                      </p:stCondLst>
+                      <p:childTnLst>
+                        <p:par>
+                          <p:cTn id="20" fill="hold">
+                            <p:stCondLst>
+                              <p:cond delay="0"/>
+                            </p:stCondLst>
+                            <p:childTnLst>
+                              <p:par>
+                                <p:cTn id="21" presetID="1" presetClass="entr" presetSubtype="0" fill="hold" nodeType="clickEffect">
+                                  <p:stCondLst>
+                                    <p:cond delay="0"/>
+                                  </p:stCondLst>
+                                  <p:childTnLst>
+                                    <p:set>
+                                      <p:cBhvr>
+                                        <p:cTn id="22" dur="1" fill="hold">
+                                          <p:stCondLst>
+                                            <p:cond delay="0"/>
+                                          </p:stCondLst>
+                                        </p:cTn>
+                                        <p:tgtEl>
+                                          <p:spTgt spid="36"/>
+                                        </p:tgtEl>
+                                        <p:attrNameLst>
+                                          <p:attrName>style.visibility</p:attrName>
+                                        </p:attrNameLst>
+                                      </p:cBhvr>
+                                      <p:to>
+                                        <p:strVal val="visible"/>
+                                      </p:to>
+                                    </p:set>
+                                  </p:childTnLst>
+                                </p:cTn>
+                              </p:par>
+                            </p:childTnLst>
+                          </p:cTn>
+                        </p:par>
+                      </p:childTnLst>
+                    </p:cTn>
+                  </p:par>
+                  <p:par>
+                    <p:cTn id="23" fill="hold">
+                      <p:stCondLst>
+                        <p:cond delay="indefinite"/>
+                      </p:stCondLst>
+                      <p:childTnLst>
+                        <p:par>
+                          <p:cTn id="24" fill="hold">
+                            <p:stCondLst>
+                              <p:cond delay="0"/>
+                            </p:stCondLst>
+                            <p:childTnLst>
+                              <p:par>
+                                <p:cTn id="25" presetID="1" presetClass="entr" presetSubtype="0" fill="hold" grpId="0" nodeType="clickEffect">
+                                  <p:stCondLst>
+                                    <p:cond delay="0"/>
+                                  </p:stCondLst>
+                                  <p:childTnLst>
+                                    <p:set>
+                                      <p:cBhvr>
+                                        <p:cTn id="26" dur="1" fill="hold">
+                                          <p:stCondLst>
+                                            <p:cond delay="0"/>
+                                          </p:stCondLst>
+                                        </p:cTn>
+                                        <p:tgtEl>
+                                          <p:spTgt spid="19"/>
+                                        </p:tgtEl>
+                                        <p:attrNameLst>
+                                          <p:attrName>style.visibility</p:attrName>
+                                        </p:attrNameLst>
+                                      </p:cBhvr>
+                                      <p:to>
+                                        <p:strVal val="visible"/>
+                                      </p:to>
+                                    </p:set>
+                                  </p:childTnLst>
+                                </p:cTn>
+                              </p:par>
+                              <p:par>
+                                <p:cTn id="27" presetID="1" presetClass="entr" presetSubtype="0" fill="hold" grpId="0" nodeType="withEffect">
+                                  <p:stCondLst>
+                                    <p:cond delay="0"/>
+                                  </p:stCondLst>
+                                  <p:childTnLst>
+                                    <p:set>
+                                      <p:cBhvr>
+                                        <p:cTn id="28" dur="1" fill="hold">
+                                          <p:stCondLst>
+                                            <p:cond delay="0"/>
+                                          </p:stCondLst>
+                                        </p:cTn>
+                                        <p:tgtEl>
+                                          <p:spTgt spid="21"/>
+                                        </p:tgtEl>
+                                        <p:attrNameLst>
+                                          <p:attrName>style.visibility</p:attrName>
+                                        </p:attrNameLst>
+                                      </p:cBhvr>
+                                      <p:to>
+                                        <p:strVal val="visible"/>
+                                      </p:to>
+                                    </p:set>
+                                  </p:childTnLst>
+                                </p:cTn>
+                              </p:par>
+                            </p:childTnLst>
+                          </p:cTn>
+                        </p:par>
+                      </p:childTnLst>
+                    </p:cTn>
+                  </p:par>
+                  <p:par>
+                    <p:cTn id="29" fill="hold">
+                      <p:stCondLst>
+                        <p:cond delay="indefinite"/>
+                      </p:stCondLst>
+                      <p:childTnLst>
+                        <p:par>
+                          <p:cTn id="30" fill="hold">
+                            <p:stCondLst>
+                              <p:cond delay="0"/>
+                            </p:stCondLst>
+                            <p:childTnLst>
+                              <p:par>
+                                <p:cTn id="31" presetID="1" presetClass="entr" presetSubtype="0" fill="hold" grpId="0" nodeType="clickEffect">
+                                  <p:stCondLst>
+                                    <p:cond delay="0"/>
+                                  </p:stCondLst>
+                                  <p:childTnLst>
+                                    <p:set>
+                                      <p:cBhvr>
+                                        <p:cTn id="32" dur="1" fill="hold">
+                                          <p:stCondLst>
+                                            <p:cond delay="0"/>
+                                          </p:stCondLst>
+                                        </p:cTn>
+                                        <p:tgtEl>
+                                          <p:spTgt spid="20"/>
+                                        </p:tgtEl>
+                                        <p:attrNameLst>
+                                          <p:attrName>style.visibility</p:attrName>
+                                        </p:attrNameLst>
+                                      </p:cBhvr>
+                                      <p:to>
+                                        <p:strVal val="visible"/>
+                                      </p:to>
+                                    </p:set>
+                                  </p:childTnLst>
+                                </p:cTn>
+                              </p:par>
+                              <p:par>
+                                <p:cTn id="33" presetID="1" presetClass="entr" presetSubtype="0" fill="hold" grpId="0" nodeType="withEffect">
+                                  <p:stCondLst>
+                                    <p:cond delay="0"/>
+                                  </p:stCondLst>
+                                  <p:childTnLst>
+                                    <p:set>
+                                      <p:cBhvr>
+                                        <p:cTn id="34" dur="1" fill="hold">
+                                          <p:stCondLst>
+                                            <p:cond delay="0"/>
+                                          </p:stCondLst>
+                                        </p:cTn>
+                                        <p:tgtEl>
+                                          <p:spTgt spid="23"/>
+                                        </p:tgtEl>
+                                        <p:attrNameLst>
+                                          <p:attrName>style.visibility</p:attrName>
+                                        </p:attrNameLst>
+                                      </p:cBhvr>
+                                      <p:to>
+                                        <p:strVal val="visible"/>
+                                      </p:to>
+                                    </p:set>
+                                  </p:childTnLst>
+                                </p:cTn>
+                              </p:par>
+                            </p:childTnLst>
+                          </p:cTn>
+                        </p:par>
+                      </p:childTnLst>
+                    </p:cTn>
+                  </p:par>
+                  <p:par>
+                    <p:cTn id="35" fill="hold">
+                      <p:stCondLst>
+                        <p:cond delay="indefinite"/>
+                      </p:stCondLst>
+                      <p:childTnLst>
+                        <p:par>
+                          <p:cTn id="36" fill="hold">
+                            <p:stCondLst>
+                              <p:cond delay="0"/>
+                            </p:stCondLst>
+                            <p:childTnLst>
+                              <p:par>
+                                <p:cTn id="37" presetID="1" presetClass="entr" presetSubtype="0" fill="hold" grpId="0" nodeType="clickEffect">
+                                  <p:stCondLst>
+                                    <p:cond delay="0"/>
+                                  </p:stCondLst>
+                                  <p:childTnLst>
+                                    <p:set>
+                                      <p:cBhvr>
+                                        <p:cTn id="38" dur="1" fill="hold">
+                                          <p:stCondLst>
+                                            <p:cond delay="0"/>
+                                          </p:stCondLst>
+                                        </p:cTn>
+                                        <p:tgtEl>
+                                          <p:spTgt spid="15"/>
+                                        </p:tgtEl>
+                                        <p:attrNameLst>
+                                          <p:attrName>style.visibility</p:attrName>
+                                        </p:attrNameLst>
+                                      </p:cBhvr>
+                                      <p:to>
+                                        <p:strVal val="visible"/>
+                                      </p:to>
+                                    </p:set>
+                                  </p:childTnLst>
+                                </p:cTn>
+                              </p:par>
+                            </p:childTnLst>
+                          </p:cTn>
+                        </p:par>
+                      </p:childTnLst>
+                    </p:cTn>
+                  </p:par>
+                </p:childTnLst>
+              </p:cTn>
+              <p:prevCondLst>
+                <p:cond evt="onPrev" delay="0">
+                  <p:tgtEl>
+                    <p:sldTgt/>
+                  </p:tgtEl>
+                </p:cond>
+              </p:prevCondLst>
+              <p:nextCondLst>
+                <p:cond evt="onNext" delay="0">
+                  <p:tgtEl>
+                    <p:sldTgt/>
+                  </p:tgtEl>
+                </p:cond>
+              </p:nextCondLst>
+            </p:seq>
+          </p:childTnLst>
+        </p:cTn>
       </p:par>
     </p:tnLst>
+    <p:bldLst>
+      <p:bldP spid="13" grpId="0" animBg="1"/>
+      <p:bldP spid="14" grpId="0" animBg="1"/>
+      <p:bldP spid="15" grpId="0" animBg="1"/>
+      <p:bldP spid="16" grpId="0" animBg="1"/>
+      <p:bldP spid="17" grpId="0" animBg="1"/>
+      <p:bldP spid="19" grpId="0" animBg="1"/>
+      <p:bldP spid="20" grpId="0" animBg="1"/>
+      <p:bldP spid="21" grpId="0" animBg="1"/>
+      <p:bldP spid="23" grpId="0" animBg="1"/>
+    </p:bldLst>
   </p:timing>
 </p:sld>
 </file>
 
-<file path=ppt/slides/slide48.xml><?xml version="1.0" encoding="utf-8"?>
+<file path=ppt/slides/slide5.xml><?xml version="1.0" encoding="utf-8"?>
 <p:sld xmlns:a="http://schemas.openxmlformats.org/drawingml/2006/main" xmlns:r="http://schemas.openxmlformats.org/officeDocument/2006/relationships" xmlns:p="http://schemas.openxmlformats.org/presentationml/2006/main">
   <p:cSld>
     <p:spTree>
@@ -26828,33 +27494,222 @@
             <p:ph type="title"/>
           </p:nvPr>
         </p:nvSpPr>
+        <p:spPr/>
+        <p:txBody>
+          <a:bodyPr/>
+          <a:lstStyle/>
+          <a:p>
+            <a:r>
+              <a:rPr lang="de-DE" dirty="0" smtClean="0"/>
+              <a:t>Agenda</a:t>
+            </a:r>
+            <a:endParaRPr lang="de-DE" dirty="0"/>
+          </a:p>
+        </p:txBody>
+      </p:sp>
+      <p:sp>
+        <p:nvSpPr>
+          <p:cNvPr id="3" name="Inhaltsplatzhalter 2"/>
+          <p:cNvSpPr>
+            <a:spLocks noGrp="1"/>
+          </p:cNvSpPr>
+          <p:nvPr>
+            <p:ph idx="1"/>
+          </p:nvPr>
+        </p:nvSpPr>
+        <p:spPr/>
+        <p:txBody>
+          <a:bodyPr>
+            <a:normAutofit lnSpcReduction="10000"/>
+          </a:bodyPr>
+          <a:lstStyle/>
+          <a:p>
+            <a:r>
+              <a:rPr lang="de-DE" b="1" dirty="0" smtClean="0"/>
+              <a:t>Motivation</a:t>
+            </a:r>
+          </a:p>
+          <a:p>
+            <a:pPr lvl="1"/>
+            <a:r>
+              <a:rPr lang="de-DE" b="1" dirty="0" smtClean="0"/>
+              <a:t>Warum </a:t>
+            </a:r>
+            <a:r>
+              <a:rPr lang="de-DE" b="1" dirty="0" err="1" smtClean="0"/>
+              <a:t>Websockets</a:t>
+            </a:r>
+            <a:r>
+              <a:rPr lang="de-DE" b="1" dirty="0" smtClean="0"/>
+              <a:t>?</a:t>
+            </a:r>
+          </a:p>
+          <a:p>
+            <a:r>
+              <a:rPr lang="de-DE" dirty="0" smtClean="0"/>
+              <a:t>Einführung</a:t>
+            </a:r>
+          </a:p>
+          <a:p>
+            <a:pPr lvl="1"/>
+            <a:r>
+              <a:rPr lang="de-DE" dirty="0" smtClean="0"/>
+              <a:t>Wie </a:t>
+            </a:r>
+            <a:r>
+              <a:rPr lang="de-DE" dirty="0" err="1" smtClean="0"/>
+              <a:t>WebSockets</a:t>
+            </a:r>
+            <a:r>
+              <a:rPr lang="de-DE" dirty="0" smtClean="0"/>
+              <a:t>?</a:t>
+            </a:r>
+          </a:p>
+          <a:p>
+            <a:pPr lvl="1"/>
+            <a:r>
+              <a:rPr lang="de-DE" dirty="0" smtClean="0"/>
+              <a:t>Echo-</a:t>
+            </a:r>
+            <a:r>
+              <a:rPr lang="de-DE" dirty="0" err="1" smtClean="0"/>
+              <a:t>Beipsiel</a:t>
+            </a:r>
+            <a:endParaRPr lang="de-DE" dirty="0" smtClean="0"/>
+          </a:p>
+          <a:p>
+            <a:r>
+              <a:rPr lang="de-DE" dirty="0" smtClean="0"/>
+              <a:t>Hands-on</a:t>
+            </a:r>
+          </a:p>
+          <a:p>
+            <a:pPr lvl="1"/>
+            <a:r>
+              <a:rPr lang="de-DE" dirty="0" smtClean="0"/>
+              <a:t>Umfangreiches Projekt</a:t>
+            </a:r>
+          </a:p>
+          <a:p>
+            <a:pPr lvl="2"/>
+            <a:r>
+              <a:rPr lang="de-DE" dirty="0" smtClean="0"/>
+              <a:t>Live-Ticker</a:t>
+            </a:r>
+          </a:p>
+          <a:p>
+            <a:pPr lvl="2"/>
+            <a:r>
+              <a:rPr lang="de-DE" dirty="0" smtClean="0"/>
+              <a:t>Fernsteuerung</a:t>
+            </a:r>
+            <a:endParaRPr lang="de-DE" dirty="0" smtClean="0"/>
+          </a:p>
+          <a:p>
+            <a:pPr lvl="2"/>
+            <a:endParaRPr lang="de-DE" dirty="0" smtClean="0"/>
+          </a:p>
+          <a:p>
+            <a:pPr lvl="1"/>
+            <a:endParaRPr lang="de-DE" dirty="0" smtClean="0"/>
+          </a:p>
+          <a:p>
+            <a:pPr lvl="1"/>
+            <a:endParaRPr lang="de-DE" dirty="0"/>
+          </a:p>
+        </p:txBody>
+      </p:sp>
+      <p:sp>
+        <p:nvSpPr>
+          <p:cNvPr id="5" name="Foliennummernplatzhalter 4"/>
+          <p:cNvSpPr>
+            <a:spLocks noGrp="1"/>
+          </p:cNvSpPr>
+          <p:nvPr>
+            <p:ph type="sldNum" sz="quarter" idx="12"/>
+          </p:nvPr>
+        </p:nvSpPr>
+        <p:spPr/>
+        <p:txBody>
+          <a:bodyPr/>
+          <a:lstStyle/>
+          <a:p>
+            <a:fld id="{39E521E7-45CD-AB42-A13A-3EF26A62B09A}" type="slidenum">
+              <a:rPr lang="en-US" smtClean="0"/>
+              <a:t>5</a:t>
+            </a:fld>
+            <a:endParaRPr lang="en-US"/>
+          </a:p>
+        </p:txBody>
+      </p:sp>
+    </p:spTree>
+    <p:extLst>
+      <p:ext uri="{BB962C8B-B14F-4D97-AF65-F5344CB8AC3E}">
+        <p14:creationId xmlns:p14="http://schemas.microsoft.com/office/powerpoint/2010/main" val="2099810683"/>
+      </p:ext>
+    </p:extLst>
+  </p:cSld>
+  <p:clrMapOvr>
+    <a:masterClrMapping/>
+  </p:clrMapOvr>
+  <p:timing>
+    <p:tnLst>
+      <p:par>
+        <p:cTn xmlns:p14="http://schemas.microsoft.com/office/powerpoint/2010/main" id="1" dur="indefinite" restart="never" nodeType="tmRoot"/>
+      </p:par>
+    </p:tnLst>
+  </p:timing>
+</p:sld>
+</file>
+
+<file path=ppt/slides/slide50.xml><?xml version="1.0" encoding="utf-8"?>
+<p:sld xmlns:a="http://schemas.openxmlformats.org/drawingml/2006/main" xmlns:r="http://schemas.openxmlformats.org/officeDocument/2006/relationships" xmlns:p="http://schemas.openxmlformats.org/presentationml/2006/main">
+  <p:cSld>
+    <p:spTree>
+      <p:nvGrpSpPr>
+        <p:cNvPr id="1" name=""/>
+        <p:cNvGrpSpPr/>
+        <p:nvPr/>
+      </p:nvGrpSpPr>
+      <p:grpSpPr>
+        <a:xfrm>
+          <a:off x="0" y="0"/>
+          <a:ext cx="0" cy="0"/>
+          <a:chOff x="0" y="0"/>
+          <a:chExt cx="0" cy="0"/>
+        </a:xfrm>
+      </p:grpSpPr>
+      <p:sp>
+        <p:nvSpPr>
+          <p:cNvPr id="2" name="Titel 1"/>
+          <p:cNvSpPr>
+            <a:spLocks noGrp="1"/>
+          </p:cNvSpPr>
+          <p:nvPr>
+            <p:ph type="title"/>
+          </p:nvPr>
+        </p:nvSpPr>
         <p:spPr>
           <a:xfrm>
-            <a:off x="499533" y="-176914"/>
+            <a:off x="466510" y="-174477"/>
             <a:ext cx="8229600" cy="1143000"/>
           </a:xfrm>
         </p:spPr>
         <p:txBody>
-          <a:bodyPr/>
-          <a:lstStyle/>
-          <a:p>
-            <a:r>
-              <a:rPr lang="de-DE" dirty="0" smtClean="0"/>
-              <a:t>Websocket-</a:t>
-            </a:r>
-            <a:r>
-              <a:rPr lang="de-DE" dirty="0" err="1" smtClean="0"/>
-              <a:t>based</a:t>
-            </a:r>
-            <a:r>
-              <a:rPr lang="de-DE" dirty="0" smtClean="0"/>
-              <a:t> Remote </a:t>
-            </a:r>
-            <a:r>
-              <a:rPr lang="de-DE" dirty="0" err="1" smtClean="0"/>
-              <a:t>Control</a:t>
-            </a:r>
-            <a:endParaRPr lang="de-DE" dirty="0"/>
+          <a:bodyPr>
+            <a:normAutofit/>
+          </a:bodyPr>
+          <a:lstStyle/>
+          <a:p>
+            <a:r>
+              <a:rPr lang="de-DE" sz="3600" dirty="0" err="1" smtClean="0"/>
+              <a:t>WebSocket-Based</a:t>
+            </a:r>
+            <a:r>
+              <a:rPr lang="de-DE" sz="3600" dirty="0" smtClean="0"/>
+              <a:t> Remote Controller</a:t>
+            </a:r>
+            <a:endParaRPr lang="de-DE" sz="3600" dirty="0"/>
           </a:p>
         </p:txBody>
       </p:sp>
@@ -26868,33 +27723,28 @@
             <p:ph type="sldNum" sz="quarter" idx="12"/>
           </p:nvPr>
         </p:nvSpPr>
+        <p:spPr/>
+        <p:txBody>
+          <a:bodyPr/>
+          <a:lstStyle/>
+          <a:p>
+            <a:fld id="{39E521E7-45CD-AB42-A13A-3EF26A62B09A}" type="slidenum">
+              <a:rPr lang="en-US" smtClean="0"/>
+              <a:t>50</a:t>
+            </a:fld>
+            <a:endParaRPr lang="en-US"/>
+          </a:p>
+        </p:txBody>
+      </p:sp>
+      <p:sp>
+        <p:nvSpPr>
+          <p:cNvPr id="5" name="Rechteck 4"/>
+          <p:cNvSpPr/>
+          <p:nvPr/>
+        </p:nvSpPr>
         <p:spPr>
           <a:xfrm>
-            <a:off x="6482645" y="6356350"/>
-            <a:ext cx="2133600" cy="365125"/>
-          </a:xfrm>
-        </p:spPr>
-        <p:txBody>
-          <a:bodyPr/>
-          <a:lstStyle/>
-          <a:p>
-            <a:fld id="{39E521E7-45CD-AB42-A13A-3EF26A62B09A}" type="slidenum">
-              <a:rPr lang="en-US" smtClean="0"/>
-              <a:t>48</a:t>
-            </a:fld>
-            <a:endParaRPr lang="en-US"/>
-          </a:p>
-        </p:txBody>
-      </p:sp>
-      <p:sp>
-        <p:nvSpPr>
-          <p:cNvPr id="9" name="Rechteck 8"/>
-          <p:cNvSpPr/>
-          <p:nvPr/>
-        </p:nvSpPr>
-        <p:spPr>
-          <a:xfrm>
-            <a:off x="550329" y="3537568"/>
+            <a:off x="411932" y="3489642"/>
             <a:ext cx="2340000" cy="3204716"/>
           </a:xfrm>
           <a:prstGeom prst="rect">
@@ -26968,13 +27818,13 @@
       </p:sp>
       <p:sp>
         <p:nvSpPr>
-          <p:cNvPr id="10" name="Rechteck 9"/>
+          <p:cNvPr id="6" name="Rechteck 5"/>
           <p:cNvSpPr/>
           <p:nvPr/>
         </p:nvSpPr>
         <p:spPr>
           <a:xfrm>
-            <a:off x="550329" y="4257648"/>
+            <a:off x="411932" y="4209722"/>
             <a:ext cx="2340000" cy="2304256"/>
           </a:xfrm>
           <a:prstGeom prst="rect">
@@ -27048,6 +27898,1590 @@
       </p:sp>
       <p:pic>
         <p:nvPicPr>
+          <p:cNvPr id="7" name="Picture 2" descr="D:\WS_Buch\Lizenzen\clker\13652249391214039740Smartphone.svg.hi_black_.png"/>
+          <p:cNvPicPr>
+            <a:picLocks noChangeAspect="1" noChangeArrowheads="1"/>
+          </p:cNvPicPr>
+          <p:nvPr/>
+        </p:nvPicPr>
+        <p:blipFill>
+          <a:blip r:embed="rId2" cstate="print"/>
+          <a:srcRect/>
+          <a:stretch>
+            <a:fillRect/>
+          </a:stretch>
+        </p:blipFill>
+        <p:spPr bwMode="auto">
+          <a:xfrm>
+            <a:off x="1077609" y="4569762"/>
+            <a:ext cx="810227" cy="1440160"/>
+          </a:xfrm>
+          <a:prstGeom prst="rect">
+            <a:avLst/>
+          </a:prstGeom>
+          <a:noFill/>
+        </p:spPr>
+      </p:pic>
+      <p:pic>
+        <p:nvPicPr>
+          <p:cNvPr id="8" name="droppedImage.tiff"/>
+          <p:cNvPicPr/>
+          <p:nvPr/>
+        </p:nvPicPr>
+        <p:blipFill>
+          <a:blip r:embed="rId3" cstate="print">
+            <a:extLst/>
+          </a:blip>
+          <a:stretch>
+            <a:fillRect/>
+          </a:stretch>
+        </p:blipFill>
+        <p:spPr>
+          <a:xfrm>
+            <a:off x="6452242" y="4248407"/>
+            <a:ext cx="2088232" cy="1733232"/>
+          </a:xfrm>
+          <a:prstGeom prst="rect">
+            <a:avLst/>
+          </a:prstGeom>
+          <a:ln w="12700">
+            <a:miter lim="400000"/>
+          </a:ln>
+        </p:spPr>
+      </p:pic>
+      <p:sp>
+        <p:nvSpPr>
+          <p:cNvPr id="9" name="Shape 49"/>
+          <p:cNvSpPr/>
+          <p:nvPr/>
+        </p:nvSpPr>
+        <p:spPr>
+          <a:xfrm flipH="1" flipV="1">
+            <a:off x="2031850" y="5182450"/>
+            <a:ext cx="4392488" cy="0"/>
+          </a:xfrm>
+          <a:prstGeom prst="line">
+            <a:avLst/>
+          </a:prstGeom>
+          <a:ln w="38100" cap="rnd">
+            <a:solidFill/>
+            <a:custDash>
+              <a:ds d="100000" sp="200000"/>
+            </a:custDash>
+            <a:miter lim="400000"/>
+            <a:headEnd type="stealth"/>
+          </a:ln>
+        </p:spPr>
+        <p:txBody>
+          <a:bodyPr lIns="50800" tIns="50800" rIns="50800" bIns="50800" anchor="ctr"/>
+          <a:lstStyle/>
+          <a:p>
+            <a:pPr lvl="0" algn="l">
+              <a:defRPr sz="1200">
+                <a:latin typeface="Helvetica"/>
+                <a:ea typeface="Helvetica"/>
+                <a:cs typeface="Helvetica"/>
+                <a:sym typeface="Helvetica"/>
+              </a:defRPr>
+            </a:pPr>
+            <a:endParaRPr/>
+          </a:p>
+        </p:txBody>
+      </p:sp>
+      <p:sp>
+        <p:nvSpPr>
+          <p:cNvPr id="10" name="Shape 50"/>
+          <p:cNvSpPr/>
+          <p:nvPr/>
+        </p:nvSpPr>
+        <p:spPr>
+          <a:xfrm>
+            <a:off x="2823940" y="2230122"/>
+            <a:ext cx="4210372" cy="2223740"/>
+          </a:xfrm>
+          <a:prstGeom prst="line">
+            <a:avLst/>
+          </a:prstGeom>
+          <a:ln w="38100" cap="rnd">
+            <a:solidFill/>
+            <a:custDash>
+              <a:ds d="100000" sp="200000"/>
+            </a:custDash>
+            <a:miter lim="400000"/>
+            <a:headEnd type="stealth"/>
+          </a:ln>
+        </p:spPr>
+        <p:txBody>
+          <a:bodyPr lIns="50800" tIns="50800" rIns="50800" bIns="50800" anchor="ctr"/>
+          <a:lstStyle/>
+          <a:p>
+            <a:pPr lvl="0" algn="l">
+              <a:defRPr sz="1200">
+                <a:latin typeface="Helvetica"/>
+                <a:ea typeface="Helvetica"/>
+                <a:cs typeface="Helvetica"/>
+                <a:sym typeface="Helvetica"/>
+              </a:defRPr>
+            </a:pPr>
+            <a:endParaRPr/>
+          </a:p>
+        </p:txBody>
+      </p:sp>
+      <p:sp>
+        <p:nvSpPr>
+          <p:cNvPr id="11" name="Shape 51"/>
+          <p:cNvSpPr/>
+          <p:nvPr/>
+        </p:nvSpPr>
+        <p:spPr>
+          <a:xfrm flipH="1">
+            <a:off x="1527795" y="2590162"/>
+            <a:ext cx="0" cy="1800200"/>
+          </a:xfrm>
+          <a:prstGeom prst="line">
+            <a:avLst/>
+          </a:prstGeom>
+          <a:ln w="38100">
+            <a:solidFill>
+              <a:srgbClr val="E32400"/>
+            </a:solidFill>
+            <a:miter lim="400000"/>
+            <a:headEnd type="stealth"/>
+            <a:tailEnd type="stealth"/>
+          </a:ln>
+        </p:spPr>
+        <p:txBody>
+          <a:bodyPr lIns="0" tIns="0" rIns="0" bIns="0" anchor="ctr"/>
+          <a:lstStyle/>
+          <a:p>
+            <a:pPr lvl="0" algn="l">
+              <a:defRPr sz="1200">
+                <a:latin typeface="Helvetica"/>
+                <a:ea typeface="Helvetica"/>
+                <a:cs typeface="Helvetica"/>
+                <a:sym typeface="Helvetica"/>
+              </a:defRPr>
+            </a:pPr>
+            <a:endParaRPr/>
+          </a:p>
+        </p:txBody>
+      </p:sp>
+      <p:sp>
+        <p:nvSpPr>
+          <p:cNvPr id="12" name="Shape 49"/>
+          <p:cNvSpPr/>
+          <p:nvPr/>
+        </p:nvSpPr>
+        <p:spPr>
+          <a:xfrm flipV="1">
+            <a:off x="2031850" y="5758514"/>
+            <a:ext cx="4392488" cy="0"/>
+          </a:xfrm>
+          <a:prstGeom prst="line">
+            <a:avLst/>
+          </a:prstGeom>
+          <a:ln w="38100" cap="rnd">
+            <a:solidFill/>
+            <a:custDash>
+              <a:ds d="100000" sp="200000"/>
+            </a:custDash>
+            <a:miter lim="400000"/>
+            <a:headEnd type="stealth"/>
+          </a:ln>
+        </p:spPr>
+        <p:txBody>
+          <a:bodyPr lIns="50800" tIns="50800" rIns="50800" bIns="50800" anchor="ctr"/>
+          <a:lstStyle/>
+          <a:p>
+            <a:pPr lvl="0" algn="l">
+              <a:defRPr sz="1200">
+                <a:latin typeface="Helvetica"/>
+                <a:ea typeface="Helvetica"/>
+                <a:cs typeface="Helvetica"/>
+                <a:sym typeface="Helvetica"/>
+              </a:defRPr>
+            </a:pPr>
+            <a:endParaRPr/>
+          </a:p>
+        </p:txBody>
+      </p:sp>
+      <p:sp>
+        <p:nvSpPr>
+          <p:cNvPr id="13" name="Shape 50"/>
+          <p:cNvSpPr/>
+          <p:nvPr/>
+        </p:nvSpPr>
+        <p:spPr>
+          <a:xfrm rot="5400000" flipH="1">
+            <a:off x="3448830" y="838790"/>
+            <a:ext cx="2283048" cy="4244032"/>
+          </a:xfrm>
+          <a:prstGeom prst="line">
+            <a:avLst/>
+          </a:prstGeom>
+          <a:ln w="38100" cap="rnd">
+            <a:solidFill/>
+            <a:custDash>
+              <a:ds d="100000" sp="200000"/>
+            </a:custDash>
+            <a:miter lim="400000"/>
+            <a:headEnd type="stealth"/>
+          </a:ln>
+        </p:spPr>
+        <p:txBody>
+          <a:bodyPr lIns="50800" tIns="50800" rIns="50800" bIns="50800" anchor="ctr"/>
+          <a:lstStyle/>
+          <a:p>
+            <a:pPr lvl="0" algn="l">
+              <a:defRPr sz="1200">
+                <a:latin typeface="Helvetica"/>
+                <a:ea typeface="Helvetica"/>
+                <a:cs typeface="Helvetica"/>
+                <a:sym typeface="Helvetica"/>
+              </a:defRPr>
+            </a:pPr>
+            <a:endParaRPr/>
+          </a:p>
+        </p:txBody>
+      </p:sp>
+      <p:sp>
+        <p:nvSpPr>
+          <p:cNvPr id="14" name="Shape 78"/>
+          <p:cNvSpPr/>
+          <p:nvPr/>
+        </p:nvSpPr>
+        <p:spPr>
+          <a:xfrm rot="20034527">
+            <a:off x="3082273" y="3996468"/>
+            <a:ext cx="807913" cy="379591"/>
+          </a:xfrm>
+          <a:prstGeom prst="rect">
+            <a:avLst/>
+          </a:prstGeom>
+          <a:ln w="12700">
+            <a:miter lim="400000"/>
+          </a:ln>
+          <a:extLst>
+            <a:ext uri="{C572A759-6A51-4108-AA02-DFA0A04FC94B}">
+              <ma14:wrappingTextBoxFlag xmlns:ma14="http://schemas.microsoft.com/office/mac/drawingml/2011/main" val="1"/>
+            </a:ext>
+          </a:extLst>
+        </p:spPr>
+        <p:txBody>
+          <a:bodyPr wrap="none" lIns="50800" tIns="50800" rIns="50800" bIns="50800" anchor="ctr">
+            <a:spAutoFit/>
+          </a:bodyPr>
+          <a:lstStyle>
+            <a:lvl1pPr>
+              <a:defRPr sz="1800">
+                <a:solidFill>
+                  <a:srgbClr val="B51A00"/>
+                </a:solidFill>
+              </a:defRPr>
+            </a:lvl1pPr>
+          </a:lstStyle>
+          <a:p>
+            <a:pPr lvl="0">
+              <a:defRPr>
+                <a:solidFill>
+                  <a:srgbClr val="000000"/>
+                </a:solidFill>
+              </a:defRPr>
+            </a:pPr>
+            <a:r>
+              <a:rPr dirty="0">
+                <a:solidFill>
+                  <a:srgbClr val="E32400"/>
+                </a:solidFill>
+              </a:rPr>
+              <a:t>Events</a:t>
+            </a:r>
+          </a:p>
+        </p:txBody>
+      </p:sp>
+      <p:sp>
+        <p:nvSpPr>
+          <p:cNvPr id="15" name="Shape 51"/>
+          <p:cNvSpPr/>
+          <p:nvPr/>
+        </p:nvSpPr>
+        <p:spPr>
+          <a:xfrm flipH="1">
+            <a:off x="2103860" y="2449575"/>
+            <a:ext cx="4680519" cy="2228819"/>
+          </a:xfrm>
+          <a:prstGeom prst="line">
+            <a:avLst/>
+          </a:prstGeom>
+          <a:ln w="38100">
+            <a:solidFill>
+              <a:srgbClr val="E32400"/>
+            </a:solidFill>
+            <a:miter lim="400000"/>
+            <a:headEnd type="stealth"/>
+            <a:tailEnd type="none"/>
+          </a:ln>
+        </p:spPr>
+        <p:txBody>
+          <a:bodyPr lIns="0" tIns="0" rIns="0" bIns="0" anchor="ctr"/>
+          <a:lstStyle/>
+          <a:p>
+            <a:pPr lvl="0" algn="l">
+              <a:defRPr sz="1200">
+                <a:latin typeface="Helvetica"/>
+                <a:ea typeface="Helvetica"/>
+                <a:cs typeface="Helvetica"/>
+                <a:sym typeface="Helvetica"/>
+              </a:defRPr>
+            </a:pPr>
+            <a:endParaRPr/>
+          </a:p>
+        </p:txBody>
+      </p:sp>
+      <p:sp>
+        <p:nvSpPr>
+          <p:cNvPr id="16" name="Shape 51"/>
+          <p:cNvSpPr/>
+          <p:nvPr/>
+        </p:nvSpPr>
+        <p:spPr>
+          <a:xfrm>
+            <a:off x="2679924" y="1654058"/>
+            <a:ext cx="4104456" cy="0"/>
+          </a:xfrm>
+          <a:prstGeom prst="line">
+            <a:avLst/>
+          </a:prstGeom>
+          <a:ln w="38100">
+            <a:solidFill>
+              <a:srgbClr val="E32400"/>
+            </a:solidFill>
+            <a:miter lim="400000"/>
+            <a:headEnd type="stealth"/>
+            <a:tailEnd type="none"/>
+          </a:ln>
+        </p:spPr>
+        <p:txBody>
+          <a:bodyPr lIns="0" tIns="0" rIns="0" bIns="0" anchor="ctr"/>
+          <a:lstStyle/>
+          <a:p>
+            <a:pPr lvl="0" algn="l">
+              <a:defRPr sz="1200">
+                <a:latin typeface="Helvetica"/>
+                <a:ea typeface="Helvetica"/>
+                <a:cs typeface="Helvetica"/>
+                <a:sym typeface="Helvetica"/>
+              </a:defRPr>
+            </a:pPr>
+            <a:endParaRPr/>
+          </a:p>
+        </p:txBody>
+      </p:sp>
+      <p:sp>
+        <p:nvSpPr>
+          <p:cNvPr id="17" name="Shape 51"/>
+          <p:cNvSpPr/>
+          <p:nvPr/>
+        </p:nvSpPr>
+        <p:spPr>
+          <a:xfrm flipH="1">
+            <a:off x="3184490" y="4100782"/>
+            <a:ext cx="783024" cy="373981"/>
+          </a:xfrm>
+          <a:prstGeom prst="line">
+            <a:avLst/>
+          </a:prstGeom>
+          <a:ln w="38100">
+            <a:solidFill>
+              <a:srgbClr val="E32400"/>
+            </a:solidFill>
+            <a:miter lim="400000"/>
+            <a:headEnd type="stealth"/>
+            <a:tailEnd type="none"/>
+          </a:ln>
+        </p:spPr>
+        <p:txBody>
+          <a:bodyPr lIns="0" tIns="0" rIns="0" bIns="0" anchor="ctr"/>
+          <a:lstStyle/>
+          <a:p>
+            <a:pPr lvl="0" algn="l">
+              <a:defRPr sz="1200">
+                <a:latin typeface="Helvetica"/>
+                <a:ea typeface="Helvetica"/>
+                <a:cs typeface="Helvetica"/>
+                <a:sym typeface="Helvetica"/>
+              </a:defRPr>
+            </a:pPr>
+            <a:endParaRPr/>
+          </a:p>
+        </p:txBody>
+      </p:sp>
+      <p:sp>
+        <p:nvSpPr>
+          <p:cNvPr id="18" name="Shape 78"/>
+          <p:cNvSpPr/>
+          <p:nvPr/>
+        </p:nvSpPr>
+        <p:spPr>
+          <a:xfrm>
+            <a:off x="3556613" y="1130455"/>
+            <a:ext cx="807913" cy="379591"/>
+          </a:xfrm>
+          <a:prstGeom prst="rect">
+            <a:avLst/>
+          </a:prstGeom>
+          <a:ln w="12700">
+            <a:miter lim="400000"/>
+          </a:ln>
+          <a:extLst>
+            <a:ext uri="{C572A759-6A51-4108-AA02-DFA0A04FC94B}">
+              <ma14:wrappingTextBoxFlag xmlns:ma14="http://schemas.microsoft.com/office/mac/drawingml/2011/main" val="1"/>
+            </a:ext>
+          </a:extLst>
+        </p:spPr>
+        <p:txBody>
+          <a:bodyPr wrap="none" lIns="50800" tIns="50800" rIns="50800" bIns="50800" anchor="ctr">
+            <a:spAutoFit/>
+          </a:bodyPr>
+          <a:lstStyle>
+            <a:lvl1pPr>
+              <a:defRPr sz="1800">
+                <a:solidFill>
+                  <a:srgbClr val="B51A00"/>
+                </a:solidFill>
+              </a:defRPr>
+            </a:lvl1pPr>
+          </a:lstStyle>
+          <a:p>
+            <a:pPr lvl="0">
+              <a:defRPr>
+                <a:solidFill>
+                  <a:srgbClr val="000000"/>
+                </a:solidFill>
+              </a:defRPr>
+            </a:pPr>
+            <a:r>
+              <a:rPr dirty="0">
+                <a:solidFill>
+                  <a:srgbClr val="E32400"/>
+                </a:solidFill>
+              </a:rPr>
+              <a:t>Events</a:t>
+            </a:r>
+          </a:p>
+        </p:txBody>
+      </p:sp>
+      <p:sp>
+        <p:nvSpPr>
+          <p:cNvPr id="19" name="Shape 51"/>
+          <p:cNvSpPr/>
+          <p:nvPr/>
+        </p:nvSpPr>
+        <p:spPr>
+          <a:xfrm>
+            <a:off x="3472012" y="1447559"/>
+            <a:ext cx="864095" cy="0"/>
+          </a:xfrm>
+          <a:prstGeom prst="line">
+            <a:avLst/>
+          </a:prstGeom>
+          <a:ln w="38100">
+            <a:solidFill>
+              <a:srgbClr val="E32400"/>
+            </a:solidFill>
+            <a:miter lim="400000"/>
+            <a:headEnd type="stealth"/>
+            <a:tailEnd type="none"/>
+          </a:ln>
+        </p:spPr>
+        <p:txBody>
+          <a:bodyPr lIns="0" tIns="0" rIns="0" bIns="0" anchor="ctr"/>
+          <a:lstStyle/>
+          <a:p>
+            <a:pPr lvl="0" algn="l">
+              <a:defRPr sz="1200">
+                <a:latin typeface="Helvetica"/>
+                <a:ea typeface="Helvetica"/>
+                <a:cs typeface="Helvetica"/>
+                <a:sym typeface="Helvetica"/>
+              </a:defRPr>
+            </a:pPr>
+            <a:endParaRPr/>
+          </a:p>
+        </p:txBody>
+      </p:sp>
+      <p:sp>
+        <p:nvSpPr>
+          <p:cNvPr id="20" name="Shape 52"/>
+          <p:cNvSpPr/>
+          <p:nvPr/>
+        </p:nvSpPr>
+        <p:spPr>
+          <a:xfrm>
+            <a:off x="2955255" y="1798074"/>
+            <a:ext cx="245259" cy="410369"/>
+          </a:xfrm>
+          <a:prstGeom prst="rect">
+            <a:avLst/>
+          </a:prstGeom>
+          <a:ln w="12700">
+            <a:miter lim="400000"/>
+          </a:ln>
+          <a:extLst>
+            <a:ext uri="{C572A759-6A51-4108-AA02-DFA0A04FC94B}">
+              <ma14:wrappingTextBoxFlag xmlns:ma14="http://schemas.microsoft.com/office/mac/drawingml/2011/main" val="1"/>
+            </a:ext>
+          </a:extLst>
+        </p:spPr>
+        <p:txBody>
+          <a:bodyPr wrap="none" lIns="50800" tIns="50800" rIns="50800" bIns="50800" anchor="ctr">
+            <a:spAutoFit/>
+          </a:bodyPr>
+          <a:lstStyle>
+            <a:lvl1pPr>
+              <a:defRPr>
+                <a:latin typeface="Arial"/>
+                <a:ea typeface="Arial"/>
+                <a:cs typeface="Arial"/>
+                <a:sym typeface="Arial"/>
+              </a:defRPr>
+            </a:lvl1pPr>
+          </a:lstStyle>
+          <a:p>
+            <a:pPr lvl="0">
+              <a:defRPr sz="1800"/>
+            </a:pPr>
+            <a:r>
+              <a:rPr sz="2000" dirty="0"/>
+              <a:t>1</a:t>
+            </a:r>
+          </a:p>
+        </p:txBody>
+      </p:sp>
+      <p:sp>
+        <p:nvSpPr>
+          <p:cNvPr id="21" name="Shape 52"/>
+          <p:cNvSpPr/>
+          <p:nvPr/>
+        </p:nvSpPr>
+        <p:spPr>
+          <a:xfrm>
+            <a:off x="5632251" y="3814299"/>
+            <a:ext cx="245259" cy="410369"/>
+          </a:xfrm>
+          <a:prstGeom prst="rect">
+            <a:avLst/>
+          </a:prstGeom>
+          <a:ln w="12700">
+            <a:miter lim="400000"/>
+          </a:ln>
+          <a:extLst>
+            <a:ext uri="{C572A759-6A51-4108-AA02-DFA0A04FC94B}">
+              <ma14:wrappingTextBoxFlag xmlns:ma14="http://schemas.microsoft.com/office/mac/drawingml/2011/main" val="1"/>
+            </a:ext>
+          </a:extLst>
+        </p:spPr>
+        <p:txBody>
+          <a:bodyPr wrap="none" lIns="50800" tIns="50800" rIns="50800" bIns="50800" anchor="ctr">
+            <a:spAutoFit/>
+          </a:bodyPr>
+          <a:lstStyle>
+            <a:lvl1pPr>
+              <a:defRPr>
+                <a:latin typeface="Arial"/>
+                <a:ea typeface="Arial"/>
+                <a:cs typeface="Arial"/>
+                <a:sym typeface="Arial"/>
+              </a:defRPr>
+            </a:lvl1pPr>
+          </a:lstStyle>
+          <a:p>
+            <a:pPr lvl="0">
+              <a:defRPr sz="1800"/>
+            </a:pPr>
+            <a:r>
+              <a:rPr lang="de-DE" sz="2000" dirty="0" smtClean="0"/>
+              <a:t>2</a:t>
+            </a:r>
+            <a:endParaRPr sz="2000" dirty="0"/>
+          </a:p>
+        </p:txBody>
+      </p:sp>
+      <p:sp>
+        <p:nvSpPr>
+          <p:cNvPr id="22" name="Shape 52"/>
+          <p:cNvSpPr/>
+          <p:nvPr/>
+        </p:nvSpPr>
+        <p:spPr>
+          <a:xfrm>
+            <a:off x="2604079" y="4771614"/>
+            <a:ext cx="245259" cy="410369"/>
+          </a:xfrm>
+          <a:prstGeom prst="rect">
+            <a:avLst/>
+          </a:prstGeom>
+          <a:ln w="12700">
+            <a:miter lim="400000"/>
+          </a:ln>
+          <a:extLst>
+            <a:ext uri="{C572A759-6A51-4108-AA02-DFA0A04FC94B}">
+              <ma14:wrappingTextBoxFlag xmlns:ma14="http://schemas.microsoft.com/office/mac/drawingml/2011/main" val="1"/>
+            </a:ext>
+          </a:extLst>
+        </p:spPr>
+        <p:txBody>
+          <a:bodyPr wrap="none" lIns="50800" tIns="50800" rIns="50800" bIns="50800" anchor="ctr">
+            <a:spAutoFit/>
+          </a:bodyPr>
+          <a:lstStyle>
+            <a:lvl1pPr>
+              <a:defRPr>
+                <a:latin typeface="Arial"/>
+                <a:ea typeface="Arial"/>
+                <a:cs typeface="Arial"/>
+                <a:sym typeface="Arial"/>
+              </a:defRPr>
+            </a:lvl1pPr>
+          </a:lstStyle>
+          <a:p>
+            <a:pPr lvl="0">
+              <a:defRPr sz="1800"/>
+            </a:pPr>
+            <a:r>
+              <a:rPr lang="de-DE" sz="2000" dirty="0" smtClean="0"/>
+              <a:t>3</a:t>
+            </a:r>
+            <a:endParaRPr sz="2000" dirty="0"/>
+          </a:p>
+        </p:txBody>
+      </p:sp>
+      <p:sp>
+        <p:nvSpPr>
+          <p:cNvPr id="23" name="Shape 52"/>
+          <p:cNvSpPr/>
+          <p:nvPr/>
+        </p:nvSpPr>
+        <p:spPr>
+          <a:xfrm>
+            <a:off x="5531007" y="5343957"/>
+            <a:ext cx="245259" cy="410369"/>
+          </a:xfrm>
+          <a:prstGeom prst="rect">
+            <a:avLst/>
+          </a:prstGeom>
+          <a:ln w="12700">
+            <a:miter lim="400000"/>
+          </a:ln>
+          <a:extLst>
+            <a:ext uri="{C572A759-6A51-4108-AA02-DFA0A04FC94B}">
+              <ma14:wrappingTextBoxFlag xmlns:ma14="http://schemas.microsoft.com/office/mac/drawingml/2011/main" val="1"/>
+            </a:ext>
+          </a:extLst>
+        </p:spPr>
+        <p:txBody>
+          <a:bodyPr wrap="none" lIns="50800" tIns="50800" rIns="50800" bIns="50800" anchor="ctr">
+            <a:spAutoFit/>
+          </a:bodyPr>
+          <a:lstStyle>
+            <a:lvl1pPr>
+              <a:defRPr>
+                <a:latin typeface="Arial"/>
+                <a:ea typeface="Arial"/>
+                <a:cs typeface="Arial"/>
+                <a:sym typeface="Arial"/>
+              </a:defRPr>
+            </a:lvl1pPr>
+          </a:lstStyle>
+          <a:p>
+            <a:pPr lvl="0">
+              <a:defRPr sz="1800"/>
+            </a:pPr>
+            <a:r>
+              <a:rPr lang="de-DE" sz="2000" dirty="0" smtClean="0"/>
+              <a:t>4</a:t>
+            </a:r>
+            <a:endParaRPr sz="2000" dirty="0"/>
+          </a:p>
+        </p:txBody>
+      </p:sp>
+      <p:sp>
+        <p:nvSpPr>
+          <p:cNvPr id="24" name="Shape 52"/>
+          <p:cNvSpPr/>
+          <p:nvPr/>
+        </p:nvSpPr>
+        <p:spPr>
+          <a:xfrm>
+            <a:off x="519684" y="5542494"/>
+            <a:ext cx="245259" cy="410369"/>
+          </a:xfrm>
+          <a:prstGeom prst="rect">
+            <a:avLst/>
+          </a:prstGeom>
+          <a:ln w="12700">
+            <a:miter lim="400000"/>
+          </a:ln>
+          <a:extLst>
+            <a:ext uri="{C572A759-6A51-4108-AA02-DFA0A04FC94B}">
+              <ma14:wrappingTextBoxFlag xmlns:ma14="http://schemas.microsoft.com/office/mac/drawingml/2011/main" val="1"/>
+            </a:ext>
+          </a:extLst>
+        </p:spPr>
+        <p:txBody>
+          <a:bodyPr wrap="none" lIns="50800" tIns="50800" rIns="50800" bIns="50800" anchor="ctr">
+            <a:spAutoFit/>
+          </a:bodyPr>
+          <a:lstStyle>
+            <a:lvl1pPr>
+              <a:defRPr>
+                <a:latin typeface="Arial"/>
+                <a:ea typeface="Arial"/>
+                <a:cs typeface="Arial"/>
+                <a:sym typeface="Arial"/>
+              </a:defRPr>
+            </a:lvl1pPr>
+          </a:lstStyle>
+          <a:p>
+            <a:pPr lvl="0">
+              <a:defRPr sz="1800"/>
+            </a:pPr>
+            <a:r>
+              <a:rPr lang="de-DE" sz="2000" dirty="0" smtClean="0"/>
+              <a:t>5</a:t>
+            </a:r>
+            <a:endParaRPr sz="2000" dirty="0"/>
+          </a:p>
+        </p:txBody>
+      </p:sp>
+      <p:sp>
+        <p:nvSpPr>
+          <p:cNvPr id="25" name="Shape 52"/>
+          <p:cNvSpPr/>
+          <p:nvPr/>
+        </p:nvSpPr>
+        <p:spPr>
+          <a:xfrm>
+            <a:off x="2434663" y="4055726"/>
+            <a:ext cx="245259" cy="410369"/>
+          </a:xfrm>
+          <a:prstGeom prst="rect">
+            <a:avLst/>
+          </a:prstGeom>
+          <a:ln w="12700">
+            <a:miter lim="400000"/>
+          </a:ln>
+          <a:extLst>
+            <a:ext uri="{C572A759-6A51-4108-AA02-DFA0A04FC94B}">
+              <ma14:wrappingTextBoxFlag xmlns:ma14="http://schemas.microsoft.com/office/mac/drawingml/2011/main" val="1"/>
+            </a:ext>
+          </a:extLst>
+        </p:spPr>
+        <p:txBody>
+          <a:bodyPr wrap="none" lIns="50800" tIns="50800" rIns="50800" bIns="50800" anchor="ctr">
+            <a:spAutoFit/>
+          </a:bodyPr>
+          <a:lstStyle>
+            <a:lvl1pPr>
+              <a:defRPr>
+                <a:latin typeface="Arial"/>
+                <a:ea typeface="Arial"/>
+                <a:cs typeface="Arial"/>
+                <a:sym typeface="Arial"/>
+              </a:defRPr>
+            </a:lvl1pPr>
+          </a:lstStyle>
+          <a:p>
+            <a:pPr lvl="0">
+              <a:defRPr sz="1800"/>
+            </a:pPr>
+            <a:r>
+              <a:rPr lang="de-DE" sz="2000" dirty="0" smtClean="0"/>
+              <a:t>6</a:t>
+            </a:r>
+            <a:endParaRPr sz="2000" dirty="0"/>
+          </a:p>
+        </p:txBody>
+      </p:sp>
+      <p:sp>
+        <p:nvSpPr>
+          <p:cNvPr id="26" name="Shape 52"/>
+          <p:cNvSpPr/>
+          <p:nvPr/>
+        </p:nvSpPr>
+        <p:spPr>
+          <a:xfrm>
+            <a:off x="5704260" y="1243693"/>
+            <a:ext cx="245259" cy="410369"/>
+          </a:xfrm>
+          <a:prstGeom prst="rect">
+            <a:avLst/>
+          </a:prstGeom>
+          <a:ln w="12700">
+            <a:miter lim="400000"/>
+          </a:ln>
+          <a:extLst>
+            <a:ext uri="{C572A759-6A51-4108-AA02-DFA0A04FC94B}">
+              <ma14:wrappingTextBoxFlag xmlns:ma14="http://schemas.microsoft.com/office/mac/drawingml/2011/main" val="1"/>
+            </a:ext>
+          </a:extLst>
+        </p:spPr>
+        <p:txBody>
+          <a:bodyPr wrap="none" lIns="50800" tIns="50800" rIns="50800" bIns="50800" anchor="ctr">
+            <a:spAutoFit/>
+          </a:bodyPr>
+          <a:lstStyle>
+            <a:lvl1pPr>
+              <a:defRPr>
+                <a:latin typeface="Arial"/>
+                <a:ea typeface="Arial"/>
+                <a:cs typeface="Arial"/>
+                <a:sym typeface="Arial"/>
+              </a:defRPr>
+            </a:lvl1pPr>
+          </a:lstStyle>
+          <a:p>
+            <a:pPr lvl="0">
+              <a:defRPr sz="1800"/>
+            </a:pPr>
+            <a:r>
+              <a:rPr lang="de-DE" sz="2000" dirty="0" smtClean="0"/>
+              <a:t>7</a:t>
+            </a:r>
+            <a:endParaRPr sz="2000" dirty="0"/>
+          </a:p>
+        </p:txBody>
+      </p:sp>
+      <p:sp>
+        <p:nvSpPr>
+          <p:cNvPr id="27" name="Shape 66"/>
+          <p:cNvSpPr/>
+          <p:nvPr/>
+        </p:nvSpPr>
+        <p:spPr>
+          <a:xfrm>
+            <a:off x="6754304" y="5960636"/>
+            <a:ext cx="1218282" cy="379591"/>
+          </a:xfrm>
+          <a:prstGeom prst="rect">
+            <a:avLst/>
+          </a:prstGeom>
+          <a:ln w="12700">
+            <a:miter lim="400000"/>
+          </a:ln>
+          <a:extLst>
+            <a:ext uri="{C572A759-6A51-4108-AA02-DFA0A04FC94B}">
+              <ma14:wrappingTextBoxFlag xmlns:ma14="http://schemas.microsoft.com/office/mac/drawingml/2011/main" val="1"/>
+            </a:ext>
+          </a:extLst>
+        </p:spPr>
+        <p:txBody>
+          <a:bodyPr wrap="none" lIns="50800" tIns="50800" rIns="50800" bIns="50800" anchor="ctr">
+            <a:spAutoFit/>
+          </a:bodyPr>
+          <a:lstStyle>
+            <a:lvl1pPr>
+              <a:defRPr sz="1800"/>
+            </a:lvl1pPr>
+          </a:lstStyle>
+          <a:p>
+            <a:pPr lvl="0"/>
+            <a:r>
+              <a:rPr dirty="0" err="1"/>
+              <a:t>Webserver</a:t>
+            </a:r>
+            <a:endParaRPr dirty="0"/>
+          </a:p>
+        </p:txBody>
+      </p:sp>
+      <p:sp>
+        <p:nvSpPr>
+          <p:cNvPr id="28" name="Shape 65"/>
+          <p:cNvSpPr/>
+          <p:nvPr/>
+        </p:nvSpPr>
+        <p:spPr>
+          <a:xfrm>
+            <a:off x="6631409" y="2576260"/>
+            <a:ext cx="1449115" cy="379591"/>
+          </a:xfrm>
+          <a:prstGeom prst="rect">
+            <a:avLst/>
+          </a:prstGeom>
+          <a:ln w="12700">
+            <a:miter lim="400000"/>
+          </a:ln>
+          <a:extLst>
+            <a:ext uri="{C572A759-6A51-4108-AA02-DFA0A04FC94B}">
+              <ma14:wrappingTextBoxFlag xmlns:ma14="http://schemas.microsoft.com/office/mac/drawingml/2011/main" val="1"/>
+            </a:ext>
+          </a:extLst>
+        </p:spPr>
+        <p:txBody>
+          <a:bodyPr wrap="none" lIns="50800" tIns="50800" rIns="50800" bIns="50800" anchor="ctr">
+            <a:spAutoFit/>
+          </a:bodyPr>
+          <a:lstStyle>
+            <a:lvl1pPr>
+              <a:defRPr sz="1800"/>
+            </a:lvl1pPr>
+          </a:lstStyle>
+          <a:p>
+            <a:pPr lvl="0"/>
+            <a:r>
+              <a:rPr dirty="0"/>
+              <a:t>Event-Server</a:t>
+            </a:r>
+          </a:p>
+        </p:txBody>
+      </p:sp>
+      <p:sp>
+        <p:nvSpPr>
+          <p:cNvPr id="29" name="Rechteck 28"/>
+          <p:cNvSpPr/>
+          <p:nvPr/>
+        </p:nvSpPr>
+        <p:spPr>
+          <a:xfrm>
+            <a:off x="6079371" y="861970"/>
+            <a:ext cx="2484000" cy="5580000"/>
+          </a:xfrm>
+          <a:prstGeom prst="rect">
+            <a:avLst/>
+          </a:prstGeom>
+          <a:noFill/>
+          <a:ln w="50800" cap="flat">
+            <a:solidFill>
+              <a:schemeClr val="tx1"/>
+            </a:solidFill>
+            <a:miter lim="400000"/>
+          </a:ln>
+          <a:effectLst>
+            <a:outerShdw blurRad="38100" dist="25400" dir="5400000" rotWithShape="0">
+              <a:srgbClr val="000000">
+                <a:alpha val="50000"/>
+              </a:srgbClr>
+            </a:outerShdw>
+          </a:effectLst>
+        </p:spPr>
+        <p:style>
+          <a:lnRef idx="0">
+            <a:scrgbClr r="0" g="0" b="0"/>
+          </a:lnRef>
+          <a:fillRef idx="0">
+            <a:scrgbClr r="0" g="0" b="0"/>
+          </a:fillRef>
+          <a:effectRef idx="0">
+            <a:scrgbClr r="0" g="0" b="0"/>
+          </a:effectRef>
+          <a:fontRef idx="none"/>
+        </p:style>
+        <p:txBody>
+          <a:bodyPr rot="0" spcFirstLastPara="1" vertOverflow="overflow" horzOverflow="overflow" vert="horz" wrap="square" lIns="50800" tIns="50800" rIns="50800" bIns="50800" numCol="1" spcCol="38100" rtlCol="0" anchor="ctr">
+            <a:spAutoFit/>
+          </a:bodyPr>
+          <a:lstStyle/>
+          <a:p>
+            <a:pPr marL="0" marR="0" indent="0" algn="ctr" defTabSz="457200" rtl="0" fontAlgn="auto" latinLnBrk="1" hangingPunct="0">
+              <a:lnSpc>
+                <a:spcPct val="100000"/>
+              </a:lnSpc>
+              <a:spcBef>
+                <a:spcPts val="0"/>
+              </a:spcBef>
+              <a:spcAft>
+                <a:spcPts val="0"/>
+              </a:spcAft>
+              <a:buClrTx/>
+              <a:buSzTx/>
+              <a:buFontTx/>
+              <a:buNone/>
+              <a:tabLst/>
+            </a:pPr>
+            <a:endParaRPr kumimoji="0" lang="en-US" sz="3000" b="0" i="0" u="none" strike="noStrike" cap="none" spc="0" normalizeH="0" baseline="0">
+              <a:ln>
+                <a:noFill/>
+              </a:ln>
+              <a:solidFill>
+                <a:srgbClr val="FFFFFF"/>
+              </a:solidFill>
+              <a:effectLst>
+                <a:outerShdw blurRad="38100" dist="12700" dir="5400000" rotWithShape="0">
+                  <a:srgbClr val="000000">
+                    <a:alpha val="50000"/>
+                  </a:srgbClr>
+                </a:outerShdw>
+              </a:effectLst>
+              <a:uFillTx/>
+              <a:latin typeface="+mn-lt"/>
+              <a:ea typeface="+mn-ea"/>
+              <a:cs typeface="+mn-cs"/>
+              <a:sym typeface="Gill Sans"/>
+            </a:endParaRPr>
+          </a:p>
+        </p:txBody>
+      </p:sp>
+      <p:pic>
+        <p:nvPicPr>
+          <p:cNvPr id="30" name="Picture 2" descr="D:\WS_Buch\Lizenzen\clker\plasma-tv-hi_clean.png"/>
+          <p:cNvPicPr>
+            <a:picLocks noChangeAspect="1" noChangeArrowheads="1"/>
+          </p:cNvPicPr>
+          <p:nvPr/>
+        </p:nvPicPr>
+        <p:blipFill>
+          <a:blip r:embed="rId4" cstate="print"/>
+          <a:srcRect/>
+          <a:stretch>
+            <a:fillRect/>
+          </a:stretch>
+        </p:blipFill>
+        <p:spPr bwMode="auto">
+          <a:xfrm>
+            <a:off x="610330" y="1113378"/>
+            <a:ext cx="1853570" cy="1269515"/>
+          </a:xfrm>
+          <a:prstGeom prst="rect">
+            <a:avLst/>
+          </a:prstGeom>
+          <a:noFill/>
+        </p:spPr>
+      </p:pic>
+      <p:pic>
+        <p:nvPicPr>
+          <p:cNvPr id="31" name="Picture 2" descr="C:\Users\Pelego\Desktop\simple-server-hi.png"/>
+          <p:cNvPicPr>
+            <a:picLocks noChangeAspect="1" noChangeArrowheads="1"/>
+          </p:cNvPicPr>
+          <p:nvPr/>
+        </p:nvPicPr>
+        <p:blipFill>
+          <a:blip r:embed="rId5" cstate="print"/>
+          <a:srcRect/>
+          <a:stretch>
+            <a:fillRect/>
+          </a:stretch>
+        </p:blipFill>
+        <p:spPr bwMode="auto">
+          <a:xfrm>
+            <a:off x="6920195" y="1160442"/>
+            <a:ext cx="800289" cy="1393096"/>
+          </a:xfrm>
+          <a:prstGeom prst="rect">
+            <a:avLst/>
+          </a:prstGeom>
+          <a:noFill/>
+        </p:spPr>
+      </p:pic>
+      <p:pic>
+        <p:nvPicPr>
+          <p:cNvPr id="32" name="Picture 2" descr="D:\WS_Buch\Lizenzen\clker\pointer-finger-hi.png"/>
+          <p:cNvPicPr>
+            <a:picLocks noChangeAspect="1" noChangeArrowheads="1"/>
+          </p:cNvPicPr>
+          <p:nvPr/>
+        </p:nvPicPr>
+        <p:blipFill>
+          <a:blip r:embed="rId6" cstate="print"/>
+          <a:srcRect/>
+          <a:stretch>
+            <a:fillRect/>
+          </a:stretch>
+        </p:blipFill>
+        <p:spPr bwMode="auto">
+          <a:xfrm rot="5400000">
+            <a:off x="748245" y="4737555"/>
+            <a:ext cx="755774" cy="1068880"/>
+          </a:xfrm>
+          <a:prstGeom prst="rect">
+            <a:avLst/>
+          </a:prstGeom>
+          <a:noFill/>
+        </p:spPr>
+      </p:pic>
+      <p:grpSp>
+        <p:nvGrpSpPr>
+          <p:cNvPr id="33" name="Gruppieren 40"/>
+          <p:cNvGrpSpPr/>
+          <p:nvPr/>
+        </p:nvGrpSpPr>
+        <p:grpSpPr>
+          <a:xfrm>
+            <a:off x="3976068" y="1329402"/>
+            <a:ext cx="1535408" cy="995362"/>
+            <a:chOff x="3852168" y="1980580"/>
+            <a:chExt cx="1535408" cy="995362"/>
+          </a:xfrm>
+        </p:grpSpPr>
+        <p:pic>
+          <p:nvPicPr>
+            <p:cNvPr id="34" name="Picture 3" descr="C:\Users\Pelego\Desktop\1258662140461877526jean_victor_balin_cloud.svg.hi.png"/>
+            <p:cNvPicPr>
+              <a:picLocks noChangeAspect="1" noChangeArrowheads="1"/>
+            </p:cNvPicPr>
+            <p:nvPr/>
+          </p:nvPicPr>
+          <p:blipFill>
+            <a:blip r:embed="rId7" cstate="print"/>
+            <a:srcRect/>
+            <a:stretch>
+              <a:fillRect/>
+            </a:stretch>
+          </p:blipFill>
+          <p:spPr bwMode="auto">
+            <a:xfrm>
+              <a:off x="3852168" y="1980580"/>
+              <a:ext cx="1524000" cy="995362"/>
+            </a:xfrm>
+            <a:prstGeom prst="rect">
+              <a:avLst/>
+            </a:prstGeom>
+            <a:noFill/>
+          </p:spPr>
+        </p:pic>
+        <p:sp>
+          <p:nvSpPr>
+            <p:cNvPr id="35" name="Shape 78"/>
+            <p:cNvSpPr/>
+            <p:nvPr/>
+          </p:nvSpPr>
+          <p:spPr>
+            <a:xfrm>
+              <a:off x="3875408" y="2283192"/>
+              <a:ext cx="1512168" cy="356508"/>
+            </a:xfrm>
+            <a:prstGeom prst="rect">
+              <a:avLst/>
+            </a:prstGeom>
+            <a:ln w="12700">
+              <a:miter lim="400000"/>
+            </a:ln>
+            <a:extLst>
+              <a:ext uri="{C572A759-6A51-4108-AA02-DFA0A04FC94B}">
+                <ma14:wrappingTextBoxFlag xmlns:ma14="http://schemas.microsoft.com/office/mac/drawingml/2011/main" val="1"/>
+              </a:ext>
+            </a:extLst>
+          </p:spPr>
+          <p:txBody>
+            <a:bodyPr wrap="square" lIns="50800" tIns="50800" rIns="50800" bIns="50800" anchor="ctr">
+              <a:spAutoFit/>
+            </a:bodyPr>
+            <a:lstStyle>
+              <a:lvl1pPr>
+                <a:defRPr sz="1800">
+                  <a:solidFill>
+                    <a:srgbClr val="B51A00"/>
+                  </a:solidFill>
+                </a:defRPr>
+              </a:lvl1pPr>
+            </a:lstStyle>
+            <a:p>
+              <a:pPr lvl="0">
+                <a:defRPr>
+                  <a:solidFill>
+                    <a:srgbClr val="000000"/>
+                  </a:solidFill>
+                </a:defRPr>
+              </a:pPr>
+              <a:r>
+                <a:rPr lang="de-DE" sz="1650" dirty="0" smtClean="0">
+                  <a:solidFill>
+                    <a:schemeClr val="tx1"/>
+                  </a:solidFill>
+                </a:rPr>
+                <a:t>Internet</a:t>
+              </a:r>
+              <a:endParaRPr sz="1650" dirty="0">
+                <a:solidFill>
+                  <a:schemeClr val="tx1"/>
+                </a:solidFill>
+              </a:endParaRPr>
+            </a:p>
+          </p:txBody>
+        </p:sp>
+      </p:grpSp>
+      <p:grpSp>
+        <p:nvGrpSpPr>
+          <p:cNvPr id="36" name="Gruppieren 45"/>
+          <p:cNvGrpSpPr/>
+          <p:nvPr/>
+        </p:nvGrpSpPr>
+        <p:grpSpPr>
+          <a:xfrm>
+            <a:off x="3255988" y="5001810"/>
+            <a:ext cx="1535408" cy="995362"/>
+            <a:chOff x="3852168" y="1980580"/>
+            <a:chExt cx="1535408" cy="995362"/>
+          </a:xfrm>
+        </p:grpSpPr>
+        <p:pic>
+          <p:nvPicPr>
+            <p:cNvPr id="37" name="Picture 3" descr="C:\Users\Pelego\Desktop\1258662140461877526jean_victor_balin_cloud.svg.hi.png"/>
+            <p:cNvPicPr>
+              <a:picLocks noChangeAspect="1" noChangeArrowheads="1"/>
+            </p:cNvPicPr>
+            <p:nvPr/>
+          </p:nvPicPr>
+          <p:blipFill>
+            <a:blip r:embed="rId7" cstate="print"/>
+            <a:srcRect/>
+            <a:stretch>
+              <a:fillRect/>
+            </a:stretch>
+          </p:blipFill>
+          <p:spPr bwMode="auto">
+            <a:xfrm>
+              <a:off x="3852168" y="1980580"/>
+              <a:ext cx="1524000" cy="995362"/>
+            </a:xfrm>
+            <a:prstGeom prst="rect">
+              <a:avLst/>
+            </a:prstGeom>
+            <a:noFill/>
+          </p:spPr>
+        </p:pic>
+        <p:sp>
+          <p:nvSpPr>
+            <p:cNvPr id="38" name="Shape 78"/>
+            <p:cNvSpPr/>
+            <p:nvPr/>
+          </p:nvSpPr>
+          <p:spPr>
+            <a:xfrm>
+              <a:off x="3875408" y="2283192"/>
+              <a:ext cx="1512168" cy="356508"/>
+            </a:xfrm>
+            <a:prstGeom prst="rect">
+              <a:avLst/>
+            </a:prstGeom>
+            <a:ln w="12700">
+              <a:miter lim="400000"/>
+            </a:ln>
+            <a:extLst>
+              <a:ext uri="{C572A759-6A51-4108-AA02-DFA0A04FC94B}">
+                <ma14:wrappingTextBoxFlag xmlns:ma14="http://schemas.microsoft.com/office/mac/drawingml/2011/main" val="1"/>
+              </a:ext>
+            </a:extLst>
+          </p:spPr>
+          <p:txBody>
+            <a:bodyPr wrap="square" lIns="50800" tIns="50800" rIns="50800" bIns="50800" anchor="ctr">
+              <a:spAutoFit/>
+            </a:bodyPr>
+            <a:lstStyle>
+              <a:lvl1pPr>
+                <a:defRPr sz="1800">
+                  <a:solidFill>
+                    <a:srgbClr val="B51A00"/>
+                  </a:solidFill>
+                </a:defRPr>
+              </a:lvl1pPr>
+            </a:lstStyle>
+            <a:p>
+              <a:pPr lvl="0">
+                <a:defRPr>
+                  <a:solidFill>
+                    <a:srgbClr val="000000"/>
+                  </a:solidFill>
+                </a:defRPr>
+              </a:pPr>
+              <a:r>
+                <a:rPr lang="de-DE" sz="1650" dirty="0" smtClean="0">
+                  <a:solidFill>
+                    <a:schemeClr val="tx1"/>
+                  </a:solidFill>
+                </a:rPr>
+                <a:t>Internet</a:t>
+              </a:r>
+              <a:endParaRPr sz="1650" dirty="0">
+                <a:solidFill>
+                  <a:schemeClr val="tx1"/>
+                </a:solidFill>
+              </a:endParaRPr>
+            </a:p>
+          </p:txBody>
+        </p:sp>
+      </p:grpSp>
+    </p:spTree>
+    <p:extLst>
+      <p:ext uri="{BB962C8B-B14F-4D97-AF65-F5344CB8AC3E}">
+        <p14:creationId xmlns:p14="http://schemas.microsoft.com/office/powerpoint/2010/main" val="3331957192"/>
+      </p:ext>
+    </p:extLst>
+  </p:cSld>
+  <p:clrMapOvr>
+    <a:masterClrMapping/>
+  </p:clrMapOvr>
+  <p:timing>
+    <p:tnLst>
+      <p:par>
+        <p:cTn xmlns:p14="http://schemas.microsoft.com/office/powerpoint/2010/main" id="1" dur="indefinite" restart="never" nodeType="tmRoot"/>
+      </p:par>
+    </p:tnLst>
+  </p:timing>
+</p:sld>
+</file>
+
+<file path=ppt/slides/slide51.xml><?xml version="1.0" encoding="utf-8"?>
+<p:sld xmlns:a="http://schemas.openxmlformats.org/drawingml/2006/main" xmlns:r="http://schemas.openxmlformats.org/officeDocument/2006/relationships" xmlns:p="http://schemas.openxmlformats.org/presentationml/2006/main">
+  <p:cSld>
+    <p:spTree>
+      <p:nvGrpSpPr>
+        <p:cNvPr id="1" name=""/>
+        <p:cNvGrpSpPr/>
+        <p:nvPr/>
+      </p:nvGrpSpPr>
+      <p:grpSpPr>
+        <a:xfrm>
+          <a:off x="0" y="0"/>
+          <a:ext cx="0" cy="0"/>
+          <a:chOff x="0" y="0"/>
+          <a:chExt cx="0" cy="0"/>
+        </a:xfrm>
+      </p:grpSpPr>
+      <p:sp>
+        <p:nvSpPr>
+          <p:cNvPr id="2" name="Titel 1"/>
+          <p:cNvSpPr>
+            <a:spLocks noGrp="1"/>
+          </p:cNvSpPr>
+          <p:nvPr>
+            <p:ph type="title"/>
+          </p:nvPr>
+        </p:nvSpPr>
+        <p:spPr>
+          <a:xfrm>
+            <a:off x="499533" y="-176914"/>
+            <a:ext cx="8229600" cy="1143000"/>
+          </a:xfrm>
+        </p:spPr>
+        <p:txBody>
+          <a:bodyPr>
+            <a:normAutofit/>
+          </a:bodyPr>
+          <a:lstStyle/>
+          <a:p>
+            <a:r>
+              <a:rPr lang="de-DE" sz="3200" dirty="0" smtClean="0"/>
+              <a:t>Websocket-</a:t>
+            </a:r>
+            <a:r>
+              <a:rPr lang="de-DE" sz="3200" dirty="0" err="1" smtClean="0"/>
+              <a:t>based</a:t>
+            </a:r>
+            <a:r>
+              <a:rPr lang="de-DE" sz="3200" dirty="0" smtClean="0"/>
+              <a:t> Remote </a:t>
+            </a:r>
+            <a:r>
+              <a:rPr lang="de-DE" sz="3200" dirty="0" err="1" smtClean="0"/>
+              <a:t>Control</a:t>
+            </a:r>
+            <a:r>
+              <a:rPr lang="de-DE" sz="3200" dirty="0" smtClean="0"/>
+              <a:t> - </a:t>
+            </a:r>
+            <a:r>
+              <a:rPr lang="de-DE" sz="3200" dirty="0" smtClean="0"/>
+              <a:t>First </a:t>
+            </a:r>
+            <a:r>
+              <a:rPr lang="de-DE" sz="3200" dirty="0" err="1" smtClean="0"/>
+              <a:t>step</a:t>
+            </a:r>
+            <a:endParaRPr lang="de-DE" sz="3200" dirty="0"/>
+          </a:p>
+        </p:txBody>
+      </p:sp>
+      <p:sp>
+        <p:nvSpPr>
+          <p:cNvPr id="4" name="Foliennummernplatzhalter 3"/>
+          <p:cNvSpPr>
+            <a:spLocks noGrp="1"/>
+          </p:cNvSpPr>
+          <p:nvPr>
+            <p:ph type="sldNum" sz="quarter" idx="12"/>
+          </p:nvPr>
+        </p:nvSpPr>
+        <p:spPr>
+          <a:xfrm>
+            <a:off x="6482645" y="6356350"/>
+            <a:ext cx="2133600" cy="365125"/>
+          </a:xfrm>
+        </p:spPr>
+        <p:txBody>
+          <a:bodyPr/>
+          <a:lstStyle/>
+          <a:p>
+            <a:fld id="{39E521E7-45CD-AB42-A13A-3EF26A62B09A}" type="slidenum">
+              <a:rPr lang="en-US" smtClean="0"/>
+              <a:t>51</a:t>
+            </a:fld>
+            <a:endParaRPr lang="en-US"/>
+          </a:p>
+        </p:txBody>
+      </p:sp>
+      <p:sp>
+        <p:nvSpPr>
+          <p:cNvPr id="9" name="Rechteck 8"/>
+          <p:cNvSpPr/>
+          <p:nvPr/>
+        </p:nvSpPr>
+        <p:spPr>
+          <a:xfrm>
+            <a:off x="550329" y="3537568"/>
+            <a:ext cx="2340000" cy="3204716"/>
+          </a:xfrm>
+          <a:prstGeom prst="rect">
+            <a:avLst/>
+          </a:prstGeom>
+          <a:solidFill>
+            <a:schemeClr val="bg1"/>
+          </a:solidFill>
+          <a:ln w="12700" cap="flat">
+            <a:noFill/>
+            <a:miter lim="400000"/>
+          </a:ln>
+          <a:effectLst/>
+        </p:spPr>
+        <p:style>
+          <a:lnRef idx="0">
+            <a:scrgbClr r="0" g="0" b="0"/>
+          </a:lnRef>
+          <a:fillRef idx="0">
+            <a:scrgbClr r="0" g="0" b="0"/>
+          </a:fillRef>
+          <a:effectRef idx="0">
+            <a:scrgbClr r="0" g="0" b="0"/>
+          </a:effectRef>
+          <a:fontRef idx="none"/>
+        </p:style>
+        <p:txBody>
+          <a:bodyPr rot="0" spcFirstLastPara="1" vertOverflow="overflow" horzOverflow="overflow" vert="horz" wrap="square" lIns="50800" tIns="50800" rIns="50800" bIns="50800" numCol="1" spcCol="38100" rtlCol="0" anchor="ctr">
+            <a:spAutoFit/>
+          </a:bodyPr>
+          <a:lstStyle/>
+          <a:p>
+            <a:pPr marL="0" marR="0" indent="0" algn="ctr" defTabSz="457200" rtl="0" fontAlgn="auto" latinLnBrk="1" hangingPunct="0">
+              <a:lnSpc>
+                <a:spcPct val="100000"/>
+              </a:lnSpc>
+              <a:spcBef>
+                <a:spcPts val="0"/>
+              </a:spcBef>
+              <a:spcAft>
+                <a:spcPts val="0"/>
+              </a:spcAft>
+              <a:buClrTx/>
+              <a:buSzTx/>
+              <a:buFontTx/>
+              <a:buNone/>
+              <a:tabLst/>
+            </a:pPr>
+            <a:endParaRPr kumimoji="0" lang="en-US" sz="3000" b="0" i="0" u="none" strike="noStrike" cap="none" spc="0" normalizeH="0" baseline="0">
+              <a:ln>
+                <a:noFill/>
+              </a:ln>
+              <a:solidFill>
+                <a:srgbClr val="FFFFFF"/>
+              </a:solidFill>
+              <a:effectLst>
+                <a:outerShdw blurRad="38100" dist="12700" dir="5400000" rotWithShape="0">
+                  <a:srgbClr val="000000">
+                    <a:alpha val="50000"/>
+                  </a:srgbClr>
+                </a:outerShdw>
+              </a:effectLst>
+              <a:uFillTx/>
+              <a:latin typeface="+mn-lt"/>
+              <a:ea typeface="+mn-ea"/>
+              <a:cs typeface="+mn-cs"/>
+              <a:sym typeface="Gill Sans"/>
+            </a:endParaRPr>
+          </a:p>
+        </p:txBody>
+      </p:sp>
+      <p:sp>
+        <p:nvSpPr>
+          <p:cNvPr id="10" name="Rechteck 9"/>
+          <p:cNvSpPr/>
+          <p:nvPr/>
+        </p:nvSpPr>
+        <p:spPr>
+          <a:xfrm>
+            <a:off x="550329" y="4257648"/>
+            <a:ext cx="2340000" cy="2304256"/>
+          </a:xfrm>
+          <a:prstGeom prst="rect">
+            <a:avLst/>
+          </a:prstGeom>
+          <a:solidFill>
+            <a:schemeClr val="bg1"/>
+          </a:solidFill>
+          <a:ln w="12700" cap="flat">
+            <a:noFill/>
+            <a:miter lim="400000"/>
+          </a:ln>
+          <a:effectLst/>
+        </p:spPr>
+        <p:style>
+          <a:lnRef idx="0">
+            <a:scrgbClr r="0" g="0" b="0"/>
+          </a:lnRef>
+          <a:fillRef idx="0">
+            <a:scrgbClr r="0" g="0" b="0"/>
+          </a:fillRef>
+          <a:effectRef idx="0">
+            <a:scrgbClr r="0" g="0" b="0"/>
+          </a:effectRef>
+          <a:fontRef idx="none"/>
+        </p:style>
+        <p:txBody>
+          <a:bodyPr rot="0" spcFirstLastPara="1" vertOverflow="overflow" horzOverflow="overflow" vert="horz" wrap="square" lIns="50800" tIns="50800" rIns="50800" bIns="50800" numCol="1" spcCol="38100" rtlCol="0" anchor="ctr">
+            <a:spAutoFit/>
+          </a:bodyPr>
+          <a:lstStyle/>
+          <a:p>
+            <a:pPr marL="0" marR="0" indent="0" algn="ctr" defTabSz="457200" rtl="0" fontAlgn="auto" latinLnBrk="1" hangingPunct="0">
+              <a:lnSpc>
+                <a:spcPct val="100000"/>
+              </a:lnSpc>
+              <a:spcBef>
+                <a:spcPts val="0"/>
+              </a:spcBef>
+              <a:spcAft>
+                <a:spcPts val="0"/>
+              </a:spcAft>
+              <a:buClrTx/>
+              <a:buSzTx/>
+              <a:buFontTx/>
+              <a:buNone/>
+              <a:tabLst/>
+            </a:pPr>
+            <a:endParaRPr kumimoji="0" lang="en-US" sz="3000" b="0" i="0" u="none" strike="noStrike" cap="none" spc="0" normalizeH="0" baseline="0">
+              <a:ln>
+                <a:noFill/>
+              </a:ln>
+              <a:solidFill>
+                <a:srgbClr val="FFFFFF"/>
+              </a:solidFill>
+              <a:effectLst>
+                <a:outerShdw blurRad="38100" dist="12700" dir="5400000" rotWithShape="0">
+                  <a:srgbClr val="000000">
+                    <a:alpha val="50000"/>
+                  </a:srgbClr>
+                </a:outerShdw>
+              </a:effectLst>
+              <a:uFillTx/>
+              <a:latin typeface="+mn-lt"/>
+              <a:ea typeface="+mn-ea"/>
+              <a:cs typeface="+mn-cs"/>
+              <a:sym typeface="Gill Sans"/>
+            </a:endParaRPr>
+          </a:p>
+        </p:txBody>
+      </p:sp>
+      <p:pic>
+        <p:nvPicPr>
           <p:cNvPr id="11" name="Picture 2" descr="D:\WS_Buch\Lizenzen\clker\13652249391214039740Smartphone.svg.hi_black_.png"/>
           <p:cNvPicPr>
             <a:picLocks noChangeAspect="1" noChangeArrowheads="1"/>
@@ -27101,84 +29535,6 @@
       </p:pic>
       <p:sp>
         <p:nvSpPr>
-          <p:cNvPr id="13" name="Shape 49"/>
-          <p:cNvSpPr/>
-          <p:nvPr/>
-        </p:nvSpPr>
-        <p:spPr>
-          <a:xfrm flipH="1" flipV="1">
-            <a:off x="2170247" y="5230376"/>
-            <a:ext cx="4392488" cy="0"/>
-          </a:xfrm>
-          <a:prstGeom prst="line">
-            <a:avLst/>
-          </a:prstGeom>
-          <a:ln w="38100" cap="rnd">
-            <a:solidFill/>
-            <a:custDash>
-              <a:ds d="100000" sp="200000"/>
-            </a:custDash>
-            <a:miter lim="400000"/>
-            <a:headEnd type="stealth"/>
-          </a:ln>
-        </p:spPr>
-        <p:txBody>
-          <a:bodyPr lIns="50800" tIns="50800" rIns="50800" bIns="50800" anchor="ctr"/>
-          <a:lstStyle/>
-          <a:p>
-            <a:pPr lvl="0" algn="l">
-              <a:defRPr sz="1200">
-                <a:latin typeface="Helvetica"/>
-                <a:ea typeface="Helvetica"/>
-                <a:cs typeface="Helvetica"/>
-                <a:sym typeface="Helvetica"/>
-              </a:defRPr>
-            </a:pPr>
-            <a:endParaRPr/>
-          </a:p>
-        </p:txBody>
-      </p:sp>
-      <p:sp>
-        <p:nvSpPr>
-          <p:cNvPr id="14" name="Shape 50"/>
-          <p:cNvSpPr/>
-          <p:nvPr/>
-        </p:nvSpPr>
-        <p:spPr>
-          <a:xfrm>
-            <a:off x="2962337" y="2278048"/>
-            <a:ext cx="4210372" cy="2223740"/>
-          </a:xfrm>
-          <a:prstGeom prst="line">
-            <a:avLst/>
-          </a:prstGeom>
-          <a:ln w="38100" cap="rnd">
-            <a:solidFill/>
-            <a:custDash>
-              <a:ds d="100000" sp="200000"/>
-            </a:custDash>
-            <a:miter lim="400000"/>
-            <a:headEnd type="stealth"/>
-          </a:ln>
-        </p:spPr>
-        <p:txBody>
-          <a:bodyPr lIns="50800" tIns="50800" rIns="50800" bIns="50800" anchor="ctr"/>
-          <a:lstStyle/>
-          <a:p>
-            <a:pPr lvl="0" algn="l">
-              <a:defRPr sz="1200">
-                <a:latin typeface="Helvetica"/>
-                <a:ea typeface="Helvetica"/>
-                <a:cs typeface="Helvetica"/>
-                <a:sym typeface="Helvetica"/>
-              </a:defRPr>
-            </a:pPr>
-            <a:endParaRPr/>
-          </a:p>
-        </p:txBody>
-      </p:sp>
-      <p:sp>
-        <p:nvSpPr>
           <p:cNvPr id="15" name="Shape 51"/>
           <p:cNvSpPr/>
           <p:nvPr/>
@@ -27218,139 +29574,6 @@
       </p:sp>
       <p:sp>
         <p:nvSpPr>
-          <p:cNvPr id="16" name="Shape 49"/>
-          <p:cNvSpPr/>
-          <p:nvPr/>
-        </p:nvSpPr>
-        <p:spPr>
-          <a:xfrm flipV="1">
-            <a:off x="2170247" y="5806440"/>
-            <a:ext cx="4392488" cy="0"/>
-          </a:xfrm>
-          <a:prstGeom prst="line">
-            <a:avLst/>
-          </a:prstGeom>
-          <a:ln w="38100" cap="rnd">
-            <a:solidFill/>
-            <a:custDash>
-              <a:ds d="100000" sp="200000"/>
-            </a:custDash>
-            <a:miter lim="400000"/>
-            <a:headEnd type="stealth"/>
-          </a:ln>
-        </p:spPr>
-        <p:txBody>
-          <a:bodyPr lIns="50800" tIns="50800" rIns="50800" bIns="50800" anchor="ctr"/>
-          <a:lstStyle/>
-          <a:p>
-            <a:pPr lvl="0" algn="l">
-              <a:defRPr sz="1200">
-                <a:latin typeface="Helvetica"/>
-                <a:ea typeface="Helvetica"/>
-                <a:cs typeface="Helvetica"/>
-                <a:sym typeface="Helvetica"/>
-              </a:defRPr>
-            </a:pPr>
-            <a:endParaRPr/>
-          </a:p>
-        </p:txBody>
-      </p:sp>
-      <p:sp>
-        <p:nvSpPr>
-          <p:cNvPr id="17" name="Shape 50"/>
-          <p:cNvSpPr/>
-          <p:nvPr/>
-        </p:nvSpPr>
-        <p:spPr>
-          <a:xfrm rot="5400000" flipH="1">
-            <a:off x="3587227" y="886716"/>
-            <a:ext cx="2283048" cy="4244032"/>
-          </a:xfrm>
-          <a:prstGeom prst="line">
-            <a:avLst/>
-          </a:prstGeom>
-          <a:ln w="38100" cap="rnd">
-            <a:solidFill/>
-            <a:custDash>
-              <a:ds d="100000" sp="200000"/>
-            </a:custDash>
-            <a:miter lim="400000"/>
-            <a:headEnd type="stealth"/>
-          </a:ln>
-        </p:spPr>
-        <p:txBody>
-          <a:bodyPr lIns="50800" tIns="50800" rIns="50800" bIns="50800" anchor="ctr"/>
-          <a:lstStyle/>
-          <a:p>
-            <a:pPr lvl="0" algn="l">
-              <a:defRPr sz="1200">
-                <a:latin typeface="Helvetica"/>
-                <a:ea typeface="Helvetica"/>
-                <a:cs typeface="Helvetica"/>
-                <a:sym typeface="Helvetica"/>
-              </a:defRPr>
-            </a:pPr>
-            <a:endParaRPr/>
-          </a:p>
-        </p:txBody>
-      </p:sp>
-      <p:sp>
-        <p:nvSpPr>
-          <p:cNvPr id="18" name="Shape 78"/>
-          <p:cNvSpPr/>
-          <p:nvPr/>
-        </p:nvSpPr>
-        <p:spPr>
-          <a:xfrm rot="20034527">
-            <a:off x="3220670" y="4044394"/>
-            <a:ext cx="807913" cy="379591"/>
-          </a:xfrm>
-          <a:prstGeom prst="rect">
-            <a:avLst/>
-          </a:prstGeom>
-          <a:ln w="12700">
-            <a:miter lim="400000"/>
-          </a:ln>
-          <a:extLst>
-            <a:ext uri="{C572A759-6A51-4108-AA02-DFA0A04FC94B}">
-              <ma14:wrappingTextBoxFlag xmlns:ma14="http://schemas.microsoft.com/office/mac/drawingml/2011/main" val="1"/>
-            </a:ext>
-          </a:extLst>
-        </p:spPr>
-        <p:txBody>
-          <a:bodyPr wrap="none" lIns="50800" tIns="50800" rIns="50800" bIns="50800" anchor="ctr">
-            <a:spAutoFit/>
-          </a:bodyPr>
-          <a:lstStyle>
-            <a:lvl1pPr>
-              <a:defRPr sz="1800">
-                <a:solidFill>
-                  <a:srgbClr val="B51A00"/>
-                </a:solidFill>
-              </a:defRPr>
-            </a:lvl1pPr>
-          </a:lstStyle>
-          <a:p>
-            <a:pPr lvl="0">
-              <a:defRPr>
-                <a:solidFill>
-                  <a:srgbClr val="000000"/>
-                </a:solidFill>
-              </a:defRPr>
-            </a:pPr>
-            <a:r>
-              <a:rPr dirty="0">
-                <a:solidFill>
-                  <a:srgbClr val="E32400"/>
-                </a:solidFill>
-              </a:rPr>
-              <a:t>Events</a:t>
-            </a:r>
-          </a:p>
-        </p:txBody>
-      </p:sp>
-      <p:sp>
-        <p:nvSpPr>
           <p:cNvPr id="19" name="Shape 51"/>
           <p:cNvSpPr/>
           <p:nvPr/>
@@ -27424,481 +29647,6 @@
               </a:defRPr>
             </a:pPr>
             <a:endParaRPr/>
-          </a:p>
-        </p:txBody>
-      </p:sp>
-      <p:sp>
-        <p:nvSpPr>
-          <p:cNvPr id="21" name="Shape 51"/>
-          <p:cNvSpPr/>
-          <p:nvPr/>
-        </p:nvSpPr>
-        <p:spPr>
-          <a:xfrm flipH="1">
-            <a:off x="3322887" y="4148708"/>
-            <a:ext cx="783024" cy="373981"/>
-          </a:xfrm>
-          <a:prstGeom prst="line">
-            <a:avLst/>
-          </a:prstGeom>
-          <a:ln w="38100">
-            <a:solidFill>
-              <a:srgbClr val="E32400"/>
-            </a:solidFill>
-            <a:miter lim="400000"/>
-            <a:headEnd type="stealth"/>
-            <a:tailEnd type="none"/>
-          </a:ln>
-        </p:spPr>
-        <p:txBody>
-          <a:bodyPr lIns="0" tIns="0" rIns="0" bIns="0" anchor="ctr"/>
-          <a:lstStyle/>
-          <a:p>
-            <a:pPr lvl="0" algn="l">
-              <a:defRPr sz="1200">
-                <a:latin typeface="Helvetica"/>
-                <a:ea typeface="Helvetica"/>
-                <a:cs typeface="Helvetica"/>
-                <a:sym typeface="Helvetica"/>
-              </a:defRPr>
-            </a:pPr>
-            <a:endParaRPr/>
-          </a:p>
-        </p:txBody>
-      </p:sp>
-      <p:sp>
-        <p:nvSpPr>
-          <p:cNvPr id="22" name="Shape 78"/>
-          <p:cNvSpPr/>
-          <p:nvPr/>
-        </p:nvSpPr>
-        <p:spPr>
-          <a:xfrm>
-            <a:off x="3695010" y="1178381"/>
-            <a:ext cx="807913" cy="379591"/>
-          </a:xfrm>
-          <a:prstGeom prst="rect">
-            <a:avLst/>
-          </a:prstGeom>
-          <a:ln w="12700">
-            <a:miter lim="400000"/>
-          </a:ln>
-          <a:extLst>
-            <a:ext uri="{C572A759-6A51-4108-AA02-DFA0A04FC94B}">
-              <ma14:wrappingTextBoxFlag xmlns:ma14="http://schemas.microsoft.com/office/mac/drawingml/2011/main" val="1"/>
-            </a:ext>
-          </a:extLst>
-        </p:spPr>
-        <p:txBody>
-          <a:bodyPr wrap="none" lIns="50800" tIns="50800" rIns="50800" bIns="50800" anchor="ctr">
-            <a:spAutoFit/>
-          </a:bodyPr>
-          <a:lstStyle>
-            <a:lvl1pPr>
-              <a:defRPr sz="1800">
-                <a:solidFill>
-                  <a:srgbClr val="B51A00"/>
-                </a:solidFill>
-              </a:defRPr>
-            </a:lvl1pPr>
-          </a:lstStyle>
-          <a:p>
-            <a:pPr lvl="0">
-              <a:defRPr>
-                <a:solidFill>
-                  <a:srgbClr val="000000"/>
-                </a:solidFill>
-              </a:defRPr>
-            </a:pPr>
-            <a:r>
-              <a:rPr dirty="0">
-                <a:solidFill>
-                  <a:srgbClr val="E32400"/>
-                </a:solidFill>
-              </a:rPr>
-              <a:t>Events</a:t>
-            </a:r>
-          </a:p>
-        </p:txBody>
-      </p:sp>
-      <p:sp>
-        <p:nvSpPr>
-          <p:cNvPr id="23" name="Shape 51"/>
-          <p:cNvSpPr/>
-          <p:nvPr/>
-        </p:nvSpPr>
-        <p:spPr>
-          <a:xfrm>
-            <a:off x="3610409" y="1495485"/>
-            <a:ext cx="864095" cy="0"/>
-          </a:xfrm>
-          <a:prstGeom prst="line">
-            <a:avLst/>
-          </a:prstGeom>
-          <a:ln w="38100">
-            <a:solidFill>
-              <a:srgbClr val="E32400"/>
-            </a:solidFill>
-            <a:miter lim="400000"/>
-            <a:headEnd type="stealth"/>
-            <a:tailEnd type="none"/>
-          </a:ln>
-        </p:spPr>
-        <p:txBody>
-          <a:bodyPr lIns="0" tIns="0" rIns="0" bIns="0" anchor="ctr"/>
-          <a:lstStyle/>
-          <a:p>
-            <a:pPr lvl="0" algn="l">
-              <a:defRPr sz="1200">
-                <a:latin typeface="Helvetica"/>
-                <a:ea typeface="Helvetica"/>
-                <a:cs typeface="Helvetica"/>
-                <a:sym typeface="Helvetica"/>
-              </a:defRPr>
-            </a:pPr>
-            <a:endParaRPr/>
-          </a:p>
-        </p:txBody>
-      </p:sp>
-      <p:sp>
-        <p:nvSpPr>
-          <p:cNvPr id="24" name="Shape 52"/>
-          <p:cNvSpPr/>
-          <p:nvPr/>
-        </p:nvSpPr>
-        <p:spPr>
-          <a:xfrm>
-            <a:off x="3093652" y="1846000"/>
-            <a:ext cx="245259" cy="410369"/>
-          </a:xfrm>
-          <a:prstGeom prst="rect">
-            <a:avLst/>
-          </a:prstGeom>
-          <a:ln w="12700">
-            <a:miter lim="400000"/>
-          </a:ln>
-          <a:extLst>
-            <a:ext uri="{C572A759-6A51-4108-AA02-DFA0A04FC94B}">
-              <ma14:wrappingTextBoxFlag xmlns:ma14="http://schemas.microsoft.com/office/mac/drawingml/2011/main" val="1"/>
-            </a:ext>
-          </a:extLst>
-        </p:spPr>
-        <p:txBody>
-          <a:bodyPr wrap="none" lIns="50800" tIns="50800" rIns="50800" bIns="50800" anchor="ctr">
-            <a:spAutoFit/>
-          </a:bodyPr>
-          <a:lstStyle>
-            <a:lvl1pPr>
-              <a:defRPr>
-                <a:latin typeface="Arial"/>
-                <a:ea typeface="Arial"/>
-                <a:cs typeface="Arial"/>
-                <a:sym typeface="Arial"/>
-              </a:defRPr>
-            </a:lvl1pPr>
-          </a:lstStyle>
-          <a:p>
-            <a:pPr lvl="0">
-              <a:defRPr sz="1800"/>
-            </a:pPr>
-            <a:r>
-              <a:rPr sz="2000" dirty="0"/>
-              <a:t>1</a:t>
-            </a:r>
-          </a:p>
-        </p:txBody>
-      </p:sp>
-      <p:sp>
-        <p:nvSpPr>
-          <p:cNvPr id="25" name="Shape 52"/>
-          <p:cNvSpPr/>
-          <p:nvPr/>
-        </p:nvSpPr>
-        <p:spPr>
-          <a:xfrm>
-            <a:off x="5770648" y="3862225"/>
-            <a:ext cx="245259" cy="410369"/>
-          </a:xfrm>
-          <a:prstGeom prst="rect">
-            <a:avLst/>
-          </a:prstGeom>
-          <a:ln w="12700">
-            <a:miter lim="400000"/>
-          </a:ln>
-          <a:extLst>
-            <a:ext uri="{C572A759-6A51-4108-AA02-DFA0A04FC94B}">
-              <ma14:wrappingTextBoxFlag xmlns:ma14="http://schemas.microsoft.com/office/mac/drawingml/2011/main" val="1"/>
-            </a:ext>
-          </a:extLst>
-        </p:spPr>
-        <p:txBody>
-          <a:bodyPr wrap="none" lIns="50800" tIns="50800" rIns="50800" bIns="50800" anchor="ctr">
-            <a:spAutoFit/>
-          </a:bodyPr>
-          <a:lstStyle>
-            <a:lvl1pPr>
-              <a:defRPr>
-                <a:latin typeface="Arial"/>
-                <a:ea typeface="Arial"/>
-                <a:cs typeface="Arial"/>
-                <a:sym typeface="Arial"/>
-              </a:defRPr>
-            </a:lvl1pPr>
-          </a:lstStyle>
-          <a:p>
-            <a:pPr lvl="0">
-              <a:defRPr sz="1800"/>
-            </a:pPr>
-            <a:r>
-              <a:rPr lang="de-DE" sz="2000" dirty="0" smtClean="0"/>
-              <a:t>2</a:t>
-            </a:r>
-            <a:endParaRPr sz="2000" dirty="0"/>
-          </a:p>
-        </p:txBody>
-      </p:sp>
-      <p:sp>
-        <p:nvSpPr>
-          <p:cNvPr id="26" name="Shape 52"/>
-          <p:cNvSpPr/>
-          <p:nvPr/>
-        </p:nvSpPr>
-        <p:spPr>
-          <a:xfrm>
-            <a:off x="2742476" y="4819540"/>
-            <a:ext cx="245259" cy="410369"/>
-          </a:xfrm>
-          <a:prstGeom prst="rect">
-            <a:avLst/>
-          </a:prstGeom>
-          <a:ln w="12700">
-            <a:miter lim="400000"/>
-          </a:ln>
-          <a:extLst>
-            <a:ext uri="{C572A759-6A51-4108-AA02-DFA0A04FC94B}">
-              <ma14:wrappingTextBoxFlag xmlns:ma14="http://schemas.microsoft.com/office/mac/drawingml/2011/main" val="1"/>
-            </a:ext>
-          </a:extLst>
-        </p:spPr>
-        <p:txBody>
-          <a:bodyPr wrap="none" lIns="50800" tIns="50800" rIns="50800" bIns="50800" anchor="ctr">
-            <a:spAutoFit/>
-          </a:bodyPr>
-          <a:lstStyle>
-            <a:lvl1pPr>
-              <a:defRPr>
-                <a:latin typeface="Arial"/>
-                <a:ea typeface="Arial"/>
-                <a:cs typeface="Arial"/>
-                <a:sym typeface="Arial"/>
-              </a:defRPr>
-            </a:lvl1pPr>
-          </a:lstStyle>
-          <a:p>
-            <a:pPr lvl="0">
-              <a:defRPr sz="1800"/>
-            </a:pPr>
-            <a:r>
-              <a:rPr lang="de-DE" sz="2000" dirty="0" smtClean="0"/>
-              <a:t>3</a:t>
-            </a:r>
-            <a:endParaRPr sz="2000" dirty="0"/>
-          </a:p>
-        </p:txBody>
-      </p:sp>
-      <p:sp>
-        <p:nvSpPr>
-          <p:cNvPr id="27" name="Shape 52"/>
-          <p:cNvSpPr/>
-          <p:nvPr/>
-        </p:nvSpPr>
-        <p:spPr>
-          <a:xfrm>
-            <a:off x="5669404" y="5391883"/>
-            <a:ext cx="245259" cy="410369"/>
-          </a:xfrm>
-          <a:prstGeom prst="rect">
-            <a:avLst/>
-          </a:prstGeom>
-          <a:ln w="12700">
-            <a:miter lim="400000"/>
-          </a:ln>
-          <a:extLst>
-            <a:ext uri="{C572A759-6A51-4108-AA02-DFA0A04FC94B}">
-              <ma14:wrappingTextBoxFlag xmlns:ma14="http://schemas.microsoft.com/office/mac/drawingml/2011/main" val="1"/>
-            </a:ext>
-          </a:extLst>
-        </p:spPr>
-        <p:txBody>
-          <a:bodyPr wrap="none" lIns="50800" tIns="50800" rIns="50800" bIns="50800" anchor="ctr">
-            <a:spAutoFit/>
-          </a:bodyPr>
-          <a:lstStyle>
-            <a:lvl1pPr>
-              <a:defRPr>
-                <a:latin typeface="Arial"/>
-                <a:ea typeface="Arial"/>
-                <a:cs typeface="Arial"/>
-                <a:sym typeface="Arial"/>
-              </a:defRPr>
-            </a:lvl1pPr>
-          </a:lstStyle>
-          <a:p>
-            <a:pPr lvl="0">
-              <a:defRPr sz="1800"/>
-            </a:pPr>
-            <a:r>
-              <a:rPr lang="de-DE" sz="2000" dirty="0" smtClean="0"/>
-              <a:t>4</a:t>
-            </a:r>
-            <a:endParaRPr sz="2000" dirty="0"/>
-          </a:p>
-        </p:txBody>
-      </p:sp>
-      <p:sp>
-        <p:nvSpPr>
-          <p:cNvPr id="28" name="Shape 52"/>
-          <p:cNvSpPr/>
-          <p:nvPr/>
-        </p:nvSpPr>
-        <p:spPr>
-          <a:xfrm>
-            <a:off x="658081" y="5590420"/>
-            <a:ext cx="245259" cy="410369"/>
-          </a:xfrm>
-          <a:prstGeom prst="rect">
-            <a:avLst/>
-          </a:prstGeom>
-          <a:ln w="12700">
-            <a:miter lim="400000"/>
-          </a:ln>
-          <a:extLst>
-            <a:ext uri="{C572A759-6A51-4108-AA02-DFA0A04FC94B}">
-              <ma14:wrappingTextBoxFlag xmlns:ma14="http://schemas.microsoft.com/office/mac/drawingml/2011/main" val="1"/>
-            </a:ext>
-          </a:extLst>
-        </p:spPr>
-        <p:txBody>
-          <a:bodyPr wrap="none" lIns="50800" tIns="50800" rIns="50800" bIns="50800" anchor="ctr">
-            <a:spAutoFit/>
-          </a:bodyPr>
-          <a:lstStyle>
-            <a:lvl1pPr>
-              <a:defRPr>
-                <a:latin typeface="Arial"/>
-                <a:ea typeface="Arial"/>
-                <a:cs typeface="Arial"/>
-                <a:sym typeface="Arial"/>
-              </a:defRPr>
-            </a:lvl1pPr>
-          </a:lstStyle>
-          <a:p>
-            <a:pPr lvl="0">
-              <a:defRPr sz="1800"/>
-            </a:pPr>
-            <a:r>
-              <a:rPr lang="de-DE" sz="2000" dirty="0" smtClean="0"/>
-              <a:t>5</a:t>
-            </a:r>
-            <a:endParaRPr sz="2000" dirty="0"/>
-          </a:p>
-        </p:txBody>
-      </p:sp>
-      <p:sp>
-        <p:nvSpPr>
-          <p:cNvPr id="29" name="Shape 52"/>
-          <p:cNvSpPr/>
-          <p:nvPr/>
-        </p:nvSpPr>
-        <p:spPr>
-          <a:xfrm>
-            <a:off x="2573060" y="4103652"/>
-            <a:ext cx="245259" cy="410369"/>
-          </a:xfrm>
-          <a:prstGeom prst="rect">
-            <a:avLst/>
-          </a:prstGeom>
-          <a:ln w="12700">
-            <a:miter lim="400000"/>
-          </a:ln>
-          <a:extLst>
-            <a:ext uri="{C572A759-6A51-4108-AA02-DFA0A04FC94B}">
-              <ma14:wrappingTextBoxFlag xmlns:ma14="http://schemas.microsoft.com/office/mac/drawingml/2011/main" val="1"/>
-            </a:ext>
-          </a:extLst>
-        </p:spPr>
-        <p:txBody>
-          <a:bodyPr wrap="none" lIns="50800" tIns="50800" rIns="50800" bIns="50800" anchor="ctr">
-            <a:spAutoFit/>
-          </a:bodyPr>
-          <a:lstStyle>
-            <a:lvl1pPr>
-              <a:defRPr>
-                <a:latin typeface="Arial"/>
-                <a:ea typeface="Arial"/>
-                <a:cs typeface="Arial"/>
-                <a:sym typeface="Arial"/>
-              </a:defRPr>
-            </a:lvl1pPr>
-          </a:lstStyle>
-          <a:p>
-            <a:pPr lvl="0">
-              <a:defRPr sz="1800"/>
-            </a:pPr>
-            <a:r>
-              <a:rPr lang="de-DE" sz="2000" dirty="0" smtClean="0"/>
-              <a:t>6</a:t>
-            </a:r>
-            <a:endParaRPr sz="2000" dirty="0"/>
-          </a:p>
-        </p:txBody>
-      </p:sp>
-      <p:sp>
-        <p:nvSpPr>
-          <p:cNvPr id="30" name="Shape 52"/>
-          <p:cNvSpPr/>
-          <p:nvPr/>
-        </p:nvSpPr>
-        <p:spPr>
-          <a:xfrm>
-            <a:off x="5842657" y="1291619"/>
-            <a:ext cx="245259" cy="410369"/>
-          </a:xfrm>
-          <a:prstGeom prst="rect">
-            <a:avLst/>
-          </a:prstGeom>
-          <a:ln w="12700">
-            <a:miter lim="400000"/>
-          </a:ln>
-          <a:extLst>
-            <a:ext uri="{C572A759-6A51-4108-AA02-DFA0A04FC94B}">
-              <ma14:wrappingTextBoxFlag xmlns:ma14="http://schemas.microsoft.com/office/mac/drawingml/2011/main" val="1"/>
-            </a:ext>
-          </a:extLst>
-        </p:spPr>
-        <p:txBody>
-          <a:bodyPr wrap="none" lIns="50800" tIns="50800" rIns="50800" bIns="50800" anchor="ctr">
-            <a:spAutoFit/>
-          </a:bodyPr>
-          <a:lstStyle>
-            <a:lvl1pPr>
-              <a:defRPr>
-                <a:latin typeface="Arial"/>
-                <a:ea typeface="Arial"/>
-                <a:cs typeface="Arial"/>
-                <a:sym typeface="Arial"/>
-              </a:defRPr>
-            </a:lvl1pPr>
-          </a:lstStyle>
-          <a:p>
-            <a:pPr lvl="0">
-              <a:defRPr sz="1800"/>
-            </a:pPr>
-            <a:r>
-              <a:rPr lang="de-DE" sz="2000" dirty="0" smtClean="0"/>
-              <a:t>7</a:t>
-            </a:r>
-            <a:endParaRPr sz="2000" dirty="0"/>
           </a:p>
         </p:txBody>
       </p:sp>
@@ -28250,107 +29998,6 @@
           </p:txBody>
         </p:sp>
       </p:grpSp>
-      <p:grpSp>
-        <p:nvGrpSpPr>
-          <p:cNvPr id="40" name="Gruppieren 45"/>
-          <p:cNvGrpSpPr/>
-          <p:nvPr/>
-        </p:nvGrpSpPr>
-        <p:grpSpPr>
-          <a:xfrm>
-            <a:off x="3394385" y="5049736"/>
-            <a:ext cx="1535408" cy="995362"/>
-            <a:chOff x="3852168" y="1980580"/>
-            <a:chExt cx="1535408" cy="995362"/>
-          </a:xfrm>
-        </p:grpSpPr>
-        <p:pic>
-          <p:nvPicPr>
-            <p:cNvPr id="41" name="Picture 3" descr="C:\Users\Pelego\Desktop\1258662140461877526jean_victor_balin_cloud.svg.hi.png"/>
-            <p:cNvPicPr>
-              <a:picLocks noChangeAspect="1" noChangeArrowheads="1"/>
-            </p:cNvPicPr>
-            <p:nvPr/>
-          </p:nvPicPr>
-          <p:blipFill>
-            <a:blip r:embed="rId7" cstate="print"/>
-            <a:srcRect/>
-            <a:stretch>
-              <a:fillRect/>
-            </a:stretch>
-          </p:blipFill>
-          <p:spPr bwMode="auto">
-            <a:xfrm>
-              <a:off x="3852168" y="1980580"/>
-              <a:ext cx="1524000" cy="995362"/>
-            </a:xfrm>
-            <a:prstGeom prst="rect">
-              <a:avLst/>
-            </a:prstGeom>
-            <a:noFill/>
-          </p:spPr>
-        </p:pic>
-        <p:sp>
-          <p:nvSpPr>
-            <p:cNvPr id="42" name="Shape 78"/>
-            <p:cNvSpPr/>
-            <p:nvPr/>
-          </p:nvSpPr>
-          <p:spPr>
-            <a:xfrm>
-              <a:off x="3875408" y="2283192"/>
-              <a:ext cx="1512168" cy="356508"/>
-            </a:xfrm>
-            <a:prstGeom prst="rect">
-              <a:avLst/>
-            </a:prstGeom>
-            <a:ln w="12700">
-              <a:miter lim="400000"/>
-            </a:ln>
-            <a:extLst>
-              <a:ext uri="{C572A759-6A51-4108-AA02-DFA0A04FC94B}">
-                <ma14:wrappingTextBoxFlag xmlns:ma14="http://schemas.microsoft.com/office/mac/drawingml/2011/main" val="1"/>
-              </a:ext>
-            </a:extLst>
-          </p:spPr>
-          <p:txBody>
-            <a:bodyPr wrap="square" lIns="50800" tIns="50800" rIns="50800" bIns="50800" anchor="ctr">
-              <a:spAutoFit/>
-            </a:bodyPr>
-            <a:lstStyle>
-              <a:lvl1pPr>
-                <a:defRPr sz="1800">
-                  <a:solidFill>
-                    <a:srgbClr val="B51A00"/>
-                  </a:solidFill>
-                </a:defRPr>
-              </a:lvl1pPr>
-            </a:lstStyle>
-            <a:p>
-              <a:pPr lvl="0">
-                <a:defRPr>
-                  <a:solidFill>
-                    <a:srgbClr val="000000"/>
-                  </a:solidFill>
-                </a:defRPr>
-              </a:pPr>
-              <a:r>
-                <a:rPr lang="de-DE" sz="1650" dirty="0" smtClean="0">
-                  <a:solidFill>
-                    <a:schemeClr val="tx1"/>
-                  </a:solidFill>
-                </a:rPr>
-                <a:t>Internet</a:t>
-              </a:r>
-              <a:endParaRPr sz="1650" dirty="0">
-                <a:solidFill>
-                  <a:schemeClr val="tx1"/>
-                </a:solidFill>
-              </a:endParaRPr>
-            </a:p>
-          </p:txBody>
-        </p:sp>
-      </p:grpSp>
       <p:sp>
         <p:nvSpPr>
           <p:cNvPr id="43" name="Shape 52"/>
@@ -28404,6 +30051,136 @@
           </a:p>
         </p:txBody>
       </p:sp>
+      <p:sp>
+        <p:nvSpPr>
+          <p:cNvPr id="44" name="Shape 52"/>
+          <p:cNvSpPr/>
+          <p:nvPr/>
+        </p:nvSpPr>
+        <p:spPr>
+          <a:xfrm>
+            <a:off x="3480524" y="1107694"/>
+            <a:ext cx="1314362" cy="410369"/>
+          </a:xfrm>
+          <a:prstGeom prst="rect">
+            <a:avLst/>
+          </a:prstGeom>
+          <a:ln w="12700">
+            <a:miter lim="400000"/>
+          </a:ln>
+          <a:extLst>
+            <a:ext uri="{C572A759-6A51-4108-AA02-DFA0A04FC94B}">
+              <ma14:wrappingTextBoxFlag xmlns:ma14="http://schemas.microsoft.com/office/mac/drawingml/2011/main" val="1"/>
+            </a:ext>
+          </a:extLst>
+        </p:spPr>
+        <p:txBody>
+          <a:bodyPr wrap="none" lIns="50800" tIns="50800" rIns="50800" bIns="50800" anchor="ctr">
+            <a:spAutoFit/>
+          </a:bodyPr>
+          <a:lstStyle>
+            <a:lvl1pPr>
+              <a:defRPr>
+                <a:latin typeface="Arial"/>
+                <a:ea typeface="Arial"/>
+                <a:cs typeface="Arial"/>
+                <a:sym typeface="Arial"/>
+              </a:defRPr>
+            </a:lvl1pPr>
+          </a:lstStyle>
+          <a:p>
+            <a:pPr lvl="0">
+              <a:defRPr sz="1800"/>
+            </a:pPr>
+            <a:r>
+              <a:rPr lang="de-DE" sz="2000" dirty="0" smtClean="0"/>
+              <a:t>Session-</a:t>
+            </a:r>
+            <a:r>
+              <a:rPr lang="de-DE" sz="2000" dirty="0" err="1" smtClean="0"/>
+              <a:t>Id</a:t>
+            </a:r>
+            <a:endParaRPr sz="2000" dirty="0"/>
+          </a:p>
+        </p:txBody>
+      </p:sp>
+      <p:sp>
+        <p:nvSpPr>
+          <p:cNvPr id="45" name="Shape 52"/>
+          <p:cNvSpPr/>
+          <p:nvPr/>
+        </p:nvSpPr>
+        <p:spPr>
+          <a:xfrm>
+            <a:off x="3037829" y="3316429"/>
+            <a:ext cx="1314362" cy="410369"/>
+          </a:xfrm>
+          <a:prstGeom prst="rect">
+            <a:avLst/>
+          </a:prstGeom>
+          <a:ln w="12700">
+            <a:miter lim="400000"/>
+          </a:ln>
+          <a:extLst>
+            <a:ext uri="{C572A759-6A51-4108-AA02-DFA0A04FC94B}">
+              <ma14:wrappingTextBoxFlag xmlns:ma14="http://schemas.microsoft.com/office/mac/drawingml/2011/main" val="1"/>
+            </a:ext>
+          </a:extLst>
+        </p:spPr>
+        <p:txBody>
+          <a:bodyPr wrap="none" lIns="50800" tIns="50800" rIns="50800" bIns="50800" anchor="ctr">
+            <a:spAutoFit/>
+          </a:bodyPr>
+          <a:lstStyle>
+            <a:lvl1pPr>
+              <a:defRPr>
+                <a:latin typeface="Arial"/>
+                <a:ea typeface="Arial"/>
+                <a:cs typeface="Arial"/>
+                <a:sym typeface="Arial"/>
+              </a:defRPr>
+            </a:lvl1pPr>
+          </a:lstStyle>
+          <a:p>
+            <a:pPr lvl="0">
+              <a:defRPr sz="1800"/>
+            </a:pPr>
+            <a:r>
+              <a:rPr lang="de-DE" sz="2000" dirty="0" smtClean="0"/>
+              <a:t>Session-</a:t>
+            </a:r>
+            <a:r>
+              <a:rPr lang="de-DE" sz="2000" dirty="0" err="1" smtClean="0"/>
+              <a:t>Id</a:t>
+            </a:r>
+            <a:endParaRPr sz="2000" dirty="0"/>
+          </a:p>
+        </p:txBody>
+      </p:sp>
+      <p:pic>
+        <p:nvPicPr>
+          <p:cNvPr id="3" name="Bild 2"/>
+          <p:cNvPicPr>
+            <a:picLocks noChangeAspect="1"/>
+          </p:cNvPicPr>
+          <p:nvPr/>
+        </p:nvPicPr>
+        <p:blipFill>
+          <a:blip r:embed="rId8"/>
+          <a:stretch>
+            <a:fillRect/>
+          </a:stretch>
+        </p:blipFill>
+        <p:spPr>
+          <a:xfrm>
+            <a:off x="1299131" y="1312879"/>
+            <a:ext cx="734121" cy="734121"/>
+          </a:xfrm>
+          <a:prstGeom prst="rect">
+            <a:avLst/>
+          </a:prstGeom>
+        </p:spPr>
+      </p:pic>
     </p:spTree>
     <p:extLst>
       <p:ext uri="{BB962C8B-B14F-4D97-AF65-F5344CB8AC3E}">
@@ -28417,14 +30194,306 @@
   <p:timing>
     <p:tnLst>
       <p:par>
-        <p:cTn xmlns:p14="http://schemas.microsoft.com/office/powerpoint/2010/main" id="1" dur="indefinite" restart="never" nodeType="tmRoot"/>
+        <p:cTn xmlns:p14="http://schemas.microsoft.com/office/powerpoint/2010/main" id="1" dur="indefinite" restart="never" nodeType="tmRoot">
+          <p:childTnLst>
+            <p:seq concurrent="1" nextAc="seek">
+              <p:cTn id="2" dur="indefinite" nodeType="mainSeq">
+                <p:childTnLst>
+                  <p:par>
+                    <p:cTn id="3" fill="hold">
+                      <p:stCondLst>
+                        <p:cond delay="indefinite"/>
+                      </p:stCondLst>
+                      <p:childTnLst>
+                        <p:par>
+                          <p:cTn id="4" fill="hold">
+                            <p:stCondLst>
+                              <p:cond delay="0"/>
+                            </p:stCondLst>
+                            <p:childTnLst>
+                              <p:par>
+                                <p:cTn id="5" presetID="1" presetClass="entr" presetSubtype="0" fill="hold" grpId="0" nodeType="clickEffect">
+                                  <p:stCondLst>
+                                    <p:cond delay="0"/>
+                                  </p:stCondLst>
+                                  <p:childTnLst>
+                                    <p:set>
+                                      <p:cBhvr>
+                                        <p:cTn id="6" dur="1" fill="hold">
+                                          <p:stCondLst>
+                                            <p:cond delay="0"/>
+                                          </p:stCondLst>
+                                        </p:cTn>
+                                        <p:tgtEl>
+                                          <p:spTgt spid="44"/>
+                                        </p:tgtEl>
+                                        <p:attrNameLst>
+                                          <p:attrName>style.visibility</p:attrName>
+                                        </p:attrNameLst>
+                                      </p:cBhvr>
+                                      <p:to>
+                                        <p:strVal val="visible"/>
+                                      </p:to>
+                                    </p:set>
+                                  </p:childTnLst>
+                                </p:cTn>
+                              </p:par>
+                              <p:par>
+                                <p:cTn id="7" presetID="1" presetClass="entr" presetSubtype="0" fill="hold" grpId="0" nodeType="withEffect">
+                                  <p:stCondLst>
+                                    <p:cond delay="0"/>
+                                  </p:stCondLst>
+                                  <p:childTnLst>
+                                    <p:set>
+                                      <p:cBhvr>
+                                        <p:cTn id="8" dur="1" fill="hold">
+                                          <p:stCondLst>
+                                            <p:cond delay="0"/>
+                                          </p:stCondLst>
+                                        </p:cTn>
+                                        <p:tgtEl>
+                                          <p:spTgt spid="20"/>
+                                        </p:tgtEl>
+                                        <p:attrNameLst>
+                                          <p:attrName>style.visibility</p:attrName>
+                                        </p:attrNameLst>
+                                      </p:cBhvr>
+                                      <p:to>
+                                        <p:strVal val="visible"/>
+                                      </p:to>
+                                    </p:set>
+                                  </p:childTnLst>
+                                </p:cTn>
+                              </p:par>
+                            </p:childTnLst>
+                          </p:cTn>
+                        </p:par>
+                      </p:childTnLst>
+                    </p:cTn>
+                  </p:par>
+                  <p:par>
+                    <p:cTn id="9" fill="hold">
+                      <p:stCondLst>
+                        <p:cond delay="indefinite"/>
+                      </p:stCondLst>
+                      <p:childTnLst>
+                        <p:par>
+                          <p:cTn id="10" fill="hold">
+                            <p:stCondLst>
+                              <p:cond delay="0"/>
+                            </p:stCondLst>
+                            <p:childTnLst>
+                              <p:par>
+                                <p:cTn id="11" presetID="1" presetClass="entr" presetSubtype="0" fill="hold" nodeType="clickEffect">
+                                  <p:stCondLst>
+                                    <p:cond delay="0"/>
+                                  </p:stCondLst>
+                                  <p:childTnLst>
+                                    <p:set>
+                                      <p:cBhvr>
+                                        <p:cTn id="12" dur="1" fill="hold">
+                                          <p:stCondLst>
+                                            <p:cond delay="0"/>
+                                          </p:stCondLst>
+                                        </p:cTn>
+                                        <p:tgtEl>
+                                          <p:spTgt spid="3"/>
+                                        </p:tgtEl>
+                                        <p:attrNameLst>
+                                          <p:attrName>style.visibility</p:attrName>
+                                        </p:attrNameLst>
+                                      </p:cBhvr>
+                                      <p:to>
+                                        <p:strVal val="visible"/>
+                                      </p:to>
+                                    </p:set>
+                                  </p:childTnLst>
+                                </p:cTn>
+                              </p:par>
+                            </p:childTnLst>
+                          </p:cTn>
+                        </p:par>
+                      </p:childTnLst>
+                    </p:cTn>
+                  </p:par>
+                  <p:par>
+                    <p:cTn id="13" fill="hold">
+                      <p:stCondLst>
+                        <p:cond delay="indefinite"/>
+                      </p:stCondLst>
+                      <p:childTnLst>
+                        <p:par>
+                          <p:cTn id="14" fill="hold">
+                            <p:stCondLst>
+                              <p:cond delay="0"/>
+                            </p:stCondLst>
+                            <p:childTnLst>
+                              <p:par>
+                                <p:cTn id="15" presetID="1" presetClass="entr" presetSubtype="0" fill="hold" grpId="0" nodeType="clickEffect">
+                                  <p:stCondLst>
+                                    <p:cond delay="0"/>
+                                  </p:stCondLst>
+                                  <p:childTnLst>
+                                    <p:set>
+                                      <p:cBhvr>
+                                        <p:cTn id="16" dur="1" fill="hold">
+                                          <p:stCondLst>
+                                            <p:cond delay="0"/>
+                                          </p:stCondLst>
+                                        </p:cTn>
+                                        <p:tgtEl>
+                                          <p:spTgt spid="15"/>
+                                        </p:tgtEl>
+                                        <p:attrNameLst>
+                                          <p:attrName>style.visibility</p:attrName>
+                                        </p:attrNameLst>
+                                      </p:cBhvr>
+                                      <p:to>
+                                        <p:strVal val="visible"/>
+                                      </p:to>
+                                    </p:set>
+                                  </p:childTnLst>
+                                </p:cTn>
+                              </p:par>
+                              <p:par>
+                                <p:cTn id="17" presetID="1" presetClass="entr" presetSubtype="0" fill="hold" grpId="0" nodeType="withEffect">
+                                  <p:stCondLst>
+                                    <p:cond delay="0"/>
+                                  </p:stCondLst>
+                                  <p:childTnLst>
+                                    <p:set>
+                                      <p:cBhvr>
+                                        <p:cTn id="18" dur="1" fill="hold">
+                                          <p:stCondLst>
+                                            <p:cond delay="0"/>
+                                          </p:stCondLst>
+                                        </p:cTn>
+                                        <p:tgtEl>
+                                          <p:spTgt spid="43"/>
+                                        </p:tgtEl>
+                                        <p:attrNameLst>
+                                          <p:attrName>style.visibility</p:attrName>
+                                        </p:attrNameLst>
+                                      </p:cBhvr>
+                                      <p:to>
+                                        <p:strVal val="visible"/>
+                                      </p:to>
+                                    </p:set>
+                                  </p:childTnLst>
+                                </p:cTn>
+                              </p:par>
+                            </p:childTnLst>
+                          </p:cTn>
+                        </p:par>
+                      </p:childTnLst>
+                    </p:cTn>
+                  </p:par>
+                  <p:par>
+                    <p:cTn id="19" fill="hold">
+                      <p:stCondLst>
+                        <p:cond delay="indefinite"/>
+                      </p:stCondLst>
+                      <p:childTnLst>
+                        <p:par>
+                          <p:cTn id="20" fill="hold">
+                            <p:stCondLst>
+                              <p:cond delay="0"/>
+                            </p:stCondLst>
+                            <p:childTnLst>
+                              <p:par>
+                                <p:cTn id="21" presetID="1" presetClass="entr" presetSubtype="0" fill="hold" grpId="0" nodeType="clickEffect">
+                                  <p:stCondLst>
+                                    <p:cond delay="0"/>
+                                  </p:stCondLst>
+                                  <p:childTnLst>
+                                    <p:set>
+                                      <p:cBhvr>
+                                        <p:cTn id="22" dur="1" fill="hold">
+                                          <p:stCondLst>
+                                            <p:cond delay="0"/>
+                                          </p:stCondLst>
+                                        </p:cTn>
+                                        <p:tgtEl>
+                                          <p:spTgt spid="45"/>
+                                        </p:tgtEl>
+                                        <p:attrNameLst>
+                                          <p:attrName>style.visibility</p:attrName>
+                                        </p:attrNameLst>
+                                      </p:cBhvr>
+                                      <p:to>
+                                        <p:strVal val="visible"/>
+                                      </p:to>
+                                    </p:set>
+                                  </p:childTnLst>
+                                </p:cTn>
+                              </p:par>
+                              <p:par>
+                                <p:cTn id="23" presetID="1" presetClass="entr" presetSubtype="0" fill="hold" grpId="0" nodeType="withEffect">
+                                  <p:stCondLst>
+                                    <p:cond delay="0"/>
+                                  </p:stCondLst>
+                                  <p:childTnLst>
+                                    <p:set>
+                                      <p:cBhvr>
+                                        <p:cTn id="24" dur="1" fill="hold">
+                                          <p:stCondLst>
+                                            <p:cond delay="0"/>
+                                          </p:stCondLst>
+                                        </p:cTn>
+                                        <p:tgtEl>
+                                          <p:spTgt spid="19"/>
+                                        </p:tgtEl>
+                                        <p:attrNameLst>
+                                          <p:attrName>style.visibility</p:attrName>
+                                        </p:attrNameLst>
+                                      </p:cBhvr>
+                                      <p:to>
+                                        <p:strVal val="visible"/>
+                                      </p:to>
+                                    </p:set>
+                                  </p:childTnLst>
+                                </p:cTn>
+                              </p:par>
+                            </p:childTnLst>
+                          </p:cTn>
+                        </p:par>
+                      </p:childTnLst>
+                    </p:cTn>
+                  </p:par>
+                </p:childTnLst>
+              </p:cTn>
+              <p:prevCondLst>
+                <p:cond evt="onPrev" delay="0">
+                  <p:tgtEl>
+                    <p:sldTgt/>
+                  </p:tgtEl>
+                </p:cond>
+              </p:prevCondLst>
+              <p:nextCondLst>
+                <p:cond evt="onNext" delay="0">
+                  <p:tgtEl>
+                    <p:sldTgt/>
+                  </p:tgtEl>
+                </p:cond>
+              </p:nextCondLst>
+            </p:seq>
+          </p:childTnLst>
+        </p:cTn>
       </p:par>
     </p:tnLst>
+    <p:bldLst>
+      <p:bldP spid="15" grpId="0" animBg="1"/>
+      <p:bldP spid="19" grpId="0" animBg="1"/>
+      <p:bldP spid="20" grpId="0" animBg="1"/>
+      <p:bldP spid="43" grpId="0" animBg="1"/>
+      <p:bldP spid="44" grpId="0" animBg="1"/>
+      <p:bldP spid="45" grpId="0" animBg="1"/>
+    </p:bldLst>
   </p:timing>
 </p:sld>
 </file>
 
-<file path=ppt/slides/slide49.xml><?xml version="1.0" encoding="utf-8"?>
+<file path=ppt/slides/slide52.xml><?xml version="1.0" encoding="utf-8"?>
 <p:sld xmlns:a="http://schemas.openxmlformats.org/drawingml/2006/main" xmlns:r="http://schemas.openxmlformats.org/officeDocument/2006/relationships" xmlns:p="http://schemas.openxmlformats.org/presentationml/2006/main">
   <p:cSld>
     <p:spTree>
@@ -28532,7 +30601,7 @@
             <a:fld id="{6C6AE60A-B69C-4790-82F7-3882EDF23186}" type="slidenum">
               <a:rPr lang="de-DE" smtClean="0"/>
               <a:pPr/>
-              <a:t>49</a:t>
+              <a:t>52</a:t>
             </a:fld>
             <a:endParaRPr lang="de-DE" dirty="0"/>
           </a:p>
@@ -28558,7 +30627,7 @@
 </p:sld>
 </file>
 
-<file path=ppt/slides/slide5.xml><?xml version="1.0" encoding="utf-8"?>
+<file path=ppt/slides/slide53.xml><?xml version="1.0" encoding="utf-8"?>
 <p:sld xmlns:a="http://schemas.openxmlformats.org/drawingml/2006/main" xmlns:r="http://schemas.openxmlformats.org/officeDocument/2006/relationships" xmlns:p="http://schemas.openxmlformats.org/presentationml/2006/main">
   <p:cSld>
     <p:spTree>
@@ -28592,201 +30661,6 @@
           <a:p>
             <a:r>
               <a:rPr lang="de-DE" dirty="0" smtClean="0"/>
-              <a:t>Agenda</a:t>
-            </a:r>
-            <a:endParaRPr lang="de-DE" dirty="0"/>
-          </a:p>
-        </p:txBody>
-      </p:sp>
-      <p:sp>
-        <p:nvSpPr>
-          <p:cNvPr id="3" name="Inhaltsplatzhalter 2"/>
-          <p:cNvSpPr>
-            <a:spLocks noGrp="1"/>
-          </p:cNvSpPr>
-          <p:nvPr>
-            <p:ph idx="1"/>
-          </p:nvPr>
-        </p:nvSpPr>
-        <p:spPr/>
-        <p:txBody>
-          <a:bodyPr>
-            <a:normAutofit lnSpcReduction="10000"/>
-          </a:bodyPr>
-          <a:lstStyle/>
-          <a:p>
-            <a:r>
-              <a:rPr lang="de-DE" b="1" dirty="0" smtClean="0"/>
-              <a:t>Motivation</a:t>
-            </a:r>
-          </a:p>
-          <a:p>
-            <a:pPr lvl="1"/>
-            <a:r>
-              <a:rPr lang="de-DE" b="1" dirty="0" smtClean="0"/>
-              <a:t>Warum </a:t>
-            </a:r>
-            <a:r>
-              <a:rPr lang="de-DE" b="1" dirty="0" err="1" smtClean="0"/>
-              <a:t>Websockets</a:t>
-            </a:r>
-            <a:r>
-              <a:rPr lang="de-DE" b="1" dirty="0" smtClean="0"/>
-              <a:t>?</a:t>
-            </a:r>
-          </a:p>
-          <a:p>
-            <a:r>
-              <a:rPr lang="de-DE" dirty="0" smtClean="0"/>
-              <a:t>Einführung</a:t>
-            </a:r>
-          </a:p>
-          <a:p>
-            <a:pPr lvl="1"/>
-            <a:r>
-              <a:rPr lang="de-DE" dirty="0" smtClean="0"/>
-              <a:t>Wie </a:t>
-            </a:r>
-            <a:r>
-              <a:rPr lang="de-DE" dirty="0" err="1" smtClean="0"/>
-              <a:t>WebSockets</a:t>
-            </a:r>
-            <a:r>
-              <a:rPr lang="de-DE" dirty="0" smtClean="0"/>
-              <a:t>?</a:t>
-            </a:r>
-          </a:p>
-          <a:p>
-            <a:pPr lvl="1"/>
-            <a:r>
-              <a:rPr lang="de-DE" dirty="0" smtClean="0"/>
-              <a:t>Echo-</a:t>
-            </a:r>
-            <a:r>
-              <a:rPr lang="de-DE" dirty="0" err="1" smtClean="0"/>
-              <a:t>Beipsiel</a:t>
-            </a:r>
-            <a:endParaRPr lang="de-DE" dirty="0" smtClean="0"/>
-          </a:p>
-          <a:p>
-            <a:r>
-              <a:rPr lang="de-DE" dirty="0" smtClean="0"/>
-              <a:t>Hands-on</a:t>
-            </a:r>
-          </a:p>
-          <a:p>
-            <a:pPr lvl="1"/>
-            <a:r>
-              <a:rPr lang="de-DE" dirty="0" smtClean="0"/>
-              <a:t>Umfangreiches Projekt</a:t>
-            </a:r>
-          </a:p>
-          <a:p>
-            <a:pPr lvl="2"/>
-            <a:r>
-              <a:rPr lang="de-DE" dirty="0" smtClean="0"/>
-              <a:t>Live-Ticker</a:t>
-            </a:r>
-          </a:p>
-          <a:p>
-            <a:pPr lvl="2"/>
-            <a:r>
-              <a:rPr lang="de-DE" dirty="0" smtClean="0"/>
-              <a:t>Fernsteuerung</a:t>
-            </a:r>
-            <a:endParaRPr lang="de-DE" dirty="0" smtClean="0"/>
-          </a:p>
-          <a:p>
-            <a:pPr lvl="2"/>
-            <a:endParaRPr lang="de-DE" dirty="0" smtClean="0"/>
-          </a:p>
-          <a:p>
-            <a:pPr lvl="1"/>
-            <a:endParaRPr lang="de-DE" dirty="0" smtClean="0"/>
-          </a:p>
-          <a:p>
-            <a:pPr lvl="1"/>
-            <a:endParaRPr lang="de-DE" dirty="0"/>
-          </a:p>
-        </p:txBody>
-      </p:sp>
-      <p:sp>
-        <p:nvSpPr>
-          <p:cNvPr id="5" name="Foliennummernplatzhalter 4"/>
-          <p:cNvSpPr>
-            <a:spLocks noGrp="1"/>
-          </p:cNvSpPr>
-          <p:nvPr>
-            <p:ph type="sldNum" sz="quarter" idx="12"/>
-          </p:nvPr>
-        </p:nvSpPr>
-        <p:spPr/>
-        <p:txBody>
-          <a:bodyPr/>
-          <a:lstStyle/>
-          <a:p>
-            <a:fld id="{39E521E7-45CD-AB42-A13A-3EF26A62B09A}" type="slidenum">
-              <a:rPr lang="en-US" smtClean="0"/>
-              <a:t>5</a:t>
-            </a:fld>
-            <a:endParaRPr lang="en-US"/>
-          </a:p>
-        </p:txBody>
-      </p:sp>
-    </p:spTree>
-    <p:extLst>
-      <p:ext uri="{BB962C8B-B14F-4D97-AF65-F5344CB8AC3E}">
-        <p14:creationId xmlns:p14="http://schemas.microsoft.com/office/powerpoint/2010/main" val="2099810683"/>
-      </p:ext>
-    </p:extLst>
-  </p:cSld>
-  <p:clrMapOvr>
-    <a:masterClrMapping/>
-  </p:clrMapOvr>
-  <p:timing>
-    <p:tnLst>
-      <p:par>
-        <p:cTn xmlns:p14="http://schemas.microsoft.com/office/powerpoint/2010/main" id="1" dur="indefinite" restart="never" nodeType="tmRoot"/>
-      </p:par>
-    </p:tnLst>
-  </p:timing>
-</p:sld>
-</file>
-
-<file path=ppt/slides/slide50.xml><?xml version="1.0" encoding="utf-8"?>
-<p:sld xmlns:a="http://schemas.openxmlformats.org/drawingml/2006/main" xmlns:r="http://schemas.openxmlformats.org/officeDocument/2006/relationships" xmlns:p="http://schemas.openxmlformats.org/presentationml/2006/main">
-  <p:cSld>
-    <p:spTree>
-      <p:nvGrpSpPr>
-        <p:cNvPr id="1" name=""/>
-        <p:cNvGrpSpPr/>
-        <p:nvPr/>
-      </p:nvGrpSpPr>
-      <p:grpSpPr>
-        <a:xfrm>
-          <a:off x="0" y="0"/>
-          <a:ext cx="0" cy="0"/>
-          <a:chOff x="0" y="0"/>
-          <a:chExt cx="0" cy="0"/>
-        </a:xfrm>
-      </p:grpSpPr>
-      <p:sp>
-        <p:nvSpPr>
-          <p:cNvPr id="2" name="Titel 1"/>
-          <p:cNvSpPr>
-            <a:spLocks noGrp="1"/>
-          </p:cNvSpPr>
-          <p:nvPr>
-            <p:ph type="title"/>
-          </p:nvPr>
-        </p:nvSpPr>
-        <p:spPr/>
-        <p:txBody>
-          <a:bodyPr/>
-          <a:lstStyle/>
-          <a:p>
-            <a:r>
-              <a:rPr lang="de-DE" dirty="0" smtClean="0"/>
               <a:t>Event-Objekt</a:t>
             </a:r>
             <a:endParaRPr lang="de-DE" dirty="0"/>
@@ -29157,7 +31031,7 @@
           <a:p>
             <a:fld id="{39E521E7-45CD-AB42-A13A-3EF26A62B09A}" type="slidenum">
               <a:rPr lang="en-US" smtClean="0"/>
-              <a:t>50</a:t>
+              <a:t>53</a:t>
             </a:fld>
             <a:endParaRPr lang="en-US"/>
           </a:p>
